--- a/Проект «Доступное образование».pptx
+++ b/Проект «Доступное образование».pptx
@@ -12,9 +12,11 @@
     <p:sldId id="260" r:id="rId6"/>
     <p:sldId id="261" r:id="rId7"/>
     <p:sldId id="262" r:id="rId8"/>
-    <p:sldId id="263" r:id="rId9"/>
-    <p:sldId id="265" r:id="rId10"/>
-    <p:sldId id="266" r:id="rId11"/>
+    <p:sldId id="265" r:id="rId9"/>
+    <p:sldId id="263" r:id="rId10"/>
+    <p:sldId id="267" r:id="rId11"/>
+    <p:sldId id="268" r:id="rId12"/>
+    <p:sldId id="266" r:id="rId13"/>
   </p:sldIdLst>
   <p:sldSz cx="12192000" cy="6858000"/>
   <p:notesSz cx="6858000" cy="9144000"/>
@@ -121,6 +123,2530 @@
 </p:presentation>
 </file>
 
+<file path=ppt/diagrams/colors1.xml><?xml version="1.0" encoding="utf-8"?>
+<dgm:colorsDef xmlns:dgm="http://schemas.openxmlformats.org/drawingml/2006/diagram" xmlns:a="http://schemas.openxmlformats.org/drawingml/2006/main" uniqueId="urn:microsoft.com/office/officeart/2005/8/colors/accent1_2">
+  <dgm:title val=""/>
+  <dgm:desc val=""/>
+  <dgm:catLst>
+    <dgm:cat type="accent1" pri="11200"/>
+  </dgm:catLst>
+  <dgm:styleLbl name="node0">
+    <dgm:fillClrLst meth="repeat">
+      <a:schemeClr val="accent1"/>
+    </dgm:fillClrLst>
+    <dgm:linClrLst meth="repeat">
+      <a:schemeClr val="lt1"/>
+    </dgm:linClrLst>
+    <dgm:effectClrLst/>
+    <dgm:txLinClrLst/>
+    <dgm:txFillClrLst/>
+    <dgm:txEffectClrLst/>
+  </dgm:styleLbl>
+  <dgm:styleLbl name="alignNode1">
+    <dgm:fillClrLst meth="repeat">
+      <a:schemeClr val="accent1"/>
+    </dgm:fillClrLst>
+    <dgm:linClrLst meth="repeat">
+      <a:schemeClr val="accent1"/>
+    </dgm:linClrLst>
+    <dgm:effectClrLst/>
+    <dgm:txLinClrLst/>
+    <dgm:txFillClrLst/>
+    <dgm:txEffectClrLst/>
+  </dgm:styleLbl>
+  <dgm:styleLbl name="node1">
+    <dgm:fillClrLst meth="repeat">
+      <a:schemeClr val="accent1"/>
+    </dgm:fillClrLst>
+    <dgm:linClrLst meth="repeat">
+      <a:schemeClr val="lt1"/>
+    </dgm:linClrLst>
+    <dgm:effectClrLst/>
+    <dgm:txLinClrLst/>
+    <dgm:txFillClrLst/>
+    <dgm:txEffectClrLst/>
+  </dgm:styleLbl>
+  <dgm:styleLbl name="lnNode1">
+    <dgm:fillClrLst meth="repeat">
+      <a:schemeClr val="accent1"/>
+    </dgm:fillClrLst>
+    <dgm:linClrLst meth="repeat">
+      <a:schemeClr val="lt1"/>
+    </dgm:linClrLst>
+    <dgm:effectClrLst/>
+    <dgm:txLinClrLst/>
+    <dgm:txFillClrLst/>
+    <dgm:txEffectClrLst/>
+  </dgm:styleLbl>
+  <dgm:styleLbl name="vennNode1">
+    <dgm:fillClrLst meth="repeat">
+      <a:schemeClr val="accent1">
+        <a:alpha val="50000"/>
+      </a:schemeClr>
+    </dgm:fillClrLst>
+    <dgm:linClrLst meth="repeat">
+      <a:schemeClr val="lt1"/>
+    </dgm:linClrLst>
+    <dgm:effectClrLst/>
+    <dgm:txLinClrLst/>
+    <dgm:txFillClrLst/>
+    <dgm:txEffectClrLst/>
+  </dgm:styleLbl>
+  <dgm:styleLbl name="node2">
+    <dgm:fillClrLst meth="repeat">
+      <a:schemeClr val="accent1"/>
+    </dgm:fillClrLst>
+    <dgm:linClrLst meth="repeat">
+      <a:schemeClr val="lt1"/>
+    </dgm:linClrLst>
+    <dgm:effectClrLst/>
+    <dgm:txLinClrLst/>
+    <dgm:txFillClrLst/>
+    <dgm:txEffectClrLst/>
+  </dgm:styleLbl>
+  <dgm:styleLbl name="node3">
+    <dgm:fillClrLst meth="repeat">
+      <a:schemeClr val="accent1"/>
+    </dgm:fillClrLst>
+    <dgm:linClrLst meth="repeat">
+      <a:schemeClr val="lt1"/>
+    </dgm:linClrLst>
+    <dgm:effectClrLst/>
+    <dgm:txLinClrLst/>
+    <dgm:txFillClrLst/>
+    <dgm:txEffectClrLst/>
+  </dgm:styleLbl>
+  <dgm:styleLbl name="node4">
+    <dgm:fillClrLst meth="repeat">
+      <a:schemeClr val="accent1"/>
+    </dgm:fillClrLst>
+    <dgm:linClrLst meth="repeat">
+      <a:schemeClr val="lt1"/>
+    </dgm:linClrLst>
+    <dgm:effectClrLst/>
+    <dgm:txLinClrLst/>
+    <dgm:txFillClrLst/>
+    <dgm:txEffectClrLst/>
+  </dgm:styleLbl>
+  <dgm:styleLbl name="fgImgPlace1">
+    <dgm:fillClrLst meth="repeat">
+      <a:schemeClr val="accent1">
+        <a:tint val="50000"/>
+      </a:schemeClr>
+    </dgm:fillClrLst>
+    <dgm:linClrLst meth="repeat">
+      <a:schemeClr val="lt1"/>
+    </dgm:linClrLst>
+    <dgm:effectClrLst/>
+    <dgm:txLinClrLst/>
+    <dgm:txFillClrLst meth="repeat">
+      <a:schemeClr val="lt1"/>
+    </dgm:txFillClrLst>
+    <dgm:txEffectClrLst/>
+  </dgm:styleLbl>
+  <dgm:styleLbl name="alignImgPlace1">
+    <dgm:fillClrLst meth="repeat">
+      <a:schemeClr val="accent1">
+        <a:tint val="50000"/>
+      </a:schemeClr>
+    </dgm:fillClrLst>
+    <dgm:linClrLst meth="repeat">
+      <a:schemeClr val="lt1"/>
+    </dgm:linClrLst>
+    <dgm:effectClrLst/>
+    <dgm:txLinClrLst/>
+    <dgm:txFillClrLst meth="repeat">
+      <a:schemeClr val="lt1"/>
+    </dgm:txFillClrLst>
+    <dgm:txEffectClrLst/>
+  </dgm:styleLbl>
+  <dgm:styleLbl name="bgImgPlace1">
+    <dgm:fillClrLst meth="repeat">
+      <a:schemeClr val="accent1">
+        <a:tint val="50000"/>
+      </a:schemeClr>
+    </dgm:fillClrLst>
+    <dgm:linClrLst meth="repeat">
+      <a:schemeClr val="lt1"/>
+    </dgm:linClrLst>
+    <dgm:effectClrLst/>
+    <dgm:txLinClrLst/>
+    <dgm:txFillClrLst meth="repeat">
+      <a:schemeClr val="lt1"/>
+    </dgm:txFillClrLst>
+    <dgm:txEffectClrLst/>
+  </dgm:styleLbl>
+  <dgm:styleLbl name="sibTrans2D1">
+    <dgm:fillClrLst meth="repeat">
+      <a:schemeClr val="accent1">
+        <a:tint val="60000"/>
+      </a:schemeClr>
+    </dgm:fillClrLst>
+    <dgm:linClrLst meth="repeat">
+      <a:schemeClr val="accent1">
+        <a:tint val="60000"/>
+      </a:schemeClr>
+    </dgm:linClrLst>
+    <dgm:effectClrLst/>
+    <dgm:txLinClrLst/>
+    <dgm:txFillClrLst/>
+    <dgm:txEffectClrLst/>
+  </dgm:styleLbl>
+  <dgm:styleLbl name="fgSibTrans2D1">
+    <dgm:fillClrLst meth="repeat">
+      <a:schemeClr val="accent1">
+        <a:tint val="60000"/>
+      </a:schemeClr>
+    </dgm:fillClrLst>
+    <dgm:linClrLst meth="repeat">
+      <a:schemeClr val="accent1">
+        <a:tint val="60000"/>
+      </a:schemeClr>
+    </dgm:linClrLst>
+    <dgm:effectClrLst/>
+    <dgm:txLinClrLst/>
+    <dgm:txFillClrLst/>
+    <dgm:txEffectClrLst/>
+  </dgm:styleLbl>
+  <dgm:styleLbl name="bgSibTrans2D1">
+    <dgm:fillClrLst meth="repeat">
+      <a:schemeClr val="accent1">
+        <a:tint val="60000"/>
+      </a:schemeClr>
+    </dgm:fillClrLst>
+    <dgm:linClrLst meth="repeat">
+      <a:schemeClr val="accent1">
+        <a:tint val="60000"/>
+      </a:schemeClr>
+    </dgm:linClrLst>
+    <dgm:effectClrLst/>
+    <dgm:txLinClrLst/>
+    <dgm:txFillClrLst/>
+    <dgm:txEffectClrLst/>
+  </dgm:styleLbl>
+  <dgm:styleLbl name="sibTrans1D1">
+    <dgm:fillClrLst meth="repeat">
+      <a:schemeClr val="accent1"/>
+    </dgm:fillClrLst>
+    <dgm:linClrLst meth="repeat">
+      <a:schemeClr val="accent1"/>
+    </dgm:linClrLst>
+    <dgm:effectClrLst/>
+    <dgm:txLinClrLst/>
+    <dgm:txFillClrLst meth="repeat">
+      <a:schemeClr val="tx1"/>
+    </dgm:txFillClrLst>
+    <dgm:txEffectClrLst/>
+  </dgm:styleLbl>
+  <dgm:styleLbl name="callout">
+    <dgm:fillClrLst meth="repeat">
+      <a:schemeClr val="accent1"/>
+    </dgm:fillClrLst>
+    <dgm:linClrLst meth="repeat">
+      <a:schemeClr val="accent1">
+        <a:tint val="50000"/>
+      </a:schemeClr>
+    </dgm:linClrLst>
+    <dgm:effectClrLst/>
+    <dgm:txLinClrLst/>
+    <dgm:txFillClrLst meth="repeat">
+      <a:schemeClr val="tx1"/>
+    </dgm:txFillClrLst>
+    <dgm:txEffectClrLst/>
+  </dgm:styleLbl>
+  <dgm:styleLbl name="asst0">
+    <dgm:fillClrLst meth="repeat">
+      <a:schemeClr val="accent1"/>
+    </dgm:fillClrLst>
+    <dgm:linClrLst meth="repeat">
+      <a:schemeClr val="lt1"/>
+    </dgm:linClrLst>
+    <dgm:effectClrLst/>
+    <dgm:txLinClrLst/>
+    <dgm:txFillClrLst/>
+    <dgm:txEffectClrLst/>
+  </dgm:styleLbl>
+  <dgm:styleLbl name="asst1">
+    <dgm:fillClrLst meth="repeat">
+      <a:schemeClr val="accent1"/>
+    </dgm:fillClrLst>
+    <dgm:linClrLst meth="repeat">
+      <a:schemeClr val="lt1"/>
+    </dgm:linClrLst>
+    <dgm:effectClrLst/>
+    <dgm:txLinClrLst/>
+    <dgm:txFillClrLst/>
+    <dgm:txEffectClrLst/>
+  </dgm:styleLbl>
+  <dgm:styleLbl name="asst2">
+    <dgm:fillClrLst meth="repeat">
+      <a:schemeClr val="accent1"/>
+    </dgm:fillClrLst>
+    <dgm:linClrLst meth="repeat">
+      <a:schemeClr val="lt1"/>
+    </dgm:linClrLst>
+    <dgm:effectClrLst/>
+    <dgm:txLinClrLst/>
+    <dgm:txFillClrLst/>
+    <dgm:txEffectClrLst/>
+  </dgm:styleLbl>
+  <dgm:styleLbl name="asst3">
+    <dgm:fillClrLst meth="repeat">
+      <a:schemeClr val="accent1"/>
+    </dgm:fillClrLst>
+    <dgm:linClrLst meth="repeat">
+      <a:schemeClr val="lt1"/>
+    </dgm:linClrLst>
+    <dgm:effectClrLst/>
+    <dgm:txLinClrLst/>
+    <dgm:txFillClrLst/>
+    <dgm:txEffectClrLst/>
+  </dgm:styleLbl>
+  <dgm:styleLbl name="asst4">
+    <dgm:fillClrLst meth="repeat">
+      <a:schemeClr val="accent1"/>
+    </dgm:fillClrLst>
+    <dgm:linClrLst meth="repeat">
+      <a:schemeClr val="lt1"/>
+    </dgm:linClrLst>
+    <dgm:effectClrLst/>
+    <dgm:txLinClrLst/>
+    <dgm:txFillClrLst/>
+    <dgm:txEffectClrLst/>
+  </dgm:styleLbl>
+  <dgm:styleLbl name="parChTrans2D1">
+    <dgm:fillClrLst meth="repeat">
+      <a:schemeClr val="accent1">
+        <a:tint val="60000"/>
+      </a:schemeClr>
+    </dgm:fillClrLst>
+    <dgm:linClrLst meth="repeat">
+      <a:schemeClr val="accent1">
+        <a:tint val="60000"/>
+      </a:schemeClr>
+    </dgm:linClrLst>
+    <dgm:effectClrLst/>
+    <dgm:txLinClrLst/>
+    <dgm:txFillClrLst meth="repeat">
+      <a:schemeClr val="lt1"/>
+    </dgm:txFillClrLst>
+    <dgm:txEffectClrLst/>
+  </dgm:styleLbl>
+  <dgm:styleLbl name="parChTrans2D2">
+    <dgm:fillClrLst meth="repeat">
+      <a:schemeClr val="accent1"/>
+    </dgm:fillClrLst>
+    <dgm:linClrLst meth="repeat">
+      <a:schemeClr val="accent1"/>
+    </dgm:linClrLst>
+    <dgm:effectClrLst/>
+    <dgm:txLinClrLst/>
+    <dgm:txFillClrLst meth="repeat">
+      <a:schemeClr val="lt1"/>
+    </dgm:txFillClrLst>
+    <dgm:txEffectClrLst/>
+  </dgm:styleLbl>
+  <dgm:styleLbl name="parChTrans2D3">
+    <dgm:fillClrLst meth="repeat">
+      <a:schemeClr val="accent1"/>
+    </dgm:fillClrLst>
+    <dgm:linClrLst meth="repeat">
+      <a:schemeClr val="accent1"/>
+    </dgm:linClrLst>
+    <dgm:effectClrLst/>
+    <dgm:txLinClrLst/>
+    <dgm:txFillClrLst meth="repeat">
+      <a:schemeClr val="lt1"/>
+    </dgm:txFillClrLst>
+    <dgm:txEffectClrLst/>
+  </dgm:styleLbl>
+  <dgm:styleLbl name="parChTrans2D4">
+    <dgm:fillClrLst meth="repeat">
+      <a:schemeClr val="accent1"/>
+    </dgm:fillClrLst>
+    <dgm:linClrLst meth="repeat">
+      <a:schemeClr val="accent1"/>
+    </dgm:linClrLst>
+    <dgm:effectClrLst/>
+    <dgm:txLinClrLst/>
+    <dgm:txFillClrLst meth="repeat">
+      <a:schemeClr val="lt1"/>
+    </dgm:txFillClrLst>
+    <dgm:txEffectClrLst/>
+  </dgm:styleLbl>
+  <dgm:styleLbl name="parChTrans1D1">
+    <dgm:fillClrLst meth="repeat">
+      <a:schemeClr val="accent1"/>
+    </dgm:fillClrLst>
+    <dgm:linClrLst meth="repeat">
+      <a:schemeClr val="accent1">
+        <a:shade val="60000"/>
+      </a:schemeClr>
+    </dgm:linClrLst>
+    <dgm:effectClrLst/>
+    <dgm:txLinClrLst/>
+    <dgm:txFillClrLst meth="repeat">
+      <a:schemeClr val="tx1"/>
+    </dgm:txFillClrLst>
+    <dgm:txEffectClrLst/>
+  </dgm:styleLbl>
+  <dgm:styleLbl name="parChTrans1D2">
+    <dgm:fillClrLst meth="repeat">
+      <a:schemeClr val="accent1"/>
+    </dgm:fillClrLst>
+    <dgm:linClrLst meth="repeat">
+      <a:schemeClr val="accent1">
+        <a:shade val="60000"/>
+      </a:schemeClr>
+    </dgm:linClrLst>
+    <dgm:effectClrLst/>
+    <dgm:txLinClrLst/>
+    <dgm:txFillClrLst meth="repeat">
+      <a:schemeClr val="tx1"/>
+    </dgm:txFillClrLst>
+    <dgm:txEffectClrLst/>
+  </dgm:styleLbl>
+  <dgm:styleLbl name="parChTrans1D3">
+    <dgm:fillClrLst meth="repeat">
+      <a:schemeClr val="accent1"/>
+    </dgm:fillClrLst>
+    <dgm:linClrLst meth="repeat">
+      <a:schemeClr val="accent1">
+        <a:shade val="80000"/>
+      </a:schemeClr>
+    </dgm:linClrLst>
+    <dgm:effectClrLst/>
+    <dgm:txLinClrLst/>
+    <dgm:txFillClrLst meth="repeat">
+      <a:schemeClr val="tx1"/>
+    </dgm:txFillClrLst>
+    <dgm:txEffectClrLst/>
+  </dgm:styleLbl>
+  <dgm:styleLbl name="parChTrans1D4">
+    <dgm:fillClrLst meth="repeat">
+      <a:schemeClr val="accent1"/>
+    </dgm:fillClrLst>
+    <dgm:linClrLst meth="repeat">
+      <a:schemeClr val="accent1">
+        <a:shade val="80000"/>
+      </a:schemeClr>
+    </dgm:linClrLst>
+    <dgm:effectClrLst/>
+    <dgm:txLinClrLst/>
+    <dgm:txFillClrLst meth="repeat">
+      <a:schemeClr val="tx1"/>
+    </dgm:txFillClrLst>
+    <dgm:txEffectClrLst/>
+  </dgm:styleLbl>
+  <dgm:styleLbl name="fgAcc1">
+    <dgm:fillClrLst meth="repeat">
+      <a:schemeClr val="lt1">
+        <a:alpha val="90000"/>
+      </a:schemeClr>
+    </dgm:fillClrLst>
+    <dgm:linClrLst meth="repeat">
+      <a:schemeClr val="accent1"/>
+    </dgm:linClrLst>
+    <dgm:effectClrLst/>
+    <dgm:txLinClrLst/>
+    <dgm:txFillClrLst meth="repeat">
+      <a:schemeClr val="dk1"/>
+    </dgm:txFillClrLst>
+    <dgm:txEffectClrLst/>
+  </dgm:styleLbl>
+  <dgm:styleLbl name="conFgAcc1">
+    <dgm:fillClrLst meth="repeat">
+      <a:schemeClr val="lt1">
+        <a:alpha val="90000"/>
+      </a:schemeClr>
+    </dgm:fillClrLst>
+    <dgm:linClrLst meth="repeat">
+      <a:schemeClr val="accent1"/>
+    </dgm:linClrLst>
+    <dgm:effectClrLst/>
+    <dgm:txLinClrLst/>
+    <dgm:txFillClrLst meth="repeat">
+      <a:schemeClr val="dk1"/>
+    </dgm:txFillClrLst>
+    <dgm:txEffectClrLst/>
+  </dgm:styleLbl>
+  <dgm:styleLbl name="alignAcc1">
+    <dgm:fillClrLst meth="repeat">
+      <a:schemeClr val="lt1">
+        <a:alpha val="90000"/>
+      </a:schemeClr>
+    </dgm:fillClrLst>
+    <dgm:linClrLst meth="repeat">
+      <a:schemeClr val="accent1"/>
+    </dgm:linClrLst>
+    <dgm:effectClrLst/>
+    <dgm:txLinClrLst/>
+    <dgm:txFillClrLst meth="repeat">
+      <a:schemeClr val="dk1"/>
+    </dgm:txFillClrLst>
+    <dgm:txEffectClrLst/>
+  </dgm:styleLbl>
+  <dgm:styleLbl name="trAlignAcc1">
+    <dgm:fillClrLst meth="repeat">
+      <a:schemeClr val="lt1">
+        <a:alpha val="40000"/>
+      </a:schemeClr>
+    </dgm:fillClrLst>
+    <dgm:linClrLst meth="repeat">
+      <a:schemeClr val="accent1"/>
+    </dgm:linClrLst>
+    <dgm:effectClrLst/>
+    <dgm:txLinClrLst/>
+    <dgm:txFillClrLst meth="repeat">
+      <a:schemeClr val="dk1"/>
+    </dgm:txFillClrLst>
+    <dgm:txEffectClrLst/>
+  </dgm:styleLbl>
+  <dgm:styleLbl name="bgAcc1">
+    <dgm:fillClrLst meth="repeat">
+      <a:schemeClr val="lt1">
+        <a:alpha val="90000"/>
+      </a:schemeClr>
+    </dgm:fillClrLst>
+    <dgm:linClrLst meth="repeat">
+      <a:schemeClr val="accent1"/>
+    </dgm:linClrLst>
+    <dgm:effectClrLst/>
+    <dgm:txLinClrLst/>
+    <dgm:txFillClrLst meth="repeat">
+      <a:schemeClr val="dk1"/>
+    </dgm:txFillClrLst>
+    <dgm:txEffectClrLst/>
+  </dgm:styleLbl>
+  <dgm:styleLbl name="solidFgAcc1">
+    <dgm:fillClrLst meth="repeat">
+      <a:schemeClr val="lt1"/>
+    </dgm:fillClrLst>
+    <dgm:linClrLst meth="repeat">
+      <a:schemeClr val="accent1"/>
+    </dgm:linClrLst>
+    <dgm:effectClrLst/>
+    <dgm:txLinClrLst/>
+    <dgm:txFillClrLst meth="repeat">
+      <a:schemeClr val="dk1"/>
+    </dgm:txFillClrLst>
+    <dgm:txEffectClrLst/>
+  </dgm:styleLbl>
+  <dgm:styleLbl name="solidAlignAcc1">
+    <dgm:fillClrLst meth="repeat">
+      <a:schemeClr val="lt1"/>
+    </dgm:fillClrLst>
+    <dgm:linClrLst meth="repeat">
+      <a:schemeClr val="accent1"/>
+    </dgm:linClrLst>
+    <dgm:effectClrLst/>
+    <dgm:txLinClrLst/>
+    <dgm:txFillClrLst meth="repeat">
+      <a:schemeClr val="dk1"/>
+    </dgm:txFillClrLst>
+    <dgm:txEffectClrLst/>
+  </dgm:styleLbl>
+  <dgm:styleLbl name="solidBgAcc1">
+    <dgm:fillClrLst meth="repeat">
+      <a:schemeClr val="lt1"/>
+    </dgm:fillClrLst>
+    <dgm:linClrLst meth="repeat">
+      <a:schemeClr val="accent1"/>
+    </dgm:linClrLst>
+    <dgm:effectClrLst/>
+    <dgm:txLinClrLst/>
+    <dgm:txFillClrLst meth="repeat">
+      <a:schemeClr val="dk1"/>
+    </dgm:txFillClrLst>
+    <dgm:txEffectClrLst/>
+  </dgm:styleLbl>
+  <dgm:styleLbl name="fgAccFollowNode1">
+    <dgm:fillClrLst meth="repeat">
+      <a:schemeClr val="accent1">
+        <a:alpha val="90000"/>
+        <a:tint val="40000"/>
+      </a:schemeClr>
+    </dgm:fillClrLst>
+    <dgm:linClrLst meth="repeat">
+      <a:schemeClr val="accent1">
+        <a:alpha val="90000"/>
+        <a:tint val="40000"/>
+      </a:schemeClr>
+    </dgm:linClrLst>
+    <dgm:effectClrLst/>
+    <dgm:txLinClrLst/>
+    <dgm:txFillClrLst meth="repeat">
+      <a:schemeClr val="dk1"/>
+    </dgm:txFillClrLst>
+    <dgm:txEffectClrLst/>
+  </dgm:styleLbl>
+  <dgm:styleLbl name="alignAccFollowNode1">
+    <dgm:fillClrLst meth="repeat">
+      <a:schemeClr val="accent1">
+        <a:alpha val="90000"/>
+        <a:tint val="40000"/>
+      </a:schemeClr>
+    </dgm:fillClrLst>
+    <dgm:linClrLst meth="repeat">
+      <a:schemeClr val="accent1">
+        <a:alpha val="90000"/>
+        <a:tint val="40000"/>
+      </a:schemeClr>
+    </dgm:linClrLst>
+    <dgm:effectClrLst/>
+    <dgm:txLinClrLst/>
+    <dgm:txFillClrLst meth="repeat">
+      <a:schemeClr val="dk1"/>
+    </dgm:txFillClrLst>
+    <dgm:txEffectClrLst/>
+  </dgm:styleLbl>
+  <dgm:styleLbl name="bgAccFollowNode1">
+    <dgm:fillClrLst meth="repeat">
+      <a:schemeClr val="accent1">
+        <a:alpha val="90000"/>
+        <a:tint val="40000"/>
+      </a:schemeClr>
+    </dgm:fillClrLst>
+    <dgm:linClrLst meth="repeat">
+      <a:schemeClr val="accent1">
+        <a:alpha val="90000"/>
+        <a:tint val="40000"/>
+      </a:schemeClr>
+    </dgm:linClrLst>
+    <dgm:effectClrLst/>
+    <dgm:txLinClrLst/>
+    <dgm:txFillClrLst meth="repeat">
+      <a:schemeClr val="dk1"/>
+    </dgm:txFillClrLst>
+    <dgm:txEffectClrLst/>
+  </dgm:styleLbl>
+  <dgm:styleLbl name="fgAcc0">
+    <dgm:fillClrLst meth="repeat">
+      <a:schemeClr val="lt1">
+        <a:alpha val="90000"/>
+      </a:schemeClr>
+    </dgm:fillClrLst>
+    <dgm:linClrLst meth="repeat">
+      <a:schemeClr val="accent1"/>
+    </dgm:linClrLst>
+    <dgm:effectClrLst/>
+    <dgm:txLinClrLst/>
+    <dgm:txFillClrLst meth="repeat">
+      <a:schemeClr val="dk1"/>
+    </dgm:txFillClrLst>
+    <dgm:txEffectClrLst/>
+  </dgm:styleLbl>
+  <dgm:styleLbl name="fgAcc2">
+    <dgm:fillClrLst meth="repeat">
+      <a:schemeClr val="lt1">
+        <a:alpha val="90000"/>
+      </a:schemeClr>
+    </dgm:fillClrLst>
+    <dgm:linClrLst meth="repeat">
+      <a:schemeClr val="accent1"/>
+    </dgm:linClrLst>
+    <dgm:effectClrLst/>
+    <dgm:txLinClrLst/>
+    <dgm:txFillClrLst meth="repeat">
+      <a:schemeClr val="dk1"/>
+    </dgm:txFillClrLst>
+    <dgm:txEffectClrLst/>
+  </dgm:styleLbl>
+  <dgm:styleLbl name="fgAcc3">
+    <dgm:fillClrLst meth="repeat">
+      <a:schemeClr val="lt1">
+        <a:alpha val="90000"/>
+      </a:schemeClr>
+    </dgm:fillClrLst>
+    <dgm:linClrLst meth="repeat">
+      <a:schemeClr val="accent1"/>
+    </dgm:linClrLst>
+    <dgm:effectClrLst/>
+    <dgm:txLinClrLst/>
+    <dgm:txFillClrLst meth="repeat">
+      <a:schemeClr val="dk1"/>
+    </dgm:txFillClrLst>
+    <dgm:txEffectClrLst/>
+  </dgm:styleLbl>
+  <dgm:styleLbl name="fgAcc4">
+    <dgm:fillClrLst meth="repeat">
+      <a:schemeClr val="lt1">
+        <a:alpha val="90000"/>
+      </a:schemeClr>
+    </dgm:fillClrLst>
+    <dgm:linClrLst meth="repeat">
+      <a:schemeClr val="accent1"/>
+    </dgm:linClrLst>
+    <dgm:effectClrLst/>
+    <dgm:txLinClrLst/>
+    <dgm:txFillClrLst meth="repeat">
+      <a:schemeClr val="dk1"/>
+    </dgm:txFillClrLst>
+    <dgm:txEffectClrLst/>
+  </dgm:styleLbl>
+  <dgm:styleLbl name="bgShp">
+    <dgm:fillClrLst meth="repeat">
+      <a:schemeClr val="accent1">
+        <a:tint val="40000"/>
+      </a:schemeClr>
+    </dgm:fillClrLst>
+    <dgm:linClrLst meth="repeat">
+      <a:schemeClr val="accent1"/>
+    </dgm:linClrLst>
+    <dgm:effectClrLst/>
+    <dgm:txLinClrLst/>
+    <dgm:txFillClrLst meth="repeat">
+      <a:schemeClr val="dk1"/>
+    </dgm:txFillClrLst>
+    <dgm:txEffectClrLst/>
+  </dgm:styleLbl>
+  <dgm:styleLbl name="dkBgShp">
+    <dgm:fillClrLst meth="repeat">
+      <a:schemeClr val="accent1">
+        <a:shade val="80000"/>
+      </a:schemeClr>
+    </dgm:fillClrLst>
+    <dgm:linClrLst meth="repeat">
+      <a:schemeClr val="accent1"/>
+    </dgm:linClrLst>
+    <dgm:effectClrLst/>
+    <dgm:txLinClrLst/>
+    <dgm:txFillClrLst meth="repeat">
+      <a:schemeClr val="lt1"/>
+    </dgm:txFillClrLst>
+    <dgm:txEffectClrLst/>
+  </dgm:styleLbl>
+  <dgm:styleLbl name="trBgShp">
+    <dgm:fillClrLst meth="repeat">
+      <a:schemeClr val="accent1">
+        <a:tint val="50000"/>
+        <a:alpha val="40000"/>
+      </a:schemeClr>
+    </dgm:fillClrLst>
+    <dgm:linClrLst meth="repeat">
+      <a:schemeClr val="accent1"/>
+    </dgm:linClrLst>
+    <dgm:effectClrLst/>
+    <dgm:txLinClrLst/>
+    <dgm:txFillClrLst meth="repeat">
+      <a:schemeClr val="lt1"/>
+    </dgm:txFillClrLst>
+    <dgm:txEffectClrLst/>
+  </dgm:styleLbl>
+  <dgm:styleLbl name="fgShp">
+    <dgm:fillClrLst meth="repeat">
+      <a:schemeClr val="accent1">
+        <a:tint val="60000"/>
+      </a:schemeClr>
+    </dgm:fillClrLst>
+    <dgm:linClrLst meth="repeat">
+      <a:schemeClr val="lt1"/>
+    </dgm:linClrLst>
+    <dgm:effectClrLst/>
+    <dgm:txLinClrLst/>
+    <dgm:txFillClrLst meth="repeat">
+      <a:schemeClr val="dk1"/>
+    </dgm:txFillClrLst>
+    <dgm:txEffectClrLst/>
+  </dgm:styleLbl>
+  <dgm:styleLbl name="revTx">
+    <dgm:fillClrLst meth="repeat">
+      <a:schemeClr val="lt1">
+        <a:alpha val="0"/>
+      </a:schemeClr>
+    </dgm:fillClrLst>
+    <dgm:linClrLst meth="repeat">
+      <a:schemeClr val="dk1">
+        <a:alpha val="0"/>
+      </a:schemeClr>
+    </dgm:linClrLst>
+    <dgm:effectClrLst/>
+    <dgm:txLinClrLst/>
+    <dgm:txFillClrLst meth="repeat">
+      <a:schemeClr val="tx1"/>
+    </dgm:txFillClrLst>
+    <dgm:txEffectClrLst/>
+  </dgm:styleLbl>
+</dgm:colorsDef>
+</file>
+
+<file path=ppt/diagrams/data1.xml><?xml version="1.0" encoding="utf-8"?>
+<dgm:dataModel xmlns:dgm="http://schemas.openxmlformats.org/drawingml/2006/diagram" xmlns:a="http://schemas.openxmlformats.org/drawingml/2006/main">
+  <dgm:ptLst>
+    <dgm:pt modelId="{E795B0CC-EE0D-4FF3-83A8-E01D7115F32C}" type="doc">
+      <dgm:prSet loTypeId="urn:microsoft.com/office/officeart/2005/8/layout/vList2" loCatId="list" qsTypeId="urn:microsoft.com/office/officeart/2005/8/quickstyle/simple1" qsCatId="simple" csTypeId="urn:microsoft.com/office/officeart/2005/8/colors/accent1_2" csCatId="accent1" phldr="1"/>
+      <dgm:spPr/>
+      <dgm:t>
+        <a:bodyPr/>
+        <a:lstStyle/>
+        <a:p>
+          <a:endParaRPr lang="en-US"/>
+        </a:p>
+      </dgm:t>
+    </dgm:pt>
+    <dgm:pt modelId="{FCBE7286-51FF-49E1-8AEC-5CF28258DE2A}">
+      <dgm:prSet/>
+      <dgm:spPr/>
+      <dgm:t>
+        <a:bodyPr/>
+        <a:lstStyle/>
+        <a:p>
+          <a:r>
+            <a:rPr lang="ru-RU" dirty="0"/>
+            <a:t>ИИ адаптируется под необходимую сложность изложения</a:t>
+          </a:r>
+          <a:endParaRPr lang="en-US" dirty="0"/>
+        </a:p>
+      </dgm:t>
+    </dgm:pt>
+    <dgm:pt modelId="{3198591E-EBE1-4930-804D-569B39BAF29F}" type="parTrans" cxnId="{EEEED5A9-229E-4FA3-81A7-A7ADEB2B33ED}">
+      <dgm:prSet/>
+      <dgm:spPr/>
+      <dgm:t>
+        <a:bodyPr/>
+        <a:lstStyle/>
+        <a:p>
+          <a:endParaRPr lang="en-US"/>
+        </a:p>
+      </dgm:t>
+    </dgm:pt>
+    <dgm:pt modelId="{41130A89-413E-4255-A815-E81A5966FCEB}" type="sibTrans" cxnId="{EEEED5A9-229E-4FA3-81A7-A7ADEB2B33ED}">
+      <dgm:prSet/>
+      <dgm:spPr/>
+      <dgm:t>
+        <a:bodyPr/>
+        <a:lstStyle/>
+        <a:p>
+          <a:endParaRPr lang="en-US"/>
+        </a:p>
+      </dgm:t>
+    </dgm:pt>
+    <dgm:pt modelId="{049C191C-86BC-47BF-B6F4-96A07EF25F6D}">
+      <dgm:prSet/>
+      <dgm:spPr/>
+      <dgm:t>
+        <a:bodyPr/>
+        <a:lstStyle/>
+        <a:p>
+          <a:r>
+            <a:rPr lang="ru-RU" dirty="0"/>
+            <a:t>Способен ответить почти на любой вопрос</a:t>
+          </a:r>
+          <a:endParaRPr lang="en-US" dirty="0"/>
+        </a:p>
+      </dgm:t>
+    </dgm:pt>
+    <dgm:pt modelId="{D904CF91-9620-4BCF-87FA-9B2D98674CCE}" type="parTrans" cxnId="{BD3209D2-2213-461F-B409-044D3D1A89EA}">
+      <dgm:prSet/>
+      <dgm:spPr/>
+      <dgm:t>
+        <a:bodyPr/>
+        <a:lstStyle/>
+        <a:p>
+          <a:endParaRPr lang="en-US"/>
+        </a:p>
+      </dgm:t>
+    </dgm:pt>
+    <dgm:pt modelId="{7342C41E-BEE9-4A7A-AD41-5A594973DE73}" type="sibTrans" cxnId="{BD3209D2-2213-461F-B409-044D3D1A89EA}">
+      <dgm:prSet/>
+      <dgm:spPr/>
+      <dgm:t>
+        <a:bodyPr/>
+        <a:lstStyle/>
+        <a:p>
+          <a:endParaRPr lang="en-US"/>
+        </a:p>
+      </dgm:t>
+    </dgm:pt>
+    <dgm:pt modelId="{F46B73DF-BFC7-4CFF-9F3B-E6D574FDF7D0}">
+      <dgm:prSet/>
+      <dgm:spPr/>
+      <dgm:t>
+        <a:bodyPr/>
+        <a:lstStyle/>
+        <a:p>
+          <a:r>
+            <a:rPr lang="ru-RU" dirty="0"/>
+            <a:t>Способен изучать письменные работы и находить неточности, логические ошибки, грамматические и пунктуационные</a:t>
+          </a:r>
+          <a:endParaRPr lang="en-US" dirty="0"/>
+        </a:p>
+      </dgm:t>
+    </dgm:pt>
+    <dgm:pt modelId="{EF47484F-7FBC-43CC-90CE-24B0CABF40FC}" type="parTrans" cxnId="{481E597F-F318-4FD9-859B-27FFFAA7ED91}">
+      <dgm:prSet/>
+      <dgm:spPr/>
+      <dgm:t>
+        <a:bodyPr/>
+        <a:lstStyle/>
+        <a:p>
+          <a:endParaRPr lang="en-US"/>
+        </a:p>
+      </dgm:t>
+    </dgm:pt>
+    <dgm:pt modelId="{79CFAF37-28FE-4A7A-BCC8-572B08E5AE51}" type="sibTrans" cxnId="{481E597F-F318-4FD9-859B-27FFFAA7ED91}">
+      <dgm:prSet/>
+      <dgm:spPr/>
+      <dgm:t>
+        <a:bodyPr/>
+        <a:lstStyle/>
+        <a:p>
+          <a:endParaRPr lang="en-US"/>
+        </a:p>
+      </dgm:t>
+    </dgm:pt>
+    <dgm:pt modelId="{CA3FF37B-107D-4774-8651-5E35E768598D}">
+      <dgm:prSet/>
+      <dgm:spPr/>
+      <dgm:t>
+        <a:bodyPr/>
+        <a:lstStyle/>
+        <a:p>
+          <a:r>
+            <a:rPr lang="ru-RU" dirty="0"/>
+            <a:t>Способен к анализу прогресса студента</a:t>
+          </a:r>
+          <a:endParaRPr lang="en-US" dirty="0"/>
+        </a:p>
+      </dgm:t>
+    </dgm:pt>
+    <dgm:pt modelId="{6387C8CE-71AF-4DA8-9F96-6CCC8A425AF8}" type="parTrans" cxnId="{CF60D175-86FC-4875-867D-BB3D39C5317E}">
+      <dgm:prSet/>
+      <dgm:spPr/>
+      <dgm:t>
+        <a:bodyPr/>
+        <a:lstStyle/>
+        <a:p>
+          <a:endParaRPr lang="en-US"/>
+        </a:p>
+      </dgm:t>
+    </dgm:pt>
+    <dgm:pt modelId="{7E791FBB-60C4-46D4-A6E6-09745ECFA58E}" type="sibTrans" cxnId="{CF60D175-86FC-4875-867D-BB3D39C5317E}">
+      <dgm:prSet/>
+      <dgm:spPr/>
+      <dgm:t>
+        <a:bodyPr/>
+        <a:lstStyle/>
+        <a:p>
+          <a:endParaRPr lang="en-US"/>
+        </a:p>
+      </dgm:t>
+    </dgm:pt>
+    <dgm:pt modelId="{A37EC2B6-980C-4321-BA7A-AAB143DF905B}" type="pres">
+      <dgm:prSet presAssocID="{E795B0CC-EE0D-4FF3-83A8-E01D7115F32C}" presName="linear" presStyleCnt="0">
+        <dgm:presLayoutVars>
+          <dgm:animLvl val="lvl"/>
+          <dgm:resizeHandles val="exact"/>
+        </dgm:presLayoutVars>
+      </dgm:prSet>
+      <dgm:spPr/>
+    </dgm:pt>
+    <dgm:pt modelId="{EB846422-6E9D-472F-81F4-126619ABE071}" type="pres">
+      <dgm:prSet presAssocID="{FCBE7286-51FF-49E1-8AEC-5CF28258DE2A}" presName="parentText" presStyleLbl="node1" presStyleIdx="0" presStyleCnt="4">
+        <dgm:presLayoutVars>
+          <dgm:chMax val="0"/>
+          <dgm:bulletEnabled val="1"/>
+        </dgm:presLayoutVars>
+      </dgm:prSet>
+      <dgm:spPr/>
+    </dgm:pt>
+    <dgm:pt modelId="{90275ADC-27F8-46A9-A46D-930F0D399E06}" type="pres">
+      <dgm:prSet presAssocID="{41130A89-413E-4255-A815-E81A5966FCEB}" presName="spacer" presStyleCnt="0"/>
+      <dgm:spPr/>
+    </dgm:pt>
+    <dgm:pt modelId="{428616C9-EA8F-402E-A0A8-076645138E65}" type="pres">
+      <dgm:prSet presAssocID="{049C191C-86BC-47BF-B6F4-96A07EF25F6D}" presName="parentText" presStyleLbl="node1" presStyleIdx="1" presStyleCnt="4">
+        <dgm:presLayoutVars>
+          <dgm:chMax val="0"/>
+          <dgm:bulletEnabled val="1"/>
+        </dgm:presLayoutVars>
+      </dgm:prSet>
+      <dgm:spPr/>
+    </dgm:pt>
+    <dgm:pt modelId="{3F221E08-897A-4209-B2E2-FFD03087AC7D}" type="pres">
+      <dgm:prSet presAssocID="{7342C41E-BEE9-4A7A-AD41-5A594973DE73}" presName="spacer" presStyleCnt="0"/>
+      <dgm:spPr/>
+    </dgm:pt>
+    <dgm:pt modelId="{16D1D69A-077B-4F89-BD2B-4DC2E261ACB8}" type="pres">
+      <dgm:prSet presAssocID="{F46B73DF-BFC7-4CFF-9F3B-E6D574FDF7D0}" presName="parentText" presStyleLbl="node1" presStyleIdx="2" presStyleCnt="4">
+        <dgm:presLayoutVars>
+          <dgm:chMax val="0"/>
+          <dgm:bulletEnabled val="1"/>
+        </dgm:presLayoutVars>
+      </dgm:prSet>
+      <dgm:spPr/>
+    </dgm:pt>
+    <dgm:pt modelId="{FF94C520-19CE-444F-AB4D-9CE583EEA094}" type="pres">
+      <dgm:prSet presAssocID="{79CFAF37-28FE-4A7A-BCC8-572B08E5AE51}" presName="spacer" presStyleCnt="0"/>
+      <dgm:spPr/>
+    </dgm:pt>
+    <dgm:pt modelId="{59916A95-4FAE-4A4B-A3B2-559CE7DED0E8}" type="pres">
+      <dgm:prSet presAssocID="{CA3FF37B-107D-4774-8651-5E35E768598D}" presName="parentText" presStyleLbl="node1" presStyleIdx="3" presStyleCnt="4">
+        <dgm:presLayoutVars>
+          <dgm:chMax val="0"/>
+          <dgm:bulletEnabled val="1"/>
+        </dgm:presLayoutVars>
+      </dgm:prSet>
+      <dgm:spPr/>
+    </dgm:pt>
+  </dgm:ptLst>
+  <dgm:cxnLst>
+    <dgm:cxn modelId="{0686AB1B-5DF0-425B-8396-06E350DB13C4}" type="presOf" srcId="{E795B0CC-EE0D-4FF3-83A8-E01D7115F32C}" destId="{A37EC2B6-980C-4321-BA7A-AAB143DF905B}" srcOrd="0" destOrd="0" presId="urn:microsoft.com/office/officeart/2005/8/layout/vList2"/>
+    <dgm:cxn modelId="{7FF94E25-1899-4156-8B39-9A316F049801}" type="presOf" srcId="{F46B73DF-BFC7-4CFF-9F3B-E6D574FDF7D0}" destId="{16D1D69A-077B-4F89-BD2B-4DC2E261ACB8}" srcOrd="0" destOrd="0" presId="urn:microsoft.com/office/officeart/2005/8/layout/vList2"/>
+    <dgm:cxn modelId="{CF60D175-86FC-4875-867D-BB3D39C5317E}" srcId="{E795B0CC-EE0D-4FF3-83A8-E01D7115F32C}" destId="{CA3FF37B-107D-4774-8651-5E35E768598D}" srcOrd="3" destOrd="0" parTransId="{6387C8CE-71AF-4DA8-9F96-6CCC8A425AF8}" sibTransId="{7E791FBB-60C4-46D4-A6E6-09745ECFA58E}"/>
+    <dgm:cxn modelId="{481E597F-F318-4FD9-859B-27FFFAA7ED91}" srcId="{E795B0CC-EE0D-4FF3-83A8-E01D7115F32C}" destId="{F46B73DF-BFC7-4CFF-9F3B-E6D574FDF7D0}" srcOrd="2" destOrd="0" parTransId="{EF47484F-7FBC-43CC-90CE-24B0CABF40FC}" sibTransId="{79CFAF37-28FE-4A7A-BCC8-572B08E5AE51}"/>
+    <dgm:cxn modelId="{EA4EA599-54C2-48CA-BB0B-F09EE958C359}" type="presOf" srcId="{CA3FF37B-107D-4774-8651-5E35E768598D}" destId="{59916A95-4FAE-4A4B-A3B2-559CE7DED0E8}" srcOrd="0" destOrd="0" presId="urn:microsoft.com/office/officeart/2005/8/layout/vList2"/>
+    <dgm:cxn modelId="{EEEED5A9-229E-4FA3-81A7-A7ADEB2B33ED}" srcId="{E795B0CC-EE0D-4FF3-83A8-E01D7115F32C}" destId="{FCBE7286-51FF-49E1-8AEC-5CF28258DE2A}" srcOrd="0" destOrd="0" parTransId="{3198591E-EBE1-4930-804D-569B39BAF29F}" sibTransId="{41130A89-413E-4255-A815-E81A5966FCEB}"/>
+    <dgm:cxn modelId="{210E11BA-BBD6-4DE2-9F5D-6454798E33E7}" type="presOf" srcId="{FCBE7286-51FF-49E1-8AEC-5CF28258DE2A}" destId="{EB846422-6E9D-472F-81F4-126619ABE071}" srcOrd="0" destOrd="0" presId="urn:microsoft.com/office/officeart/2005/8/layout/vList2"/>
+    <dgm:cxn modelId="{1E4695BE-1CDB-46AF-9F5F-2F7209C03F32}" type="presOf" srcId="{049C191C-86BC-47BF-B6F4-96A07EF25F6D}" destId="{428616C9-EA8F-402E-A0A8-076645138E65}" srcOrd="0" destOrd="0" presId="urn:microsoft.com/office/officeart/2005/8/layout/vList2"/>
+    <dgm:cxn modelId="{BD3209D2-2213-461F-B409-044D3D1A89EA}" srcId="{E795B0CC-EE0D-4FF3-83A8-E01D7115F32C}" destId="{049C191C-86BC-47BF-B6F4-96A07EF25F6D}" srcOrd="1" destOrd="0" parTransId="{D904CF91-9620-4BCF-87FA-9B2D98674CCE}" sibTransId="{7342C41E-BEE9-4A7A-AD41-5A594973DE73}"/>
+    <dgm:cxn modelId="{F4AA9999-A334-40C9-B591-38704C4B84C2}" type="presParOf" srcId="{A37EC2B6-980C-4321-BA7A-AAB143DF905B}" destId="{EB846422-6E9D-472F-81F4-126619ABE071}" srcOrd="0" destOrd="0" presId="urn:microsoft.com/office/officeart/2005/8/layout/vList2"/>
+    <dgm:cxn modelId="{BDC6B74F-E76B-4893-89A2-54C1AC724A46}" type="presParOf" srcId="{A37EC2B6-980C-4321-BA7A-AAB143DF905B}" destId="{90275ADC-27F8-46A9-A46D-930F0D399E06}" srcOrd="1" destOrd="0" presId="urn:microsoft.com/office/officeart/2005/8/layout/vList2"/>
+    <dgm:cxn modelId="{D46A9D18-1EAC-499B-8C6D-A4013406919A}" type="presParOf" srcId="{A37EC2B6-980C-4321-BA7A-AAB143DF905B}" destId="{428616C9-EA8F-402E-A0A8-076645138E65}" srcOrd="2" destOrd="0" presId="urn:microsoft.com/office/officeart/2005/8/layout/vList2"/>
+    <dgm:cxn modelId="{04668785-CB15-43D9-B060-07107D20AF3C}" type="presParOf" srcId="{A37EC2B6-980C-4321-BA7A-AAB143DF905B}" destId="{3F221E08-897A-4209-B2E2-FFD03087AC7D}" srcOrd="3" destOrd="0" presId="urn:microsoft.com/office/officeart/2005/8/layout/vList2"/>
+    <dgm:cxn modelId="{68F463E8-129F-46F7-AA0D-A31F7D473BBC}" type="presParOf" srcId="{A37EC2B6-980C-4321-BA7A-AAB143DF905B}" destId="{16D1D69A-077B-4F89-BD2B-4DC2E261ACB8}" srcOrd="4" destOrd="0" presId="urn:microsoft.com/office/officeart/2005/8/layout/vList2"/>
+    <dgm:cxn modelId="{98C9FD20-D787-4276-9B7A-34DB62217F44}" type="presParOf" srcId="{A37EC2B6-980C-4321-BA7A-AAB143DF905B}" destId="{FF94C520-19CE-444F-AB4D-9CE583EEA094}" srcOrd="5" destOrd="0" presId="urn:microsoft.com/office/officeart/2005/8/layout/vList2"/>
+    <dgm:cxn modelId="{45EB648F-62DB-498C-97D4-CE218700410B}" type="presParOf" srcId="{A37EC2B6-980C-4321-BA7A-AAB143DF905B}" destId="{59916A95-4FAE-4A4B-A3B2-559CE7DED0E8}" srcOrd="6" destOrd="0" presId="urn:microsoft.com/office/officeart/2005/8/layout/vList2"/>
+  </dgm:cxnLst>
+  <dgm:bg/>
+  <dgm:whole/>
+  <dgm:extLst>
+    <a:ext uri="http://schemas.microsoft.com/office/drawing/2008/diagram">
+      <dsp:dataModelExt xmlns:dsp="http://schemas.microsoft.com/office/drawing/2008/diagram" relId="rId6" minVer="http://schemas.openxmlformats.org/drawingml/2006/diagram"/>
+    </a:ext>
+  </dgm:extLst>
+</dgm:dataModel>
+</file>
+
+<file path=ppt/diagrams/drawing1.xml><?xml version="1.0" encoding="utf-8"?>
+<dsp:drawing xmlns:dgm="http://schemas.openxmlformats.org/drawingml/2006/diagram" xmlns:dsp="http://schemas.microsoft.com/office/drawing/2008/diagram" xmlns:a="http://schemas.openxmlformats.org/drawingml/2006/main">
+  <dsp:spTree>
+    <dsp:nvGrpSpPr>
+      <dsp:cNvPr id="0" name=""/>
+      <dsp:cNvGrpSpPr/>
+    </dsp:nvGrpSpPr>
+    <dsp:grpSpPr/>
+    <dsp:sp modelId="{EB846422-6E9D-472F-81F4-126619ABE071}">
+      <dsp:nvSpPr>
+        <dsp:cNvPr id="0" name=""/>
+        <dsp:cNvSpPr/>
+      </dsp:nvSpPr>
+      <dsp:spPr>
+        <a:xfrm>
+          <a:off x="0" y="45903"/>
+          <a:ext cx="10363200" cy="779512"/>
+        </a:xfrm>
+        <a:prstGeom prst="roundRect">
+          <a:avLst/>
+        </a:prstGeom>
+        <a:solidFill>
+          <a:schemeClr val="accent1">
+            <a:hueOff val="0"/>
+            <a:satOff val="0"/>
+            <a:lumOff val="0"/>
+            <a:alphaOff val="0"/>
+          </a:schemeClr>
+        </a:solidFill>
+        <a:ln w="12700" cap="flat" cmpd="sng" algn="ctr">
+          <a:solidFill>
+            <a:schemeClr val="lt1">
+              <a:hueOff val="0"/>
+              <a:satOff val="0"/>
+              <a:lumOff val="0"/>
+              <a:alphaOff val="0"/>
+            </a:schemeClr>
+          </a:solidFill>
+          <a:prstDash val="solid"/>
+          <a:miter lim="800000"/>
+        </a:ln>
+        <a:effectLst/>
+      </dsp:spPr>
+      <dsp:style>
+        <a:lnRef idx="2">
+          <a:scrgbClr r="0" g="0" b="0"/>
+        </a:lnRef>
+        <a:fillRef idx="1">
+          <a:scrgbClr r="0" g="0" b="0"/>
+        </a:fillRef>
+        <a:effectRef idx="0">
+          <a:scrgbClr r="0" g="0" b="0"/>
+        </a:effectRef>
+        <a:fontRef idx="minor">
+          <a:schemeClr val="lt1"/>
+        </a:fontRef>
+      </dsp:style>
+      <dsp:txBody>
+        <a:bodyPr spcFirstLastPara="0" vert="horz" wrap="square" lIns="76200" tIns="76200" rIns="76200" bIns="76200" numCol="1" spcCol="1270" anchor="ctr" anchorCtr="0">
+          <a:noAutofit/>
+        </a:bodyPr>
+        <a:lstStyle/>
+        <a:p>
+          <a:pPr marL="0" lvl="0" indent="0" algn="l" defTabSz="889000">
+            <a:lnSpc>
+              <a:spcPct val="90000"/>
+            </a:lnSpc>
+            <a:spcBef>
+              <a:spcPct val="0"/>
+            </a:spcBef>
+            <a:spcAft>
+              <a:spcPct val="35000"/>
+            </a:spcAft>
+            <a:buNone/>
+          </a:pPr>
+          <a:r>
+            <a:rPr lang="ru-RU" sz="2000" kern="1200" dirty="0"/>
+            <a:t>ИИ адаптируется под необходимую сложность изложения</a:t>
+          </a:r>
+          <a:endParaRPr lang="en-US" sz="2000" kern="1200" dirty="0"/>
+        </a:p>
+      </dsp:txBody>
+      <dsp:txXfrm>
+        <a:off x="38053" y="83956"/>
+        <a:ext cx="10287094" cy="703406"/>
+      </dsp:txXfrm>
+    </dsp:sp>
+    <dsp:sp modelId="{428616C9-EA8F-402E-A0A8-076645138E65}">
+      <dsp:nvSpPr>
+        <dsp:cNvPr id="0" name=""/>
+        <dsp:cNvSpPr/>
+      </dsp:nvSpPr>
+      <dsp:spPr>
+        <a:xfrm>
+          <a:off x="0" y="883016"/>
+          <a:ext cx="10363200" cy="779512"/>
+        </a:xfrm>
+        <a:prstGeom prst="roundRect">
+          <a:avLst/>
+        </a:prstGeom>
+        <a:solidFill>
+          <a:schemeClr val="accent1">
+            <a:hueOff val="0"/>
+            <a:satOff val="0"/>
+            <a:lumOff val="0"/>
+            <a:alphaOff val="0"/>
+          </a:schemeClr>
+        </a:solidFill>
+        <a:ln w="12700" cap="flat" cmpd="sng" algn="ctr">
+          <a:solidFill>
+            <a:schemeClr val="lt1">
+              <a:hueOff val="0"/>
+              <a:satOff val="0"/>
+              <a:lumOff val="0"/>
+              <a:alphaOff val="0"/>
+            </a:schemeClr>
+          </a:solidFill>
+          <a:prstDash val="solid"/>
+          <a:miter lim="800000"/>
+        </a:ln>
+        <a:effectLst/>
+      </dsp:spPr>
+      <dsp:style>
+        <a:lnRef idx="2">
+          <a:scrgbClr r="0" g="0" b="0"/>
+        </a:lnRef>
+        <a:fillRef idx="1">
+          <a:scrgbClr r="0" g="0" b="0"/>
+        </a:fillRef>
+        <a:effectRef idx="0">
+          <a:scrgbClr r="0" g="0" b="0"/>
+        </a:effectRef>
+        <a:fontRef idx="minor">
+          <a:schemeClr val="lt1"/>
+        </a:fontRef>
+      </dsp:style>
+      <dsp:txBody>
+        <a:bodyPr spcFirstLastPara="0" vert="horz" wrap="square" lIns="76200" tIns="76200" rIns="76200" bIns="76200" numCol="1" spcCol="1270" anchor="ctr" anchorCtr="0">
+          <a:noAutofit/>
+        </a:bodyPr>
+        <a:lstStyle/>
+        <a:p>
+          <a:pPr marL="0" lvl="0" indent="0" algn="l" defTabSz="889000">
+            <a:lnSpc>
+              <a:spcPct val="90000"/>
+            </a:lnSpc>
+            <a:spcBef>
+              <a:spcPct val="0"/>
+            </a:spcBef>
+            <a:spcAft>
+              <a:spcPct val="35000"/>
+            </a:spcAft>
+            <a:buNone/>
+          </a:pPr>
+          <a:r>
+            <a:rPr lang="ru-RU" sz="2000" kern="1200" dirty="0"/>
+            <a:t>Способен ответить почти на любой вопрос</a:t>
+          </a:r>
+          <a:endParaRPr lang="en-US" sz="2000" kern="1200" dirty="0"/>
+        </a:p>
+      </dsp:txBody>
+      <dsp:txXfrm>
+        <a:off x="38053" y="921069"/>
+        <a:ext cx="10287094" cy="703406"/>
+      </dsp:txXfrm>
+    </dsp:sp>
+    <dsp:sp modelId="{16D1D69A-077B-4F89-BD2B-4DC2E261ACB8}">
+      <dsp:nvSpPr>
+        <dsp:cNvPr id="0" name=""/>
+        <dsp:cNvSpPr/>
+      </dsp:nvSpPr>
+      <dsp:spPr>
+        <a:xfrm>
+          <a:off x="0" y="1720129"/>
+          <a:ext cx="10363200" cy="779512"/>
+        </a:xfrm>
+        <a:prstGeom prst="roundRect">
+          <a:avLst/>
+        </a:prstGeom>
+        <a:solidFill>
+          <a:schemeClr val="accent1">
+            <a:hueOff val="0"/>
+            <a:satOff val="0"/>
+            <a:lumOff val="0"/>
+            <a:alphaOff val="0"/>
+          </a:schemeClr>
+        </a:solidFill>
+        <a:ln w="12700" cap="flat" cmpd="sng" algn="ctr">
+          <a:solidFill>
+            <a:schemeClr val="lt1">
+              <a:hueOff val="0"/>
+              <a:satOff val="0"/>
+              <a:lumOff val="0"/>
+              <a:alphaOff val="0"/>
+            </a:schemeClr>
+          </a:solidFill>
+          <a:prstDash val="solid"/>
+          <a:miter lim="800000"/>
+        </a:ln>
+        <a:effectLst/>
+      </dsp:spPr>
+      <dsp:style>
+        <a:lnRef idx="2">
+          <a:scrgbClr r="0" g="0" b="0"/>
+        </a:lnRef>
+        <a:fillRef idx="1">
+          <a:scrgbClr r="0" g="0" b="0"/>
+        </a:fillRef>
+        <a:effectRef idx="0">
+          <a:scrgbClr r="0" g="0" b="0"/>
+        </a:effectRef>
+        <a:fontRef idx="minor">
+          <a:schemeClr val="lt1"/>
+        </a:fontRef>
+      </dsp:style>
+      <dsp:txBody>
+        <a:bodyPr spcFirstLastPara="0" vert="horz" wrap="square" lIns="76200" tIns="76200" rIns="76200" bIns="76200" numCol="1" spcCol="1270" anchor="ctr" anchorCtr="0">
+          <a:noAutofit/>
+        </a:bodyPr>
+        <a:lstStyle/>
+        <a:p>
+          <a:pPr marL="0" lvl="0" indent="0" algn="l" defTabSz="889000">
+            <a:lnSpc>
+              <a:spcPct val="90000"/>
+            </a:lnSpc>
+            <a:spcBef>
+              <a:spcPct val="0"/>
+            </a:spcBef>
+            <a:spcAft>
+              <a:spcPct val="35000"/>
+            </a:spcAft>
+            <a:buNone/>
+          </a:pPr>
+          <a:r>
+            <a:rPr lang="ru-RU" sz="2000" kern="1200" dirty="0"/>
+            <a:t>Способен изучать письменные работы и находить неточности, логические ошибки, грамматические и пунктуационные</a:t>
+          </a:r>
+          <a:endParaRPr lang="en-US" sz="2000" kern="1200" dirty="0"/>
+        </a:p>
+      </dsp:txBody>
+      <dsp:txXfrm>
+        <a:off x="38053" y="1758182"/>
+        <a:ext cx="10287094" cy="703406"/>
+      </dsp:txXfrm>
+    </dsp:sp>
+    <dsp:sp modelId="{59916A95-4FAE-4A4B-A3B2-559CE7DED0E8}">
+      <dsp:nvSpPr>
+        <dsp:cNvPr id="0" name=""/>
+        <dsp:cNvSpPr/>
+      </dsp:nvSpPr>
+      <dsp:spPr>
+        <a:xfrm>
+          <a:off x="0" y="2557241"/>
+          <a:ext cx="10363200" cy="779512"/>
+        </a:xfrm>
+        <a:prstGeom prst="roundRect">
+          <a:avLst/>
+        </a:prstGeom>
+        <a:solidFill>
+          <a:schemeClr val="accent1">
+            <a:hueOff val="0"/>
+            <a:satOff val="0"/>
+            <a:lumOff val="0"/>
+            <a:alphaOff val="0"/>
+          </a:schemeClr>
+        </a:solidFill>
+        <a:ln w="12700" cap="flat" cmpd="sng" algn="ctr">
+          <a:solidFill>
+            <a:schemeClr val="lt1">
+              <a:hueOff val="0"/>
+              <a:satOff val="0"/>
+              <a:lumOff val="0"/>
+              <a:alphaOff val="0"/>
+            </a:schemeClr>
+          </a:solidFill>
+          <a:prstDash val="solid"/>
+          <a:miter lim="800000"/>
+        </a:ln>
+        <a:effectLst/>
+      </dsp:spPr>
+      <dsp:style>
+        <a:lnRef idx="2">
+          <a:scrgbClr r="0" g="0" b="0"/>
+        </a:lnRef>
+        <a:fillRef idx="1">
+          <a:scrgbClr r="0" g="0" b="0"/>
+        </a:fillRef>
+        <a:effectRef idx="0">
+          <a:scrgbClr r="0" g="0" b="0"/>
+        </a:effectRef>
+        <a:fontRef idx="minor">
+          <a:schemeClr val="lt1"/>
+        </a:fontRef>
+      </dsp:style>
+      <dsp:txBody>
+        <a:bodyPr spcFirstLastPara="0" vert="horz" wrap="square" lIns="76200" tIns="76200" rIns="76200" bIns="76200" numCol="1" spcCol="1270" anchor="ctr" anchorCtr="0">
+          <a:noAutofit/>
+        </a:bodyPr>
+        <a:lstStyle/>
+        <a:p>
+          <a:pPr marL="0" lvl="0" indent="0" algn="l" defTabSz="889000">
+            <a:lnSpc>
+              <a:spcPct val="90000"/>
+            </a:lnSpc>
+            <a:spcBef>
+              <a:spcPct val="0"/>
+            </a:spcBef>
+            <a:spcAft>
+              <a:spcPct val="35000"/>
+            </a:spcAft>
+            <a:buNone/>
+          </a:pPr>
+          <a:r>
+            <a:rPr lang="ru-RU" sz="2000" kern="1200" dirty="0"/>
+            <a:t>Способен к анализу прогресса студента</a:t>
+          </a:r>
+          <a:endParaRPr lang="en-US" sz="2000" kern="1200" dirty="0"/>
+        </a:p>
+      </dsp:txBody>
+      <dsp:txXfrm>
+        <a:off x="38053" y="2595294"/>
+        <a:ext cx="10287094" cy="703406"/>
+      </dsp:txXfrm>
+    </dsp:sp>
+  </dsp:spTree>
+</dsp:drawing>
+</file>
+
+<file path=ppt/diagrams/layout1.xml><?xml version="1.0" encoding="utf-8"?>
+<dgm:layoutDef xmlns:dgm="http://schemas.openxmlformats.org/drawingml/2006/diagram" xmlns:a="http://schemas.openxmlformats.org/drawingml/2006/main" uniqueId="urn:microsoft.com/office/officeart/2005/8/layout/vList2">
+  <dgm:title val=""/>
+  <dgm:desc val=""/>
+  <dgm:catLst>
+    <dgm:cat type="list" pri="3000"/>
+    <dgm:cat type="convert" pri="1000"/>
+  </dgm:catLst>
+  <dgm:sampData>
+    <dgm:dataModel>
+      <dgm:ptLst>
+        <dgm:pt modelId="0" type="doc"/>
+        <dgm:pt modelId="1">
+          <dgm:prSet phldr="1"/>
+        </dgm:pt>
+        <dgm:pt modelId="11">
+          <dgm:prSet phldr="1"/>
+        </dgm:pt>
+        <dgm:pt modelId="2">
+          <dgm:prSet phldr="1"/>
+        </dgm:pt>
+        <dgm:pt modelId="21">
+          <dgm:prSet phldr="1"/>
+        </dgm:pt>
+      </dgm:ptLst>
+      <dgm:cxnLst>
+        <dgm:cxn modelId="4" srcId="0" destId="1" srcOrd="0" destOrd="0"/>
+        <dgm:cxn modelId="5" srcId="0" destId="2" srcOrd="1" destOrd="0"/>
+        <dgm:cxn modelId="12" srcId="1" destId="11" srcOrd="0" destOrd="0"/>
+        <dgm:cxn modelId="23" srcId="2" destId="21" srcOrd="0" destOrd="0"/>
+      </dgm:cxnLst>
+      <dgm:bg/>
+      <dgm:whole/>
+    </dgm:dataModel>
+  </dgm:sampData>
+  <dgm:styleData>
+    <dgm:dataModel>
+      <dgm:ptLst>
+        <dgm:pt modelId="0" type="doc"/>
+        <dgm:pt modelId="1"/>
+        <dgm:pt modelId="2"/>
+      </dgm:ptLst>
+      <dgm:cxnLst>
+        <dgm:cxn modelId="3" srcId="0" destId="1" srcOrd="0" destOrd="0"/>
+        <dgm:cxn modelId="4" srcId="0" destId="2" srcOrd="1" destOrd="0"/>
+      </dgm:cxnLst>
+      <dgm:bg/>
+      <dgm:whole/>
+    </dgm:dataModel>
+  </dgm:styleData>
+  <dgm:clrData>
+    <dgm:dataModel>
+      <dgm:ptLst>
+        <dgm:pt modelId="0" type="doc"/>
+        <dgm:pt modelId="1"/>
+        <dgm:pt modelId="2"/>
+        <dgm:pt modelId="3"/>
+        <dgm:pt modelId="4"/>
+      </dgm:ptLst>
+      <dgm:cxnLst>
+        <dgm:cxn modelId="5" srcId="0" destId="1" srcOrd="0" destOrd="0"/>
+        <dgm:cxn modelId="6" srcId="0" destId="2" srcOrd="1" destOrd="0"/>
+        <dgm:cxn modelId="7" srcId="0" destId="3" srcOrd="2" destOrd="0"/>
+        <dgm:cxn modelId="8" srcId="0" destId="4" srcOrd="3" destOrd="0"/>
+      </dgm:cxnLst>
+      <dgm:bg/>
+      <dgm:whole/>
+    </dgm:dataModel>
+  </dgm:clrData>
+  <dgm:layoutNode name="linear">
+    <dgm:varLst>
+      <dgm:animLvl val="lvl"/>
+      <dgm:resizeHandles val="exact"/>
+    </dgm:varLst>
+    <dgm:alg type="lin">
+      <dgm:param type="linDir" val="fromT"/>
+      <dgm:param type="vertAlign" val="mid"/>
+    </dgm:alg>
+    <dgm:shape xmlns:r="http://schemas.openxmlformats.org/officeDocument/2006/relationships" r:blip="">
+      <dgm:adjLst/>
+    </dgm:shape>
+    <dgm:presOf/>
+    <dgm:constrLst>
+      <dgm:constr type="w" for="ch" forName="parentText" refType="w"/>
+      <dgm:constr type="h" for="ch" forName="parentText" refType="primFontSz" refFor="ch" refForName="parentText" fact="0.52"/>
+      <dgm:constr type="w" for="ch" forName="childText" refType="w"/>
+      <dgm:constr type="h" for="ch" forName="childText" refType="primFontSz" refFor="ch" refForName="parentText" fact="0.46"/>
+      <dgm:constr type="h" for="ch" forName="parentText" op="equ"/>
+      <dgm:constr type="primFontSz" for="ch" forName="parentText" op="equ" val="65"/>
+      <dgm:constr type="primFontSz" for="ch" forName="childText" refType="primFontSz" refFor="ch" refForName="parentText" op="equ"/>
+      <dgm:constr type="h" for="ch" forName="spacer" refType="primFontSz" refFor="ch" refForName="parentText" fact="0.08"/>
+    </dgm:constrLst>
+    <dgm:ruleLst>
+      <dgm:rule type="primFontSz" for="ch" forName="parentText" val="5" fact="NaN" max="NaN"/>
+    </dgm:ruleLst>
+    <dgm:forEach name="Name0" axis="ch" ptType="node">
+      <dgm:layoutNode name="parentText" styleLbl="node1">
+        <dgm:varLst>
+          <dgm:chMax val="0"/>
+          <dgm:bulletEnabled val="1"/>
+        </dgm:varLst>
+        <dgm:alg type="tx">
+          <dgm:param type="parTxLTRAlign" val="l"/>
+          <dgm:param type="parTxRTLAlign" val="r"/>
+        </dgm:alg>
+        <dgm:shape xmlns:r="http://schemas.openxmlformats.org/officeDocument/2006/relationships" type="roundRect" r:blip="">
+          <dgm:adjLst/>
+        </dgm:shape>
+        <dgm:presOf axis="self"/>
+        <dgm:constrLst>
+          <dgm:constr type="tMarg" refType="primFontSz" fact="0.3"/>
+          <dgm:constr type="bMarg" refType="primFontSz" fact="0.3"/>
+          <dgm:constr type="lMarg" refType="primFontSz" fact="0.3"/>
+          <dgm:constr type="rMarg" refType="primFontSz" fact="0.3"/>
+        </dgm:constrLst>
+        <dgm:ruleLst>
+          <dgm:rule type="h" val="INF" fact="NaN" max="NaN"/>
+        </dgm:ruleLst>
+      </dgm:layoutNode>
+      <dgm:choose name="Name1">
+        <dgm:if name="Name2" axis="ch" ptType="node" func="cnt" op="gte" val="1">
+          <dgm:layoutNode name="childText" styleLbl="revTx">
+            <dgm:varLst>
+              <dgm:bulletEnabled val="1"/>
+            </dgm:varLst>
+            <dgm:alg type="tx">
+              <dgm:param type="stBulletLvl" val="1"/>
+              <dgm:param type="lnSpAfChP" val="20"/>
+            </dgm:alg>
+            <dgm:shape xmlns:r="http://schemas.openxmlformats.org/officeDocument/2006/relationships" type="rect" r:blip="">
+              <dgm:adjLst/>
+            </dgm:shape>
+            <dgm:presOf axis="des" ptType="node"/>
+            <dgm:constrLst>
+              <dgm:constr type="tMarg" refType="primFontSz" fact="0.1"/>
+              <dgm:constr type="bMarg" refType="primFontSz" fact="0.1"/>
+              <dgm:constr type="lMarg" refType="w" fact="0.09"/>
+            </dgm:constrLst>
+            <dgm:ruleLst>
+              <dgm:rule type="h" val="INF" fact="NaN" max="NaN"/>
+            </dgm:ruleLst>
+          </dgm:layoutNode>
+        </dgm:if>
+        <dgm:else name="Name3">
+          <dgm:choose name="Name4">
+            <dgm:if name="Name5" axis="par ch" ptType="doc node" func="cnt" op="gte" val="2">
+              <dgm:forEach name="Name6" axis="followSib" ptType="sibTrans" cnt="1">
+                <dgm:layoutNode name="spacer">
+                  <dgm:alg type="sp"/>
+                  <dgm:shape xmlns:r="http://schemas.openxmlformats.org/officeDocument/2006/relationships" r:blip="">
+                    <dgm:adjLst/>
+                  </dgm:shape>
+                  <dgm:presOf/>
+                  <dgm:constrLst/>
+                  <dgm:ruleLst/>
+                </dgm:layoutNode>
+              </dgm:forEach>
+            </dgm:if>
+            <dgm:else name="Name7"/>
+          </dgm:choose>
+        </dgm:else>
+      </dgm:choose>
+    </dgm:forEach>
+  </dgm:layoutNode>
+</dgm:layoutDef>
+</file>
+
+<file path=ppt/diagrams/quickStyle1.xml><?xml version="1.0" encoding="utf-8"?>
+<dgm:styleDef xmlns:dgm="http://schemas.openxmlformats.org/drawingml/2006/diagram" xmlns:a="http://schemas.openxmlformats.org/drawingml/2006/main" uniqueId="urn:microsoft.com/office/officeart/2005/8/quickstyle/simple1">
+  <dgm:title val=""/>
+  <dgm:desc val=""/>
+  <dgm:catLst>
+    <dgm:cat type="simple" pri="10100"/>
+  </dgm:catLst>
+  <dgm:scene3d>
+    <a:camera prst="orthographicFront"/>
+    <a:lightRig rig="threePt" dir="t"/>
+  </dgm:scene3d>
+  <dgm:styleLbl name="node0">
+    <dgm:scene3d>
+      <a:camera prst="orthographicFront"/>
+      <a:lightRig rig="threePt" dir="t"/>
+    </dgm:scene3d>
+    <dgm:sp3d/>
+    <dgm:txPr/>
+    <dgm:style>
+      <a:lnRef idx="2">
+        <a:scrgbClr r="0" g="0" b="0"/>
+      </a:lnRef>
+      <a:fillRef idx="1">
+        <a:scrgbClr r="0" g="0" b="0"/>
+      </a:fillRef>
+      <a:effectRef idx="0">
+        <a:scrgbClr r="0" g="0" b="0"/>
+      </a:effectRef>
+      <a:fontRef idx="minor">
+        <a:schemeClr val="lt1"/>
+      </a:fontRef>
+    </dgm:style>
+  </dgm:styleLbl>
+  <dgm:styleLbl name="lnNode1">
+    <dgm:scene3d>
+      <a:camera prst="orthographicFront"/>
+      <a:lightRig rig="threePt" dir="t"/>
+    </dgm:scene3d>
+    <dgm:sp3d/>
+    <dgm:txPr/>
+    <dgm:style>
+      <a:lnRef idx="2">
+        <a:scrgbClr r="0" g="0" b="0"/>
+      </a:lnRef>
+      <a:fillRef idx="1">
+        <a:scrgbClr r="0" g="0" b="0"/>
+      </a:fillRef>
+      <a:effectRef idx="0">
+        <a:scrgbClr r="0" g="0" b="0"/>
+      </a:effectRef>
+      <a:fontRef idx="minor">
+        <a:schemeClr val="lt1"/>
+      </a:fontRef>
+    </dgm:style>
+  </dgm:styleLbl>
+  <dgm:styleLbl name="vennNode1">
+    <dgm:scene3d>
+      <a:camera prst="orthographicFront"/>
+      <a:lightRig rig="threePt" dir="t"/>
+    </dgm:scene3d>
+    <dgm:sp3d/>
+    <dgm:txPr/>
+    <dgm:style>
+      <a:lnRef idx="2">
+        <a:scrgbClr r="0" g="0" b="0"/>
+      </a:lnRef>
+      <a:fillRef idx="1">
+        <a:scrgbClr r="0" g="0" b="0"/>
+      </a:fillRef>
+      <a:effectRef idx="0">
+        <a:scrgbClr r="0" g="0" b="0"/>
+      </a:effectRef>
+      <a:fontRef idx="minor">
+        <a:schemeClr val="tx1"/>
+      </a:fontRef>
+    </dgm:style>
+  </dgm:styleLbl>
+  <dgm:styleLbl name="alignNode1">
+    <dgm:scene3d>
+      <a:camera prst="orthographicFront"/>
+      <a:lightRig rig="threePt" dir="t"/>
+    </dgm:scene3d>
+    <dgm:sp3d/>
+    <dgm:txPr/>
+    <dgm:style>
+      <a:lnRef idx="2">
+        <a:scrgbClr r="0" g="0" b="0"/>
+      </a:lnRef>
+      <a:fillRef idx="1">
+        <a:scrgbClr r="0" g="0" b="0"/>
+      </a:fillRef>
+      <a:effectRef idx="0">
+        <a:scrgbClr r="0" g="0" b="0"/>
+      </a:effectRef>
+      <a:fontRef idx="minor">
+        <a:schemeClr val="lt1"/>
+      </a:fontRef>
+    </dgm:style>
+  </dgm:styleLbl>
+  <dgm:styleLbl name="node1">
+    <dgm:scene3d>
+      <a:camera prst="orthographicFront"/>
+      <a:lightRig rig="threePt" dir="t"/>
+    </dgm:scene3d>
+    <dgm:sp3d/>
+    <dgm:txPr/>
+    <dgm:style>
+      <a:lnRef idx="2">
+        <a:scrgbClr r="0" g="0" b="0"/>
+      </a:lnRef>
+      <a:fillRef idx="1">
+        <a:scrgbClr r="0" g="0" b="0"/>
+      </a:fillRef>
+      <a:effectRef idx="0">
+        <a:scrgbClr r="0" g="0" b="0"/>
+      </a:effectRef>
+      <a:fontRef idx="minor">
+        <a:schemeClr val="lt1"/>
+      </a:fontRef>
+    </dgm:style>
+  </dgm:styleLbl>
+  <dgm:styleLbl name="node2">
+    <dgm:scene3d>
+      <a:camera prst="orthographicFront"/>
+      <a:lightRig rig="threePt" dir="t"/>
+    </dgm:scene3d>
+    <dgm:sp3d/>
+    <dgm:txPr/>
+    <dgm:style>
+      <a:lnRef idx="2">
+        <a:scrgbClr r="0" g="0" b="0"/>
+      </a:lnRef>
+      <a:fillRef idx="1">
+        <a:scrgbClr r="0" g="0" b="0"/>
+      </a:fillRef>
+      <a:effectRef idx="0">
+        <a:scrgbClr r="0" g="0" b="0"/>
+      </a:effectRef>
+      <a:fontRef idx="minor">
+        <a:schemeClr val="lt1"/>
+      </a:fontRef>
+    </dgm:style>
+  </dgm:styleLbl>
+  <dgm:styleLbl name="node3">
+    <dgm:scene3d>
+      <a:camera prst="orthographicFront"/>
+      <a:lightRig rig="threePt" dir="t"/>
+    </dgm:scene3d>
+    <dgm:sp3d/>
+    <dgm:txPr/>
+    <dgm:style>
+      <a:lnRef idx="2">
+        <a:scrgbClr r="0" g="0" b="0"/>
+      </a:lnRef>
+      <a:fillRef idx="1">
+        <a:scrgbClr r="0" g="0" b="0"/>
+      </a:fillRef>
+      <a:effectRef idx="0">
+        <a:scrgbClr r="0" g="0" b="0"/>
+      </a:effectRef>
+      <a:fontRef idx="minor">
+        <a:schemeClr val="lt1"/>
+      </a:fontRef>
+    </dgm:style>
+  </dgm:styleLbl>
+  <dgm:styleLbl name="node4">
+    <dgm:scene3d>
+      <a:camera prst="orthographicFront"/>
+      <a:lightRig rig="threePt" dir="t"/>
+    </dgm:scene3d>
+    <dgm:sp3d/>
+    <dgm:txPr/>
+    <dgm:style>
+      <a:lnRef idx="2">
+        <a:scrgbClr r="0" g="0" b="0"/>
+      </a:lnRef>
+      <a:fillRef idx="1">
+        <a:scrgbClr r="0" g="0" b="0"/>
+      </a:fillRef>
+      <a:effectRef idx="0">
+        <a:scrgbClr r="0" g="0" b="0"/>
+      </a:effectRef>
+      <a:fontRef idx="minor">
+        <a:schemeClr val="lt1"/>
+      </a:fontRef>
+    </dgm:style>
+  </dgm:styleLbl>
+  <dgm:styleLbl name="fgImgPlace1">
+    <dgm:scene3d>
+      <a:camera prst="orthographicFront"/>
+      <a:lightRig rig="threePt" dir="t"/>
+    </dgm:scene3d>
+    <dgm:sp3d/>
+    <dgm:txPr/>
+    <dgm:style>
+      <a:lnRef idx="2">
+        <a:scrgbClr r="0" g="0" b="0"/>
+      </a:lnRef>
+      <a:fillRef idx="1">
+        <a:scrgbClr r="0" g="0" b="0"/>
+      </a:fillRef>
+      <a:effectRef idx="0">
+        <a:scrgbClr r="0" g="0" b="0"/>
+      </a:effectRef>
+      <a:fontRef idx="minor"/>
+    </dgm:style>
+  </dgm:styleLbl>
+  <dgm:styleLbl name="alignImgPlace1">
+    <dgm:scene3d>
+      <a:camera prst="orthographicFront"/>
+      <a:lightRig rig="threePt" dir="t"/>
+    </dgm:scene3d>
+    <dgm:sp3d/>
+    <dgm:txPr/>
+    <dgm:style>
+      <a:lnRef idx="2">
+        <a:scrgbClr r="0" g="0" b="0"/>
+      </a:lnRef>
+      <a:fillRef idx="1">
+        <a:scrgbClr r="0" g="0" b="0"/>
+      </a:fillRef>
+      <a:effectRef idx="0">
+        <a:scrgbClr r="0" g="0" b="0"/>
+      </a:effectRef>
+      <a:fontRef idx="minor"/>
+    </dgm:style>
+  </dgm:styleLbl>
+  <dgm:styleLbl name="bgImgPlace1">
+    <dgm:scene3d>
+      <a:camera prst="orthographicFront"/>
+      <a:lightRig rig="threePt" dir="t"/>
+    </dgm:scene3d>
+    <dgm:sp3d/>
+    <dgm:txPr/>
+    <dgm:style>
+      <a:lnRef idx="2">
+        <a:scrgbClr r="0" g="0" b="0"/>
+      </a:lnRef>
+      <a:fillRef idx="1">
+        <a:scrgbClr r="0" g="0" b="0"/>
+      </a:fillRef>
+      <a:effectRef idx="0">
+        <a:scrgbClr r="0" g="0" b="0"/>
+      </a:effectRef>
+      <a:fontRef idx="minor"/>
+    </dgm:style>
+  </dgm:styleLbl>
+  <dgm:styleLbl name="sibTrans2D1">
+    <dgm:scene3d>
+      <a:camera prst="orthographicFront"/>
+      <a:lightRig rig="threePt" dir="t"/>
+    </dgm:scene3d>
+    <dgm:sp3d/>
+    <dgm:txPr/>
+    <dgm:style>
+      <a:lnRef idx="0">
+        <a:scrgbClr r="0" g="0" b="0"/>
+      </a:lnRef>
+      <a:fillRef idx="1">
+        <a:scrgbClr r="0" g="0" b="0"/>
+      </a:fillRef>
+      <a:effectRef idx="0">
+        <a:scrgbClr r="0" g="0" b="0"/>
+      </a:effectRef>
+      <a:fontRef idx="minor">
+        <a:schemeClr val="lt1"/>
+      </a:fontRef>
+    </dgm:style>
+  </dgm:styleLbl>
+  <dgm:styleLbl name="fgSibTrans2D1">
+    <dgm:scene3d>
+      <a:camera prst="orthographicFront"/>
+      <a:lightRig rig="threePt" dir="t"/>
+    </dgm:scene3d>
+    <dgm:sp3d/>
+    <dgm:txPr/>
+    <dgm:style>
+      <a:lnRef idx="0">
+        <a:scrgbClr r="0" g="0" b="0"/>
+      </a:lnRef>
+      <a:fillRef idx="1">
+        <a:scrgbClr r="0" g="0" b="0"/>
+      </a:fillRef>
+      <a:effectRef idx="0">
+        <a:scrgbClr r="0" g="0" b="0"/>
+      </a:effectRef>
+      <a:fontRef idx="minor">
+        <a:schemeClr val="lt1"/>
+      </a:fontRef>
+    </dgm:style>
+  </dgm:styleLbl>
+  <dgm:styleLbl name="bgSibTrans2D1">
+    <dgm:scene3d>
+      <a:camera prst="orthographicFront"/>
+      <a:lightRig rig="threePt" dir="t"/>
+    </dgm:scene3d>
+    <dgm:sp3d/>
+    <dgm:txPr/>
+    <dgm:style>
+      <a:lnRef idx="0">
+        <a:scrgbClr r="0" g="0" b="0"/>
+      </a:lnRef>
+      <a:fillRef idx="1">
+        <a:scrgbClr r="0" g="0" b="0"/>
+      </a:fillRef>
+      <a:effectRef idx="0">
+        <a:scrgbClr r="0" g="0" b="0"/>
+      </a:effectRef>
+      <a:fontRef idx="minor">
+        <a:schemeClr val="lt1"/>
+      </a:fontRef>
+    </dgm:style>
+  </dgm:styleLbl>
+  <dgm:styleLbl name="sibTrans1D1">
+    <dgm:scene3d>
+      <a:camera prst="orthographicFront"/>
+      <a:lightRig rig="threePt" dir="t"/>
+    </dgm:scene3d>
+    <dgm:sp3d/>
+    <dgm:txPr/>
+    <dgm:style>
+      <a:lnRef idx="1">
+        <a:scrgbClr r="0" g="0" b="0"/>
+      </a:lnRef>
+      <a:fillRef idx="0">
+        <a:scrgbClr r="0" g="0" b="0"/>
+      </a:fillRef>
+      <a:effectRef idx="0">
+        <a:scrgbClr r="0" g="0" b="0"/>
+      </a:effectRef>
+      <a:fontRef idx="minor"/>
+    </dgm:style>
+  </dgm:styleLbl>
+  <dgm:styleLbl name="callout">
+    <dgm:scene3d>
+      <a:camera prst="orthographicFront"/>
+      <a:lightRig rig="threePt" dir="t"/>
+    </dgm:scene3d>
+    <dgm:sp3d/>
+    <dgm:txPr/>
+    <dgm:style>
+      <a:lnRef idx="2">
+        <a:scrgbClr r="0" g="0" b="0"/>
+      </a:lnRef>
+      <a:fillRef idx="1">
+        <a:scrgbClr r="0" g="0" b="0"/>
+      </a:fillRef>
+      <a:effectRef idx="0">
+        <a:scrgbClr r="0" g="0" b="0"/>
+      </a:effectRef>
+      <a:fontRef idx="minor"/>
+    </dgm:style>
+  </dgm:styleLbl>
+  <dgm:styleLbl name="asst0">
+    <dgm:scene3d>
+      <a:camera prst="orthographicFront"/>
+      <a:lightRig rig="threePt" dir="t"/>
+    </dgm:scene3d>
+    <dgm:sp3d/>
+    <dgm:txPr/>
+    <dgm:style>
+      <a:lnRef idx="2">
+        <a:scrgbClr r="0" g="0" b="0"/>
+      </a:lnRef>
+      <a:fillRef idx="1">
+        <a:scrgbClr r="0" g="0" b="0"/>
+      </a:fillRef>
+      <a:effectRef idx="0">
+        <a:scrgbClr r="0" g="0" b="0"/>
+      </a:effectRef>
+      <a:fontRef idx="minor">
+        <a:schemeClr val="lt1"/>
+      </a:fontRef>
+    </dgm:style>
+  </dgm:styleLbl>
+  <dgm:styleLbl name="asst1">
+    <dgm:scene3d>
+      <a:camera prst="orthographicFront"/>
+      <a:lightRig rig="threePt" dir="t"/>
+    </dgm:scene3d>
+    <dgm:sp3d/>
+    <dgm:txPr/>
+    <dgm:style>
+      <a:lnRef idx="2">
+        <a:scrgbClr r="0" g="0" b="0"/>
+      </a:lnRef>
+      <a:fillRef idx="1">
+        <a:scrgbClr r="0" g="0" b="0"/>
+      </a:fillRef>
+      <a:effectRef idx="0">
+        <a:scrgbClr r="0" g="0" b="0"/>
+      </a:effectRef>
+      <a:fontRef idx="minor">
+        <a:schemeClr val="lt1"/>
+      </a:fontRef>
+    </dgm:style>
+  </dgm:styleLbl>
+  <dgm:styleLbl name="asst2">
+    <dgm:scene3d>
+      <a:camera prst="orthographicFront"/>
+      <a:lightRig rig="threePt" dir="t"/>
+    </dgm:scene3d>
+    <dgm:sp3d/>
+    <dgm:txPr/>
+    <dgm:style>
+      <a:lnRef idx="2">
+        <a:scrgbClr r="0" g="0" b="0"/>
+      </a:lnRef>
+      <a:fillRef idx="1">
+        <a:scrgbClr r="0" g="0" b="0"/>
+      </a:fillRef>
+      <a:effectRef idx="0">
+        <a:scrgbClr r="0" g="0" b="0"/>
+      </a:effectRef>
+      <a:fontRef idx="minor">
+        <a:schemeClr val="lt1"/>
+      </a:fontRef>
+    </dgm:style>
+  </dgm:styleLbl>
+  <dgm:styleLbl name="asst3">
+    <dgm:scene3d>
+      <a:camera prst="orthographicFront"/>
+      <a:lightRig rig="threePt" dir="t"/>
+    </dgm:scene3d>
+    <dgm:sp3d/>
+    <dgm:txPr/>
+    <dgm:style>
+      <a:lnRef idx="2">
+        <a:scrgbClr r="0" g="0" b="0"/>
+      </a:lnRef>
+      <a:fillRef idx="1">
+        <a:scrgbClr r="0" g="0" b="0"/>
+      </a:fillRef>
+      <a:effectRef idx="0">
+        <a:scrgbClr r="0" g="0" b="0"/>
+      </a:effectRef>
+      <a:fontRef idx="minor">
+        <a:schemeClr val="lt1"/>
+      </a:fontRef>
+    </dgm:style>
+  </dgm:styleLbl>
+  <dgm:styleLbl name="asst4">
+    <dgm:scene3d>
+      <a:camera prst="orthographicFront"/>
+      <a:lightRig rig="threePt" dir="t"/>
+    </dgm:scene3d>
+    <dgm:sp3d/>
+    <dgm:txPr/>
+    <dgm:style>
+      <a:lnRef idx="2">
+        <a:scrgbClr r="0" g="0" b="0"/>
+      </a:lnRef>
+      <a:fillRef idx="1">
+        <a:scrgbClr r="0" g="0" b="0"/>
+      </a:fillRef>
+      <a:effectRef idx="0">
+        <a:scrgbClr r="0" g="0" b="0"/>
+      </a:effectRef>
+      <a:fontRef idx="minor">
+        <a:schemeClr val="lt1"/>
+      </a:fontRef>
+    </dgm:style>
+  </dgm:styleLbl>
+  <dgm:styleLbl name="parChTrans2D1">
+    <dgm:scene3d>
+      <a:camera prst="orthographicFront"/>
+      <a:lightRig rig="threePt" dir="t"/>
+    </dgm:scene3d>
+    <dgm:sp3d/>
+    <dgm:txPr/>
+    <dgm:style>
+      <a:lnRef idx="2">
+        <a:scrgbClr r="0" g="0" b="0"/>
+      </a:lnRef>
+      <a:fillRef idx="1">
+        <a:scrgbClr r="0" g="0" b="0"/>
+      </a:fillRef>
+      <a:effectRef idx="0">
+        <a:scrgbClr r="0" g="0" b="0"/>
+      </a:effectRef>
+      <a:fontRef idx="minor">
+        <a:schemeClr val="lt1"/>
+      </a:fontRef>
+    </dgm:style>
+  </dgm:styleLbl>
+  <dgm:styleLbl name="parChTrans2D2">
+    <dgm:scene3d>
+      <a:camera prst="orthographicFront"/>
+      <a:lightRig rig="threePt" dir="t"/>
+    </dgm:scene3d>
+    <dgm:sp3d/>
+    <dgm:txPr/>
+    <dgm:style>
+      <a:lnRef idx="2">
+        <a:scrgbClr r="0" g="0" b="0"/>
+      </a:lnRef>
+      <a:fillRef idx="1">
+        <a:scrgbClr r="0" g="0" b="0"/>
+      </a:fillRef>
+      <a:effectRef idx="0">
+        <a:scrgbClr r="0" g="0" b="0"/>
+      </a:effectRef>
+      <a:fontRef idx="minor">
+        <a:schemeClr val="lt1"/>
+      </a:fontRef>
+    </dgm:style>
+  </dgm:styleLbl>
+  <dgm:styleLbl name="parChTrans2D3">
+    <dgm:scene3d>
+      <a:camera prst="orthographicFront"/>
+      <a:lightRig rig="threePt" dir="t"/>
+    </dgm:scene3d>
+    <dgm:sp3d/>
+    <dgm:txPr/>
+    <dgm:style>
+      <a:lnRef idx="2">
+        <a:scrgbClr r="0" g="0" b="0"/>
+      </a:lnRef>
+      <a:fillRef idx="1">
+        <a:scrgbClr r="0" g="0" b="0"/>
+      </a:fillRef>
+      <a:effectRef idx="0">
+        <a:scrgbClr r="0" g="0" b="0"/>
+      </a:effectRef>
+      <a:fontRef idx="minor">
+        <a:schemeClr val="lt1"/>
+      </a:fontRef>
+    </dgm:style>
+  </dgm:styleLbl>
+  <dgm:styleLbl name="parChTrans2D4">
+    <dgm:scene3d>
+      <a:camera prst="orthographicFront"/>
+      <a:lightRig rig="threePt" dir="t"/>
+    </dgm:scene3d>
+    <dgm:sp3d/>
+    <dgm:txPr/>
+    <dgm:style>
+      <a:lnRef idx="2">
+        <a:scrgbClr r="0" g="0" b="0"/>
+      </a:lnRef>
+      <a:fillRef idx="1">
+        <a:scrgbClr r="0" g="0" b="0"/>
+      </a:fillRef>
+      <a:effectRef idx="0">
+        <a:scrgbClr r="0" g="0" b="0"/>
+      </a:effectRef>
+      <a:fontRef idx="minor">
+        <a:schemeClr val="lt1"/>
+      </a:fontRef>
+    </dgm:style>
+  </dgm:styleLbl>
+  <dgm:styleLbl name="parChTrans1D1">
+    <dgm:scene3d>
+      <a:camera prst="orthographicFront"/>
+      <a:lightRig rig="threePt" dir="t"/>
+    </dgm:scene3d>
+    <dgm:sp3d/>
+    <dgm:txPr/>
+    <dgm:style>
+      <a:lnRef idx="2">
+        <a:scrgbClr r="0" g="0" b="0"/>
+      </a:lnRef>
+      <a:fillRef idx="0">
+        <a:scrgbClr r="0" g="0" b="0"/>
+      </a:fillRef>
+      <a:effectRef idx="0">
+        <a:scrgbClr r="0" g="0" b="0"/>
+      </a:effectRef>
+      <a:fontRef idx="minor"/>
+    </dgm:style>
+  </dgm:styleLbl>
+  <dgm:styleLbl name="parChTrans1D2">
+    <dgm:scene3d>
+      <a:camera prst="orthographicFront"/>
+      <a:lightRig rig="threePt" dir="t"/>
+    </dgm:scene3d>
+    <dgm:sp3d/>
+    <dgm:txPr/>
+    <dgm:style>
+      <a:lnRef idx="2">
+        <a:scrgbClr r="0" g="0" b="0"/>
+      </a:lnRef>
+      <a:fillRef idx="0">
+        <a:scrgbClr r="0" g="0" b="0"/>
+      </a:fillRef>
+      <a:effectRef idx="0">
+        <a:scrgbClr r="0" g="0" b="0"/>
+      </a:effectRef>
+      <a:fontRef idx="minor"/>
+    </dgm:style>
+  </dgm:styleLbl>
+  <dgm:styleLbl name="parChTrans1D3">
+    <dgm:scene3d>
+      <a:camera prst="orthographicFront"/>
+      <a:lightRig rig="threePt" dir="t"/>
+    </dgm:scene3d>
+    <dgm:sp3d/>
+    <dgm:txPr/>
+    <dgm:style>
+      <a:lnRef idx="2">
+        <a:scrgbClr r="0" g="0" b="0"/>
+      </a:lnRef>
+      <a:fillRef idx="0">
+        <a:scrgbClr r="0" g="0" b="0"/>
+      </a:fillRef>
+      <a:effectRef idx="0">
+        <a:scrgbClr r="0" g="0" b="0"/>
+      </a:effectRef>
+      <a:fontRef idx="minor"/>
+    </dgm:style>
+  </dgm:styleLbl>
+  <dgm:styleLbl name="parChTrans1D4">
+    <dgm:scene3d>
+      <a:camera prst="orthographicFront"/>
+      <a:lightRig rig="threePt" dir="t"/>
+    </dgm:scene3d>
+    <dgm:sp3d/>
+    <dgm:txPr/>
+    <dgm:style>
+      <a:lnRef idx="2">
+        <a:scrgbClr r="0" g="0" b="0"/>
+      </a:lnRef>
+      <a:fillRef idx="0">
+        <a:scrgbClr r="0" g="0" b="0"/>
+      </a:fillRef>
+      <a:effectRef idx="0">
+        <a:scrgbClr r="0" g="0" b="0"/>
+      </a:effectRef>
+      <a:fontRef idx="minor"/>
+    </dgm:style>
+  </dgm:styleLbl>
+  <dgm:styleLbl name="fgAcc1">
+    <dgm:scene3d>
+      <a:camera prst="orthographicFront"/>
+      <a:lightRig rig="threePt" dir="t"/>
+    </dgm:scene3d>
+    <dgm:sp3d/>
+    <dgm:txPr/>
+    <dgm:style>
+      <a:lnRef idx="2">
+        <a:scrgbClr r="0" g="0" b="0"/>
+      </a:lnRef>
+      <a:fillRef idx="1">
+        <a:scrgbClr r="0" g="0" b="0"/>
+      </a:fillRef>
+      <a:effectRef idx="0">
+        <a:scrgbClr r="0" g="0" b="0"/>
+      </a:effectRef>
+      <a:fontRef idx="minor"/>
+    </dgm:style>
+  </dgm:styleLbl>
+  <dgm:styleLbl name="conFgAcc1">
+    <dgm:scene3d>
+      <a:camera prst="orthographicFront"/>
+      <a:lightRig rig="threePt" dir="t"/>
+    </dgm:scene3d>
+    <dgm:sp3d/>
+    <dgm:txPr/>
+    <dgm:style>
+      <a:lnRef idx="2">
+        <a:scrgbClr r="0" g="0" b="0"/>
+      </a:lnRef>
+      <a:fillRef idx="1">
+        <a:scrgbClr r="0" g="0" b="0"/>
+      </a:fillRef>
+      <a:effectRef idx="0">
+        <a:scrgbClr r="0" g="0" b="0"/>
+      </a:effectRef>
+      <a:fontRef idx="minor"/>
+    </dgm:style>
+  </dgm:styleLbl>
+  <dgm:styleLbl name="alignAcc1">
+    <dgm:scene3d>
+      <a:camera prst="orthographicFront"/>
+      <a:lightRig rig="threePt" dir="t"/>
+    </dgm:scene3d>
+    <dgm:sp3d/>
+    <dgm:txPr/>
+    <dgm:style>
+      <a:lnRef idx="2">
+        <a:scrgbClr r="0" g="0" b="0"/>
+      </a:lnRef>
+      <a:fillRef idx="1">
+        <a:scrgbClr r="0" g="0" b="0"/>
+      </a:fillRef>
+      <a:effectRef idx="0">
+        <a:scrgbClr r="0" g="0" b="0"/>
+      </a:effectRef>
+      <a:fontRef idx="minor"/>
+    </dgm:style>
+  </dgm:styleLbl>
+  <dgm:styleLbl name="trAlignAcc1">
+    <dgm:scene3d>
+      <a:camera prst="orthographicFront"/>
+      <a:lightRig rig="threePt" dir="t"/>
+    </dgm:scene3d>
+    <dgm:sp3d/>
+    <dgm:txPr/>
+    <dgm:style>
+      <a:lnRef idx="1">
+        <a:scrgbClr r="0" g="0" b="0"/>
+      </a:lnRef>
+      <a:fillRef idx="1">
+        <a:scrgbClr r="0" g="0" b="0"/>
+      </a:fillRef>
+      <a:effectRef idx="0">
+        <a:scrgbClr r="0" g="0" b="0"/>
+      </a:effectRef>
+      <a:fontRef idx="minor"/>
+    </dgm:style>
+  </dgm:styleLbl>
+  <dgm:styleLbl name="bgAcc1">
+    <dgm:scene3d>
+      <a:camera prst="orthographicFront"/>
+      <a:lightRig rig="threePt" dir="t"/>
+    </dgm:scene3d>
+    <dgm:sp3d/>
+    <dgm:txPr/>
+    <dgm:style>
+      <a:lnRef idx="2">
+        <a:scrgbClr r="0" g="0" b="0"/>
+      </a:lnRef>
+      <a:fillRef idx="1">
+        <a:scrgbClr r="0" g="0" b="0"/>
+      </a:fillRef>
+      <a:effectRef idx="0">
+        <a:scrgbClr r="0" g="0" b="0"/>
+      </a:effectRef>
+      <a:fontRef idx="minor"/>
+    </dgm:style>
+  </dgm:styleLbl>
+  <dgm:styleLbl name="solidFgAcc1">
+    <dgm:scene3d>
+      <a:camera prst="orthographicFront"/>
+      <a:lightRig rig="threePt" dir="t"/>
+    </dgm:scene3d>
+    <dgm:sp3d/>
+    <dgm:txPr/>
+    <dgm:style>
+      <a:lnRef idx="2">
+        <a:scrgbClr r="0" g="0" b="0"/>
+      </a:lnRef>
+      <a:fillRef idx="1">
+        <a:scrgbClr r="0" g="0" b="0"/>
+      </a:fillRef>
+      <a:effectRef idx="0">
+        <a:scrgbClr r="0" g="0" b="0"/>
+      </a:effectRef>
+      <a:fontRef idx="minor"/>
+    </dgm:style>
+  </dgm:styleLbl>
+  <dgm:styleLbl name="solidAlignAcc1">
+    <dgm:scene3d>
+      <a:camera prst="orthographicFront"/>
+      <a:lightRig rig="threePt" dir="t"/>
+    </dgm:scene3d>
+    <dgm:sp3d/>
+    <dgm:txPr/>
+    <dgm:style>
+      <a:lnRef idx="2">
+        <a:scrgbClr r="0" g="0" b="0"/>
+      </a:lnRef>
+      <a:fillRef idx="1">
+        <a:scrgbClr r="0" g="0" b="0"/>
+      </a:fillRef>
+      <a:effectRef idx="0">
+        <a:scrgbClr r="0" g="0" b="0"/>
+      </a:effectRef>
+      <a:fontRef idx="minor"/>
+    </dgm:style>
+  </dgm:styleLbl>
+  <dgm:styleLbl name="solidBgAcc1">
+    <dgm:scene3d>
+      <a:camera prst="orthographicFront"/>
+      <a:lightRig rig="threePt" dir="t"/>
+    </dgm:scene3d>
+    <dgm:sp3d/>
+    <dgm:txPr/>
+    <dgm:style>
+      <a:lnRef idx="2">
+        <a:scrgbClr r="0" g="0" b="0"/>
+      </a:lnRef>
+      <a:fillRef idx="1">
+        <a:scrgbClr r="0" g="0" b="0"/>
+      </a:fillRef>
+      <a:effectRef idx="0">
+        <a:scrgbClr r="0" g="0" b="0"/>
+      </a:effectRef>
+      <a:fontRef idx="minor"/>
+    </dgm:style>
+  </dgm:styleLbl>
+  <dgm:styleLbl name="fgAccFollowNode1">
+    <dgm:scene3d>
+      <a:camera prst="orthographicFront"/>
+      <a:lightRig rig="threePt" dir="t"/>
+    </dgm:scene3d>
+    <dgm:sp3d/>
+    <dgm:txPr/>
+    <dgm:style>
+      <a:lnRef idx="2">
+        <a:scrgbClr r="0" g="0" b="0"/>
+      </a:lnRef>
+      <a:fillRef idx="1">
+        <a:scrgbClr r="0" g="0" b="0"/>
+      </a:fillRef>
+      <a:effectRef idx="0">
+        <a:scrgbClr r="0" g="0" b="0"/>
+      </a:effectRef>
+      <a:fontRef idx="minor"/>
+    </dgm:style>
+  </dgm:styleLbl>
+  <dgm:styleLbl name="alignAccFollowNode1">
+    <dgm:scene3d>
+      <a:camera prst="orthographicFront"/>
+      <a:lightRig rig="threePt" dir="t"/>
+    </dgm:scene3d>
+    <dgm:sp3d/>
+    <dgm:txPr/>
+    <dgm:style>
+      <a:lnRef idx="2">
+        <a:scrgbClr r="0" g="0" b="0"/>
+      </a:lnRef>
+      <a:fillRef idx="1">
+        <a:scrgbClr r="0" g="0" b="0"/>
+      </a:fillRef>
+      <a:effectRef idx="0">
+        <a:scrgbClr r="0" g="0" b="0"/>
+      </a:effectRef>
+      <a:fontRef idx="minor"/>
+    </dgm:style>
+  </dgm:styleLbl>
+  <dgm:styleLbl name="bgAccFollowNode1">
+    <dgm:scene3d>
+      <a:camera prst="orthographicFront"/>
+      <a:lightRig rig="threePt" dir="t"/>
+    </dgm:scene3d>
+    <dgm:sp3d/>
+    <dgm:txPr/>
+    <dgm:style>
+      <a:lnRef idx="2">
+        <a:scrgbClr r="0" g="0" b="0"/>
+      </a:lnRef>
+      <a:fillRef idx="1">
+        <a:scrgbClr r="0" g="0" b="0"/>
+      </a:fillRef>
+      <a:effectRef idx="0">
+        <a:scrgbClr r="0" g="0" b="0"/>
+      </a:effectRef>
+      <a:fontRef idx="minor"/>
+    </dgm:style>
+  </dgm:styleLbl>
+  <dgm:styleLbl name="fgAcc0">
+    <dgm:scene3d>
+      <a:camera prst="orthographicFront"/>
+      <a:lightRig rig="threePt" dir="t"/>
+    </dgm:scene3d>
+    <dgm:sp3d/>
+    <dgm:txPr/>
+    <dgm:style>
+      <a:lnRef idx="2">
+        <a:scrgbClr r="0" g="0" b="0"/>
+      </a:lnRef>
+      <a:fillRef idx="1">
+        <a:scrgbClr r="0" g="0" b="0"/>
+      </a:fillRef>
+      <a:effectRef idx="0">
+        <a:scrgbClr r="0" g="0" b="0"/>
+      </a:effectRef>
+      <a:fontRef idx="minor"/>
+    </dgm:style>
+  </dgm:styleLbl>
+  <dgm:styleLbl name="fgAcc2">
+    <dgm:scene3d>
+      <a:camera prst="orthographicFront"/>
+      <a:lightRig rig="threePt" dir="t"/>
+    </dgm:scene3d>
+    <dgm:sp3d/>
+    <dgm:txPr/>
+    <dgm:style>
+      <a:lnRef idx="2">
+        <a:scrgbClr r="0" g="0" b="0"/>
+      </a:lnRef>
+      <a:fillRef idx="1">
+        <a:scrgbClr r="0" g="0" b="0"/>
+      </a:fillRef>
+      <a:effectRef idx="0">
+        <a:scrgbClr r="0" g="0" b="0"/>
+      </a:effectRef>
+      <a:fontRef idx="minor"/>
+    </dgm:style>
+  </dgm:styleLbl>
+  <dgm:styleLbl name="fgAcc3">
+    <dgm:scene3d>
+      <a:camera prst="orthographicFront"/>
+      <a:lightRig rig="threePt" dir="t"/>
+    </dgm:scene3d>
+    <dgm:sp3d/>
+    <dgm:txPr/>
+    <dgm:style>
+      <a:lnRef idx="2">
+        <a:scrgbClr r="0" g="0" b="0"/>
+      </a:lnRef>
+      <a:fillRef idx="1">
+        <a:scrgbClr r="0" g="0" b="0"/>
+      </a:fillRef>
+      <a:effectRef idx="0">
+        <a:scrgbClr r="0" g="0" b="0"/>
+      </a:effectRef>
+      <a:fontRef idx="minor"/>
+    </dgm:style>
+  </dgm:styleLbl>
+  <dgm:styleLbl name="fgAcc4">
+    <dgm:scene3d>
+      <a:camera prst="orthographicFront"/>
+      <a:lightRig rig="threePt" dir="t"/>
+    </dgm:scene3d>
+    <dgm:sp3d/>
+    <dgm:txPr/>
+    <dgm:style>
+      <a:lnRef idx="2">
+        <a:scrgbClr r="0" g="0" b="0"/>
+      </a:lnRef>
+      <a:fillRef idx="1">
+        <a:scrgbClr r="0" g="0" b="0"/>
+      </a:fillRef>
+      <a:effectRef idx="0">
+        <a:scrgbClr r="0" g="0" b="0"/>
+      </a:effectRef>
+      <a:fontRef idx="minor"/>
+    </dgm:style>
+  </dgm:styleLbl>
+  <dgm:styleLbl name="bgShp">
+    <dgm:scene3d>
+      <a:camera prst="orthographicFront"/>
+      <a:lightRig rig="threePt" dir="t"/>
+    </dgm:scene3d>
+    <dgm:sp3d/>
+    <dgm:txPr/>
+    <dgm:style>
+      <a:lnRef idx="0">
+        <a:scrgbClr r="0" g="0" b="0"/>
+      </a:lnRef>
+      <a:fillRef idx="1">
+        <a:scrgbClr r="0" g="0" b="0"/>
+      </a:fillRef>
+      <a:effectRef idx="0">
+        <a:scrgbClr r="0" g="0" b="0"/>
+      </a:effectRef>
+      <a:fontRef idx="minor"/>
+    </dgm:style>
+  </dgm:styleLbl>
+  <dgm:styleLbl name="dkBgShp">
+    <dgm:scene3d>
+      <a:camera prst="orthographicFront"/>
+      <a:lightRig rig="threePt" dir="t"/>
+    </dgm:scene3d>
+    <dgm:sp3d/>
+    <dgm:txPr/>
+    <dgm:style>
+      <a:lnRef idx="0">
+        <a:scrgbClr r="0" g="0" b="0"/>
+      </a:lnRef>
+      <a:fillRef idx="1">
+        <a:scrgbClr r="0" g="0" b="0"/>
+      </a:fillRef>
+      <a:effectRef idx="0">
+        <a:scrgbClr r="0" g="0" b="0"/>
+      </a:effectRef>
+      <a:fontRef idx="minor"/>
+    </dgm:style>
+  </dgm:styleLbl>
+  <dgm:styleLbl name="trBgShp">
+    <dgm:scene3d>
+      <a:camera prst="orthographicFront"/>
+      <a:lightRig rig="threePt" dir="t"/>
+    </dgm:scene3d>
+    <dgm:sp3d/>
+    <dgm:txPr/>
+    <dgm:style>
+      <a:lnRef idx="0">
+        <a:scrgbClr r="0" g="0" b="0"/>
+      </a:lnRef>
+      <a:fillRef idx="1">
+        <a:scrgbClr r="0" g="0" b="0"/>
+      </a:fillRef>
+      <a:effectRef idx="0">
+        <a:scrgbClr r="0" g="0" b="0"/>
+      </a:effectRef>
+      <a:fontRef idx="minor"/>
+    </dgm:style>
+  </dgm:styleLbl>
+  <dgm:styleLbl name="fgShp">
+    <dgm:scene3d>
+      <a:camera prst="orthographicFront"/>
+      <a:lightRig rig="threePt" dir="t"/>
+    </dgm:scene3d>
+    <dgm:sp3d/>
+    <dgm:txPr/>
+    <dgm:style>
+      <a:lnRef idx="2">
+        <a:scrgbClr r="0" g="0" b="0"/>
+      </a:lnRef>
+      <a:fillRef idx="1">
+        <a:scrgbClr r="0" g="0" b="0"/>
+      </a:fillRef>
+      <a:effectRef idx="0">
+        <a:scrgbClr r="0" g="0" b="0"/>
+      </a:effectRef>
+      <a:fontRef idx="minor"/>
+    </dgm:style>
+  </dgm:styleLbl>
+  <dgm:styleLbl name="revTx">
+    <dgm:scene3d>
+      <a:camera prst="orthographicFront"/>
+      <a:lightRig rig="threePt" dir="t"/>
+    </dgm:scene3d>
+    <dgm:sp3d/>
+    <dgm:txPr/>
+    <dgm:style>
+      <a:lnRef idx="0">
+        <a:scrgbClr r="0" g="0" b="0"/>
+      </a:lnRef>
+      <a:fillRef idx="0">
+        <a:scrgbClr r="0" g="0" b="0"/>
+      </a:fillRef>
+      <a:effectRef idx="0">
+        <a:scrgbClr r="0" g="0" b="0"/>
+      </a:effectRef>
+      <a:fontRef idx="minor"/>
+    </dgm:style>
+  </dgm:styleLbl>
+</dgm:styleDef>
+</file>
+
 <file path=ppt/slideLayouts/slideLayout1.xml><?xml version="1.0" encoding="utf-8"?>
 <p:sldLayout xmlns:a="http://schemas.openxmlformats.org/drawingml/2006/main" xmlns:r="http://schemas.openxmlformats.org/officeDocument/2006/relationships" xmlns:p="http://schemas.openxmlformats.org/presentationml/2006/main" type="title" preserve="1">
   <p:cSld name="Title Slide">
@@ -277,7 +2803,7 @@
           <a:p>
             <a:fld id="{F07CD3FD-BE54-4400-942B-C6C15AA73DFD}" type="datetimeFigureOut">
               <a:rPr lang="en-US" smtClean="0"/>
-              <a:t>2/6/2024</a:t>
+              <a:t>3/3/2024</a:t>
             </a:fld>
             <a:endParaRPr lang="en-US"/>
           </a:p>
@@ -476,7 +3002,7 @@
           <a:p>
             <a:fld id="{F07CD3FD-BE54-4400-942B-C6C15AA73DFD}" type="datetimeFigureOut">
               <a:rPr lang="en-US" smtClean="0"/>
-              <a:t>2/6/2024</a:t>
+              <a:t>3/3/2024</a:t>
             </a:fld>
             <a:endParaRPr lang="en-US"/>
           </a:p>
@@ -686,7 +3212,7 @@
           <a:p>
             <a:fld id="{F07CD3FD-BE54-4400-942B-C6C15AA73DFD}" type="datetimeFigureOut">
               <a:rPr lang="en-US" smtClean="0"/>
-              <a:t>2/6/2024</a:t>
+              <a:t>3/3/2024</a:t>
             </a:fld>
             <a:endParaRPr lang="en-US"/>
           </a:p>
@@ -884,7 +3410,7 @@
           <a:p>
             <a:fld id="{F07CD3FD-BE54-4400-942B-C6C15AA73DFD}" type="datetimeFigureOut">
               <a:rPr lang="en-US" smtClean="0"/>
-              <a:t>2/6/2024</a:t>
+              <a:t>3/3/2024</a:t>
             </a:fld>
             <a:endParaRPr lang="en-US"/>
           </a:p>
@@ -1164,7 +3690,7 @@
           <a:p>
             <a:fld id="{F07CD3FD-BE54-4400-942B-C6C15AA73DFD}" type="datetimeFigureOut">
               <a:rPr lang="en-US" smtClean="0"/>
-              <a:t>2/6/2024</a:t>
+              <a:t>3/3/2024</a:t>
             </a:fld>
             <a:endParaRPr lang="en-US"/>
           </a:p>
@@ -1431,7 +3957,7 @@
           <a:p>
             <a:fld id="{F07CD3FD-BE54-4400-942B-C6C15AA73DFD}" type="datetimeFigureOut">
               <a:rPr lang="en-US" smtClean="0"/>
-              <a:t>2/6/2024</a:t>
+              <a:t>3/3/2024</a:t>
             </a:fld>
             <a:endParaRPr lang="en-US"/>
           </a:p>
@@ -1849,7 +4375,7 @@
           <a:p>
             <a:fld id="{F07CD3FD-BE54-4400-942B-C6C15AA73DFD}" type="datetimeFigureOut">
               <a:rPr lang="en-US" smtClean="0"/>
-              <a:t>2/6/2024</a:t>
+              <a:t>3/3/2024</a:t>
             </a:fld>
             <a:endParaRPr lang="en-US"/>
           </a:p>
@@ -1991,7 +4517,7 @@
           <a:p>
             <a:fld id="{F07CD3FD-BE54-4400-942B-C6C15AA73DFD}" type="datetimeFigureOut">
               <a:rPr lang="en-US" smtClean="0"/>
-              <a:t>2/6/2024</a:t>
+              <a:t>3/3/2024</a:t>
             </a:fld>
             <a:endParaRPr lang="en-US"/>
           </a:p>
@@ -2104,7 +4630,7 @@
           <a:p>
             <a:fld id="{F07CD3FD-BE54-4400-942B-C6C15AA73DFD}" type="datetimeFigureOut">
               <a:rPr lang="en-US" smtClean="0"/>
-              <a:t>2/6/2024</a:t>
+              <a:t>3/3/2024</a:t>
             </a:fld>
             <a:endParaRPr lang="en-US"/>
           </a:p>
@@ -2419,7 +4945,7 @@
           <a:p>
             <a:fld id="{F07CD3FD-BE54-4400-942B-C6C15AA73DFD}" type="datetimeFigureOut">
               <a:rPr lang="en-US" smtClean="0"/>
-              <a:t>2/6/2024</a:t>
+              <a:t>3/3/2024</a:t>
             </a:fld>
             <a:endParaRPr lang="en-US"/>
           </a:p>
@@ -2711,7 +5237,7 @@
           <a:p>
             <a:fld id="{F07CD3FD-BE54-4400-942B-C6C15AA73DFD}" type="datetimeFigureOut">
               <a:rPr lang="en-US" smtClean="0"/>
-              <a:t>2/6/2024</a:t>
+              <a:t>3/3/2024</a:t>
             </a:fld>
             <a:endParaRPr lang="en-US"/>
           </a:p>
@@ -2950,7 +5476,7 @@
           <a:p>
             <a:fld id="{F07CD3FD-BE54-4400-942B-C6C15AA73DFD}" type="datetimeFigureOut">
               <a:rPr lang="en-US" smtClean="0"/>
-              <a:t>2/6/2024</a:t>
+              <a:t>3/3/2024</a:t>
             </a:fld>
             <a:endParaRPr lang="en-US"/>
           </a:p>
@@ -3555,7 +6081,15 @@
           <a:lstStyle/>
           <a:p>
             <a:r>
-              <a:rPr lang="ru-RU" dirty="0"/>
+              <a:rPr lang="ru-RU" dirty="0">
+                <a:effectLst>
+                  <a:outerShdw blurRad="38100" dist="38100" dir="2700000" algn="tl">
+                    <a:srgbClr val="000000">
+                      <a:alpha val="43137"/>
+                    </a:srgbClr>
+                  </a:outerShdw>
+                </a:effectLst>
+              </a:rPr>
               <a:t>Интерактивная платформа </a:t>
             </a:r>
             <a:r>
@@ -3808,2256 +6342,6 @@
 <file path=ppt/slides/slide10.xml><?xml version="1.0" encoding="utf-8"?>
 <p:sld xmlns:a="http://schemas.openxmlformats.org/drawingml/2006/main" xmlns:r="http://schemas.openxmlformats.org/officeDocument/2006/relationships" xmlns:p="http://schemas.openxmlformats.org/presentationml/2006/main">
   <p:cSld>
-    <p:spTree>
-      <p:nvGrpSpPr>
-        <p:cNvPr id="1" name=""/>
-        <p:cNvGrpSpPr/>
-        <p:nvPr/>
-      </p:nvGrpSpPr>
-      <p:grpSpPr>
-        <a:xfrm>
-          <a:off x="0" y="0"/>
-          <a:ext cx="0" cy="0"/>
-          <a:chOff x="0" y="0"/>
-          <a:chExt cx="0" cy="0"/>
-        </a:xfrm>
-      </p:grpSpPr>
-      <p:sp>
-        <p:nvSpPr>
-          <p:cNvPr id="2" name="Заголовок 1">
-            <a:extLst>
-              <a:ext uri="{FF2B5EF4-FFF2-40B4-BE49-F238E27FC236}">
-                <a16:creationId xmlns:a16="http://schemas.microsoft.com/office/drawing/2014/main" id="{21675C5D-C508-9AD8-C720-11003976A8E3}"/>
-              </a:ext>
-            </a:extLst>
-          </p:cNvPr>
-          <p:cNvSpPr>
-            <a:spLocks noGrp="1"/>
-          </p:cNvSpPr>
-          <p:nvPr>
-            <p:ph type="title"/>
-          </p:nvPr>
-        </p:nvSpPr>
-        <p:spPr/>
-        <p:txBody>
-          <a:bodyPr/>
-          <a:lstStyle/>
-          <a:p>
-            <a:r>
-              <a:rPr lang="ru-RU" dirty="0"/>
-              <a:t>Финансирование (детально)</a:t>
-            </a:r>
-          </a:p>
-        </p:txBody>
-      </p:sp>
-      <p:sp>
-        <p:nvSpPr>
-          <p:cNvPr id="3" name="Объект 2">
-            <a:extLst>
-              <a:ext uri="{FF2B5EF4-FFF2-40B4-BE49-F238E27FC236}">
-                <a16:creationId xmlns:a16="http://schemas.microsoft.com/office/drawing/2014/main" id="{42CAD66B-874A-029C-ACC8-307E19C7A934}"/>
-              </a:ext>
-            </a:extLst>
-          </p:cNvPr>
-          <p:cNvSpPr>
-            <a:spLocks noGrp="1"/>
-          </p:cNvSpPr>
-          <p:nvPr>
-            <p:ph idx="1"/>
-          </p:nvPr>
-        </p:nvSpPr>
-        <p:spPr/>
-        <p:txBody>
-          <a:bodyPr/>
-          <a:lstStyle/>
-          <a:p>
-            <a:r>
-              <a:rPr lang="ru-RU" dirty="0">
-                <a:hlinkClick r:id="rId2"/>
-              </a:rPr>
-              <a:t>Студенческий стартап — Федеральный проект «Платформа университетского технологического предпринимательства» (univertechpred.ru)</a:t>
-            </a:r>
-            <a:r>
-              <a:rPr lang="ru-RU" dirty="0"/>
-              <a:t> – 1 000 000, в любой точке России </a:t>
-            </a:r>
-          </a:p>
-          <a:p>
-            <a:r>
-              <a:rPr lang="ru-RU" dirty="0">
-                <a:hlinkClick r:id="rId3"/>
-              </a:rPr>
-              <a:t>Гранты для молодых предпринимателей (</a:t>
-            </a:r>
-            <a:r>
-              <a:rPr lang="ru-RU" dirty="0" err="1">
-                <a:hlinkClick r:id="rId3"/>
-              </a:rPr>
-              <a:t>xn</a:t>
-            </a:r>
-            <a:r>
-              <a:rPr lang="ru-RU" dirty="0">
-                <a:hlinkClick r:id="rId3"/>
-              </a:rPr>
-              <a:t>--90aifddrld7a.xn--p1ai)</a:t>
-            </a:r>
-            <a:r>
-              <a:rPr lang="ru-RU" dirty="0"/>
-              <a:t> – до 500 тысяч (но не в МСК)</a:t>
-            </a:r>
-          </a:p>
-          <a:p>
-            <a:r>
-              <a:rPr lang="ru-RU" dirty="0" err="1"/>
-              <a:t>Краундфандинг</a:t>
-            </a:r>
-            <a:endParaRPr lang="ru-RU" dirty="0"/>
-          </a:p>
-          <a:p>
-            <a:r>
-              <a:rPr lang="ru-RU" dirty="0"/>
-              <a:t>Льготные программы кредитования от правительства Москвы (их слишком много)</a:t>
-            </a:r>
-          </a:p>
-        </p:txBody>
-      </p:sp>
-    </p:spTree>
-    <p:extLst>
-      <p:ext uri="{BB962C8B-B14F-4D97-AF65-F5344CB8AC3E}">
-        <p14:creationId xmlns:p14="http://schemas.microsoft.com/office/powerpoint/2010/main" val="2540610629"/>
-      </p:ext>
-    </p:extLst>
-  </p:cSld>
-  <p:clrMapOvr>
-    <a:masterClrMapping/>
-  </p:clrMapOvr>
-</p:sld>
-</file>
-
-<file path=ppt/slides/slide2.xml><?xml version="1.0" encoding="utf-8"?>
-<p:sld xmlns:a="http://schemas.openxmlformats.org/drawingml/2006/main" xmlns:r="http://schemas.openxmlformats.org/officeDocument/2006/relationships" xmlns:p="http://schemas.openxmlformats.org/presentationml/2006/main">
-  <p:cSld>
-    <p:spTree>
-      <p:nvGrpSpPr>
-        <p:cNvPr id="1" name=""/>
-        <p:cNvGrpSpPr/>
-        <p:nvPr/>
-      </p:nvGrpSpPr>
-      <p:grpSpPr>
-        <a:xfrm>
-          <a:off x="0" y="0"/>
-          <a:ext cx="0" cy="0"/>
-          <a:chOff x="0" y="0"/>
-          <a:chExt cx="0" cy="0"/>
-        </a:xfrm>
-      </p:grpSpPr>
-      <p:sp>
-        <p:nvSpPr>
-          <p:cNvPr id="2" name="Заголовок 1">
-            <a:extLst>
-              <a:ext uri="{FF2B5EF4-FFF2-40B4-BE49-F238E27FC236}">
-                <a16:creationId xmlns:a16="http://schemas.microsoft.com/office/drawing/2014/main" id="{FE0E9C20-36E6-C678-A8A5-19A83C7966DE}"/>
-              </a:ext>
-            </a:extLst>
-          </p:cNvPr>
-          <p:cNvSpPr>
-            <a:spLocks noGrp="1"/>
-          </p:cNvSpPr>
-          <p:nvPr>
-            <p:ph type="title"/>
-          </p:nvPr>
-        </p:nvSpPr>
-        <p:spPr>
-          <a:xfrm>
-            <a:off x="914401" y="1371600"/>
-            <a:ext cx="3943762" cy="1314443"/>
-          </a:xfrm>
-        </p:spPr>
-        <p:txBody>
-          <a:bodyPr>
-            <a:normAutofit/>
-          </a:bodyPr>
-          <a:lstStyle/>
-          <a:p>
-            <a:r>
-              <a:rPr lang="ru-RU"/>
-              <a:t>Цели проекта</a:t>
-            </a:r>
-            <a:endParaRPr lang="ru-RU" dirty="0"/>
-          </a:p>
-        </p:txBody>
-      </p:sp>
-      <p:sp>
-        <p:nvSpPr>
-          <p:cNvPr id="3" name="Объект 2">
-            <a:extLst>
-              <a:ext uri="{FF2B5EF4-FFF2-40B4-BE49-F238E27FC236}">
-                <a16:creationId xmlns:a16="http://schemas.microsoft.com/office/drawing/2014/main" id="{B45D7033-D534-8328-3600-AEC712213351}"/>
-              </a:ext>
-            </a:extLst>
-          </p:cNvPr>
-          <p:cNvSpPr>
-            <a:spLocks noGrp="1"/>
-          </p:cNvSpPr>
-          <p:nvPr>
-            <p:ph idx="1"/>
-          </p:nvPr>
-        </p:nvSpPr>
-        <p:spPr>
-          <a:xfrm>
-            <a:off x="914400" y="2853369"/>
-            <a:ext cx="3943762" cy="3088460"/>
-          </a:xfrm>
-        </p:spPr>
-        <p:txBody>
-          <a:bodyPr>
-            <a:normAutofit/>
-          </a:bodyPr>
-          <a:lstStyle/>
-          <a:p>
-            <a:pPr>
-              <a:lnSpc>
-                <a:spcPct val="110000"/>
-              </a:lnSpc>
-            </a:pPr>
-            <a:r>
-              <a:rPr lang="ru-RU" sz="1300" dirty="0"/>
-              <a:t>Предоставить клиентам доступ к школьной/</a:t>
-            </a:r>
-            <a:r>
-              <a:rPr lang="ru-RU" sz="1300" dirty="0" err="1"/>
-              <a:t>ВУЗовской</a:t>
-            </a:r>
-            <a:r>
-              <a:rPr lang="ru-RU" sz="1300" dirty="0"/>
-              <a:t> программе</a:t>
-            </a:r>
-          </a:p>
-          <a:p>
-            <a:pPr>
-              <a:lnSpc>
-                <a:spcPct val="110000"/>
-              </a:lnSpc>
-            </a:pPr>
-            <a:r>
-              <a:rPr lang="ru-RU" sz="1300" dirty="0"/>
-              <a:t>Упростить процесс обучения за счет сокращения издержек на поиск литературы</a:t>
-            </a:r>
-          </a:p>
-          <a:p>
-            <a:pPr>
-              <a:lnSpc>
-                <a:spcPct val="110000"/>
-              </a:lnSpc>
-            </a:pPr>
-            <a:r>
-              <a:rPr lang="ru-RU" sz="1300" dirty="0"/>
-              <a:t>Приучить школьников/студентов к самообучению, работе с информацией </a:t>
-            </a:r>
-          </a:p>
-          <a:p>
-            <a:pPr>
-              <a:lnSpc>
-                <a:spcPct val="110000"/>
-              </a:lnSpc>
-            </a:pPr>
-            <a:r>
-              <a:rPr lang="ru-RU" sz="1300" dirty="0"/>
-              <a:t>Платформа позволит собирать статистику образовательной деятельности</a:t>
-            </a:r>
-          </a:p>
-          <a:p>
-            <a:pPr>
-              <a:lnSpc>
-                <a:spcPct val="110000"/>
-              </a:lnSpc>
-            </a:pPr>
-            <a:r>
-              <a:rPr lang="ru-RU" sz="1300" dirty="0"/>
-              <a:t>Создание единой образовательной сети в России</a:t>
-            </a:r>
-          </a:p>
-        </p:txBody>
-      </p:sp>
-      <p:pic>
-        <p:nvPicPr>
-          <p:cNvPr id="15" name="Picture 4" descr="Лампочка на желтом фоне с нарисованными световыми лучами и шнуром">
-            <a:extLst>
-              <a:ext uri="{FF2B5EF4-FFF2-40B4-BE49-F238E27FC236}">
-                <a16:creationId xmlns:a16="http://schemas.microsoft.com/office/drawing/2014/main" id="{89550C5E-631F-16CE-F623-2E153A3931F1}"/>
-              </a:ext>
-            </a:extLst>
-          </p:cNvPr>
-          <p:cNvPicPr>
-            <a:picLocks noChangeAspect="1"/>
-          </p:cNvPicPr>
-          <p:nvPr/>
-        </p:nvPicPr>
-        <p:blipFill rotWithShape="1">
-          <a:blip r:embed="rId2"/>
-          <a:srcRect l="41598"/>
-          <a:stretch/>
-        </p:blipFill>
-        <p:spPr>
-          <a:xfrm>
-            <a:off x="5679452" y="10"/>
-            <a:ext cx="6512547" cy="6857990"/>
-          </a:xfrm>
-          <a:prstGeom prst="rect">
-            <a:avLst/>
-          </a:prstGeom>
-          <a:noFill/>
-        </p:spPr>
-      </p:pic>
-      <p:sp>
-        <p:nvSpPr>
-          <p:cNvPr id="16" name="Date Placeholder 3">
-            <a:extLst>
-              <a:ext uri="{FF2B5EF4-FFF2-40B4-BE49-F238E27FC236}">
-                <a16:creationId xmlns:a16="http://schemas.microsoft.com/office/drawing/2014/main" id="{1F044AAC-B761-4B43-A7F5-E83A2E6C3D2E}"/>
-              </a:ext>
-            </a:extLst>
-          </p:cNvPr>
-          <p:cNvSpPr>
-            <a:spLocks noGrp="1"/>
-          </p:cNvSpPr>
-          <p:nvPr>
-            <p:ph type="dt" sz="half" idx="10"/>
-          </p:nvPr>
-        </p:nvSpPr>
-        <p:spPr>
-          <a:xfrm>
-            <a:off x="912628" y="6356350"/>
-            <a:ext cx="2743200" cy="365125"/>
-          </a:xfrm>
-        </p:spPr>
-        <p:txBody>
-          <a:bodyPr/>
-          <a:lstStyle/>
-          <a:p>
-            <a:pPr>
-              <a:spcAft>
-                <a:spcPts val="600"/>
-              </a:spcAft>
-            </a:pPr>
-            <a:fld id="{238A62C4-9532-477E-82D0-1BD0CBC71971}" type="datetime1">
-              <a:rPr lang="en-US" smtClean="0"/>
-              <a:pPr>
-                <a:spcAft>
-                  <a:spcPts val="600"/>
-                </a:spcAft>
-              </a:pPr>
-              <a:t>2/6/2024</a:t>
-            </a:fld>
-            <a:endParaRPr lang="en-US" dirty="0"/>
-          </a:p>
-        </p:txBody>
-      </p:sp>
-      <p:sp>
-        <p:nvSpPr>
-          <p:cNvPr id="17" name="Footer Placeholder 4">
-            <a:extLst>
-              <a:ext uri="{FF2B5EF4-FFF2-40B4-BE49-F238E27FC236}">
-                <a16:creationId xmlns:a16="http://schemas.microsoft.com/office/drawing/2014/main" id="{5A5D6226-C153-4C5F-B30C-5656FEDF3F73}"/>
-              </a:ext>
-            </a:extLst>
-          </p:cNvPr>
-          <p:cNvSpPr>
-            <a:spLocks noGrp="1"/>
-          </p:cNvSpPr>
-          <p:nvPr>
-            <p:ph type="ftr" sz="quarter" idx="11"/>
-          </p:nvPr>
-        </p:nvSpPr>
-        <p:spPr>
-          <a:xfrm>
-            <a:off x="6767622" y="6356350"/>
-            <a:ext cx="4040373" cy="365125"/>
-          </a:xfrm>
-        </p:spPr>
-        <p:txBody>
-          <a:bodyPr/>
-          <a:lstStyle/>
-          <a:p>
-            <a:pPr>
-              <a:spcAft>
-                <a:spcPts val="600"/>
-              </a:spcAft>
-            </a:pPr>
-            <a:r>
-              <a:rPr lang="en-US">
-                <a:solidFill>
-                  <a:srgbClr val="FFFFFF"/>
-                </a:solidFill>
-                <a:effectLst>
-                  <a:outerShdw blurRad="38100" dist="38100" dir="2700000" algn="tl">
-                    <a:srgbClr val="000000">
-                      <a:alpha val="43137"/>
-                    </a:srgbClr>
-                  </a:outerShdw>
-                </a:effectLst>
-              </a:rPr>
-              <a:t>Sample Footer Text</a:t>
-            </a:r>
-          </a:p>
-        </p:txBody>
-      </p:sp>
-      <p:sp>
-        <p:nvSpPr>
-          <p:cNvPr id="18" name="Slide Number Placeholder 5">
-            <a:extLst>
-              <a:ext uri="{FF2B5EF4-FFF2-40B4-BE49-F238E27FC236}">
-                <a16:creationId xmlns:a16="http://schemas.microsoft.com/office/drawing/2014/main" id="{86091187-3CD7-4891-BB4A-9A3F2309F149}"/>
-              </a:ext>
-            </a:extLst>
-          </p:cNvPr>
-          <p:cNvSpPr>
-            <a:spLocks noGrp="1"/>
-          </p:cNvSpPr>
-          <p:nvPr>
-            <p:ph type="sldNum" sz="quarter" idx="12"/>
-          </p:nvPr>
-        </p:nvSpPr>
-        <p:spPr>
-          <a:xfrm>
-            <a:off x="10807995" y="6356350"/>
-            <a:ext cx="723014" cy="365125"/>
-          </a:xfrm>
-        </p:spPr>
-        <p:txBody>
-          <a:bodyPr/>
-          <a:lstStyle/>
-          <a:p>
-            <a:pPr>
-              <a:spcAft>
-                <a:spcPts val="600"/>
-              </a:spcAft>
-            </a:pPr>
-            <a:fld id="{2B6A0707-BFCA-4BDD-8B25-E2A14A0F80A6}" type="slidenum">
-              <a:rPr lang="en-US" smtClean="0">
-                <a:solidFill>
-                  <a:srgbClr val="FFFFFF"/>
-                </a:solidFill>
-                <a:effectLst>
-                  <a:outerShdw blurRad="38100" dist="38100" dir="2700000" algn="tl">
-                    <a:srgbClr val="000000">
-                      <a:alpha val="43137"/>
-                    </a:srgbClr>
-                  </a:outerShdw>
-                </a:effectLst>
-              </a:rPr>
-              <a:pPr>
-                <a:spcAft>
-                  <a:spcPts val="600"/>
-                </a:spcAft>
-              </a:pPr>
-              <a:t>2</a:t>
-            </a:fld>
-            <a:endParaRPr lang="en-US">
-              <a:solidFill>
-                <a:srgbClr val="FFFFFF"/>
-              </a:solidFill>
-              <a:effectLst>
-                <a:outerShdw blurRad="38100" dist="38100" dir="2700000" algn="tl">
-                  <a:srgbClr val="000000">
-                    <a:alpha val="43137"/>
-                  </a:srgbClr>
-                </a:outerShdw>
-              </a:effectLst>
-            </a:endParaRPr>
-          </a:p>
-        </p:txBody>
-      </p:sp>
-    </p:spTree>
-    <p:extLst>
-      <p:ext uri="{BB962C8B-B14F-4D97-AF65-F5344CB8AC3E}">
-        <p14:creationId xmlns:p14="http://schemas.microsoft.com/office/powerpoint/2010/main" val="920383566"/>
-      </p:ext>
-    </p:extLst>
-  </p:cSld>
-  <p:clrMapOvr>
-    <a:masterClrMapping/>
-  </p:clrMapOvr>
-</p:sld>
-</file>
-
-<file path=ppt/slides/slide3.xml><?xml version="1.0" encoding="utf-8"?>
-<p:sld xmlns:a="http://schemas.openxmlformats.org/drawingml/2006/main" xmlns:r="http://schemas.openxmlformats.org/officeDocument/2006/relationships" xmlns:p="http://schemas.openxmlformats.org/presentationml/2006/main">
-  <p:cSld>
-    <p:spTree>
-      <p:nvGrpSpPr>
-        <p:cNvPr id="1" name=""/>
-        <p:cNvGrpSpPr/>
-        <p:nvPr/>
-      </p:nvGrpSpPr>
-      <p:grpSpPr>
-        <a:xfrm>
-          <a:off x="0" y="0"/>
-          <a:ext cx="0" cy="0"/>
-          <a:chOff x="0" y="0"/>
-          <a:chExt cx="0" cy="0"/>
-        </a:xfrm>
-      </p:grpSpPr>
-      <p:sp>
-        <p:nvSpPr>
-          <p:cNvPr id="2" name="Заголовок 1">
-            <a:extLst>
-              <a:ext uri="{FF2B5EF4-FFF2-40B4-BE49-F238E27FC236}">
-                <a16:creationId xmlns:a16="http://schemas.microsoft.com/office/drawing/2014/main" id="{C38F1159-8CEB-AB9D-4AE9-073A0CA33C6E}"/>
-              </a:ext>
-            </a:extLst>
-          </p:cNvPr>
-          <p:cNvSpPr>
-            <a:spLocks noGrp="1"/>
-          </p:cNvSpPr>
-          <p:nvPr>
-            <p:ph type="title"/>
-          </p:nvPr>
-        </p:nvSpPr>
-        <p:spPr>
-          <a:xfrm>
-            <a:off x="914402" y="914400"/>
-            <a:ext cx="4766661" cy="1047023"/>
-          </a:xfrm>
-        </p:spPr>
-        <p:txBody>
-          <a:bodyPr>
-            <a:normAutofit/>
-          </a:bodyPr>
-          <a:lstStyle/>
-          <a:p>
-            <a:r>
-              <a:rPr lang="ru-RU" dirty="0"/>
-              <a:t>Перспективы</a:t>
-            </a:r>
-          </a:p>
-        </p:txBody>
-      </p:sp>
-      <p:sp>
-        <p:nvSpPr>
-          <p:cNvPr id="3" name="Объект 2">
-            <a:extLst>
-              <a:ext uri="{FF2B5EF4-FFF2-40B4-BE49-F238E27FC236}">
-                <a16:creationId xmlns:a16="http://schemas.microsoft.com/office/drawing/2014/main" id="{778927F3-F90F-C387-85F4-9610CB4F5833}"/>
-              </a:ext>
-            </a:extLst>
-          </p:cNvPr>
-          <p:cNvSpPr>
-            <a:spLocks noGrp="1"/>
-          </p:cNvSpPr>
-          <p:nvPr>
-            <p:ph idx="1"/>
-          </p:nvPr>
-        </p:nvSpPr>
-        <p:spPr>
-          <a:xfrm>
-            <a:off x="914400" y="2156867"/>
-            <a:ext cx="4766661" cy="3784963"/>
-          </a:xfrm>
-        </p:spPr>
-        <p:txBody>
-          <a:bodyPr>
-            <a:normAutofit/>
-          </a:bodyPr>
-          <a:lstStyle/>
-          <a:p>
-            <a:pPr>
-              <a:lnSpc>
-                <a:spcPct val="110000"/>
-              </a:lnSpc>
-            </a:pPr>
-            <a:r>
-              <a:rPr lang="ru-RU" sz="1200" dirty="0"/>
-              <a:t>Единая интерактивная система образования позволит создать одну платформу для всех учащихся – школьники при переходе в университет просто будут переведены на другой уровень образования, в другое учебное заведение, тем самым останется привычная платформа</a:t>
-            </a:r>
-          </a:p>
-          <a:p>
-            <a:pPr>
-              <a:lnSpc>
-                <a:spcPct val="110000"/>
-              </a:lnSpc>
-            </a:pPr>
-            <a:r>
-              <a:rPr lang="ru-RU" sz="1200" dirty="0"/>
-              <a:t>Расширение платформы в сторону полноценного дополнительного профессионального образования с целью увеличения количества специалистов и привлечения финансов</a:t>
-            </a:r>
-          </a:p>
-          <a:p>
-            <a:pPr>
-              <a:lnSpc>
-                <a:spcPct val="110000"/>
-              </a:lnSpc>
-            </a:pPr>
-            <a:r>
-              <a:rPr lang="ru-RU" sz="1200" dirty="0"/>
-              <a:t>Доступные курсы сделают образование массовым</a:t>
-            </a:r>
-          </a:p>
-          <a:p>
-            <a:pPr>
-              <a:lnSpc>
-                <a:spcPct val="110000"/>
-              </a:lnSpc>
-            </a:pPr>
-            <a:r>
-              <a:rPr lang="ru-RU" sz="1200" dirty="0"/>
-              <a:t>Проведение олимпиад</a:t>
-            </a:r>
-          </a:p>
-          <a:p>
-            <a:pPr>
-              <a:lnSpc>
-                <a:spcPct val="110000"/>
-              </a:lnSpc>
-            </a:pPr>
-            <a:r>
-              <a:rPr lang="ru-RU" sz="1200" dirty="0"/>
-              <a:t>Российский аналог </a:t>
-            </a:r>
-            <a:r>
-              <a:rPr lang="en-US" sz="1200" dirty="0"/>
-              <a:t>Coursera</a:t>
-            </a:r>
-            <a:endParaRPr lang="ru-RU" sz="1200" dirty="0"/>
-          </a:p>
-        </p:txBody>
-      </p:sp>
-      <p:pic>
-        <p:nvPicPr>
-          <p:cNvPr id="5" name="Picture 4" descr="Железная дорога, проходящая через пустыню">
-            <a:extLst>
-              <a:ext uri="{FF2B5EF4-FFF2-40B4-BE49-F238E27FC236}">
-                <a16:creationId xmlns:a16="http://schemas.microsoft.com/office/drawing/2014/main" id="{B84A2760-86CA-1E41-2F67-3A2C6C3F9ABF}"/>
-              </a:ext>
-            </a:extLst>
-          </p:cNvPr>
-          <p:cNvPicPr>
-            <a:picLocks noChangeAspect="1"/>
-          </p:cNvPicPr>
-          <p:nvPr/>
-        </p:nvPicPr>
-        <p:blipFill rotWithShape="1">
-          <a:blip r:embed="rId2"/>
-          <a:srcRect t="34209" r="-2" b="218"/>
-          <a:stretch/>
-        </p:blipFill>
-        <p:spPr>
-          <a:xfrm>
-            <a:off x="6510938" y="1009650"/>
-            <a:ext cx="5681061" cy="4656484"/>
-          </a:xfrm>
-          <a:prstGeom prst="rect">
-            <a:avLst/>
-          </a:prstGeom>
-          <a:noFill/>
-        </p:spPr>
-      </p:pic>
-      <p:sp>
-        <p:nvSpPr>
-          <p:cNvPr id="9" name="Date Placeholder 3">
-            <a:extLst>
-              <a:ext uri="{FF2B5EF4-FFF2-40B4-BE49-F238E27FC236}">
-                <a16:creationId xmlns:a16="http://schemas.microsoft.com/office/drawing/2014/main" id="{1F044AAC-B761-4B43-A7F5-E83A2E6C3D2E}"/>
-              </a:ext>
-            </a:extLst>
-          </p:cNvPr>
-          <p:cNvSpPr>
-            <a:spLocks noGrp="1"/>
-          </p:cNvSpPr>
-          <p:nvPr>
-            <p:ph type="dt" sz="half" idx="10"/>
-          </p:nvPr>
-        </p:nvSpPr>
-        <p:spPr>
-          <a:xfrm>
-            <a:off x="912628" y="6356350"/>
-            <a:ext cx="2743200" cy="365125"/>
-          </a:xfrm>
-        </p:spPr>
-        <p:txBody>
-          <a:bodyPr>
-            <a:normAutofit/>
-          </a:bodyPr>
-          <a:lstStyle/>
-          <a:p>
-            <a:pPr>
-              <a:spcAft>
-                <a:spcPts val="600"/>
-              </a:spcAft>
-            </a:pPr>
-            <a:fld id="{238A62C4-9532-477E-82D0-1BD0CBC71971}" type="datetime1">
-              <a:rPr lang="en-US" smtClean="0">
-                <a:effectLst>
-                  <a:outerShdw blurRad="38100" dist="38100" dir="2700000" algn="tl">
-                    <a:srgbClr val="000000">
-                      <a:alpha val="43137"/>
-                    </a:srgbClr>
-                  </a:outerShdw>
-                </a:effectLst>
-              </a:rPr>
-              <a:pPr>
-                <a:spcAft>
-                  <a:spcPts val="600"/>
-                </a:spcAft>
-              </a:pPr>
-              <a:t>2/6/2024</a:t>
-            </a:fld>
-            <a:endParaRPr lang="en-US">
-              <a:effectLst>
-                <a:outerShdw blurRad="38100" dist="38100" dir="2700000" algn="tl">
-                  <a:srgbClr val="000000">
-                    <a:alpha val="43137"/>
-                  </a:srgbClr>
-                </a:outerShdw>
-              </a:effectLst>
-            </a:endParaRPr>
-          </a:p>
-        </p:txBody>
-      </p:sp>
-      <p:sp>
-        <p:nvSpPr>
-          <p:cNvPr id="11" name="Footer Placeholder 4">
-            <a:extLst>
-              <a:ext uri="{FF2B5EF4-FFF2-40B4-BE49-F238E27FC236}">
-                <a16:creationId xmlns:a16="http://schemas.microsoft.com/office/drawing/2014/main" id="{5A5D6226-C153-4C5F-B30C-5656FEDF3F73}"/>
-              </a:ext>
-            </a:extLst>
-          </p:cNvPr>
-          <p:cNvSpPr>
-            <a:spLocks noGrp="1"/>
-          </p:cNvSpPr>
-          <p:nvPr>
-            <p:ph type="ftr" sz="quarter" idx="11"/>
-          </p:nvPr>
-        </p:nvSpPr>
-        <p:spPr>
-          <a:xfrm>
-            <a:off x="6767622" y="6356350"/>
-            <a:ext cx="4040373" cy="365125"/>
-          </a:xfrm>
-        </p:spPr>
-        <p:txBody>
-          <a:bodyPr>
-            <a:normAutofit/>
-          </a:bodyPr>
-          <a:lstStyle/>
-          <a:p>
-            <a:pPr>
-              <a:spcAft>
-                <a:spcPts val="600"/>
-              </a:spcAft>
-            </a:pPr>
-            <a:r>
-              <a:rPr lang="en-US" dirty="0"/>
-              <a:t>Sample Footer Text</a:t>
-            </a:r>
-          </a:p>
-        </p:txBody>
-      </p:sp>
-      <p:sp>
-        <p:nvSpPr>
-          <p:cNvPr id="13" name="Slide Number Placeholder 5">
-            <a:extLst>
-              <a:ext uri="{FF2B5EF4-FFF2-40B4-BE49-F238E27FC236}">
-                <a16:creationId xmlns:a16="http://schemas.microsoft.com/office/drawing/2014/main" id="{86091187-3CD7-4891-BB4A-9A3F2309F149}"/>
-              </a:ext>
-            </a:extLst>
-          </p:cNvPr>
-          <p:cNvSpPr>
-            <a:spLocks noGrp="1"/>
-          </p:cNvSpPr>
-          <p:nvPr>
-            <p:ph type="sldNum" sz="quarter" idx="12"/>
-          </p:nvPr>
-        </p:nvSpPr>
-        <p:spPr>
-          <a:xfrm>
-            <a:off x="10807995" y="6356350"/>
-            <a:ext cx="723014" cy="365125"/>
-          </a:xfrm>
-        </p:spPr>
-        <p:txBody>
-          <a:bodyPr>
-            <a:normAutofit/>
-          </a:bodyPr>
-          <a:lstStyle/>
-          <a:p>
-            <a:pPr>
-              <a:spcAft>
-                <a:spcPts val="600"/>
-              </a:spcAft>
-            </a:pPr>
-            <a:fld id="{2B6A0707-BFCA-4BDD-8B25-E2A14A0F80A6}" type="slidenum">
-              <a:rPr lang="en-US" smtClean="0"/>
-              <a:pPr>
-                <a:spcAft>
-                  <a:spcPts val="600"/>
-                </a:spcAft>
-              </a:pPr>
-              <a:t>3</a:t>
-            </a:fld>
-            <a:endParaRPr lang="en-US" dirty="0"/>
-          </a:p>
-        </p:txBody>
-      </p:sp>
-    </p:spTree>
-    <p:extLst>
-      <p:ext uri="{BB962C8B-B14F-4D97-AF65-F5344CB8AC3E}">
-        <p14:creationId xmlns:p14="http://schemas.microsoft.com/office/powerpoint/2010/main" val="3181034"/>
-      </p:ext>
-    </p:extLst>
-  </p:cSld>
-  <p:clrMapOvr>
-    <a:masterClrMapping/>
-  </p:clrMapOvr>
-</p:sld>
-</file>
-
-<file path=ppt/slides/slide4.xml><?xml version="1.0" encoding="utf-8"?>
-<p:sld xmlns:a="http://schemas.openxmlformats.org/drawingml/2006/main" xmlns:r="http://schemas.openxmlformats.org/officeDocument/2006/relationships" xmlns:p="http://schemas.openxmlformats.org/presentationml/2006/main">
-  <p:cSld>
-    <p:spTree>
-      <p:nvGrpSpPr>
-        <p:cNvPr id="1" name=""/>
-        <p:cNvGrpSpPr/>
-        <p:nvPr/>
-      </p:nvGrpSpPr>
-      <p:grpSpPr>
-        <a:xfrm>
-          <a:off x="0" y="0"/>
-          <a:ext cx="0" cy="0"/>
-          <a:chOff x="0" y="0"/>
-          <a:chExt cx="0" cy="0"/>
-        </a:xfrm>
-      </p:grpSpPr>
-      <p:sp>
-        <p:nvSpPr>
-          <p:cNvPr id="2" name="Заголовок 1">
-            <a:extLst>
-              <a:ext uri="{FF2B5EF4-FFF2-40B4-BE49-F238E27FC236}">
-                <a16:creationId xmlns:a16="http://schemas.microsoft.com/office/drawing/2014/main" id="{D810DFF3-9AE5-25D4-4F8C-177640BDEC3A}"/>
-              </a:ext>
-            </a:extLst>
-          </p:cNvPr>
-          <p:cNvSpPr>
-            <a:spLocks noGrp="1"/>
-          </p:cNvSpPr>
-          <p:nvPr>
-            <p:ph type="title"/>
-          </p:nvPr>
-        </p:nvSpPr>
-        <p:spPr>
-          <a:xfrm>
-            <a:off x="7353038" y="1371600"/>
-            <a:ext cx="3924562" cy="1314443"/>
-          </a:xfrm>
-        </p:spPr>
-        <p:txBody>
-          <a:bodyPr>
-            <a:normAutofit/>
-          </a:bodyPr>
-          <a:lstStyle/>
-          <a:p>
-            <a:r>
-              <a:rPr lang="ru-RU"/>
-              <a:t>Кто наша аудитория?</a:t>
-            </a:r>
-          </a:p>
-        </p:txBody>
-      </p:sp>
-      <p:sp>
-        <p:nvSpPr>
-          <p:cNvPr id="3" name="Объект 2">
-            <a:extLst>
-              <a:ext uri="{FF2B5EF4-FFF2-40B4-BE49-F238E27FC236}">
-                <a16:creationId xmlns:a16="http://schemas.microsoft.com/office/drawing/2014/main" id="{AE64D211-4678-83DF-E892-07BE47D88177}"/>
-              </a:ext>
-            </a:extLst>
-          </p:cNvPr>
-          <p:cNvSpPr>
-            <a:spLocks noGrp="1"/>
-          </p:cNvSpPr>
-          <p:nvPr>
-            <p:ph idx="1"/>
-          </p:nvPr>
-        </p:nvSpPr>
-        <p:spPr>
-          <a:xfrm>
-            <a:off x="7353037" y="2853369"/>
-            <a:ext cx="3924562" cy="3088460"/>
-          </a:xfrm>
-        </p:spPr>
-        <p:txBody>
-          <a:bodyPr>
-            <a:normAutofit/>
-          </a:bodyPr>
-          <a:lstStyle/>
-          <a:p>
-            <a:pPr>
-              <a:lnSpc>
-                <a:spcPct val="110000"/>
-              </a:lnSpc>
-            </a:pPr>
-            <a:r>
-              <a:rPr lang="ru-RU" sz="1400"/>
-              <a:t>Школьники</a:t>
-            </a:r>
-          </a:p>
-          <a:p>
-            <a:pPr>
-              <a:lnSpc>
-                <a:spcPct val="110000"/>
-              </a:lnSpc>
-            </a:pPr>
-            <a:r>
-              <a:rPr lang="ru-RU" sz="1400"/>
-              <a:t>Студенты</a:t>
-            </a:r>
-          </a:p>
-          <a:p>
-            <a:pPr>
-              <a:lnSpc>
-                <a:spcPct val="110000"/>
-              </a:lnSpc>
-            </a:pPr>
-            <a:r>
-              <a:rPr lang="ru-RU" sz="1400"/>
-              <a:t>Люди, испытывающие затруднения в своей профессиональной деятельности, поскольку не обладают полными знаниями в своей сфере</a:t>
-            </a:r>
-          </a:p>
-          <a:p>
-            <a:pPr>
-              <a:lnSpc>
-                <a:spcPct val="110000"/>
-              </a:lnSpc>
-            </a:pPr>
-            <a:r>
-              <a:rPr lang="ru-RU" sz="1400"/>
-              <a:t>Специалисты, желающие получить повышение квалификации или сменить профессию</a:t>
-            </a:r>
-          </a:p>
-        </p:txBody>
-      </p:sp>
-      <p:pic>
-        <p:nvPicPr>
-          <p:cNvPr id="5" name="Picture 4" descr="Большая группа парашютистов в воздухе">
-            <a:extLst>
-              <a:ext uri="{FF2B5EF4-FFF2-40B4-BE49-F238E27FC236}">
-                <a16:creationId xmlns:a16="http://schemas.microsoft.com/office/drawing/2014/main" id="{03C2371C-6590-94A7-5522-1296AC432F59}"/>
-              </a:ext>
-            </a:extLst>
-          </p:cNvPr>
-          <p:cNvPicPr>
-            <a:picLocks noChangeAspect="1"/>
-          </p:cNvPicPr>
-          <p:nvPr/>
-        </p:nvPicPr>
-        <p:blipFill rotWithShape="1">
-          <a:blip r:embed="rId2"/>
-          <a:srcRect l="18814" r="18036"/>
-          <a:stretch/>
-        </p:blipFill>
-        <p:spPr>
-          <a:xfrm>
-            <a:off x="20" y="10"/>
-            <a:ext cx="6512527" cy="6857990"/>
-          </a:xfrm>
-          <a:prstGeom prst="rect">
-            <a:avLst/>
-          </a:prstGeom>
-          <a:noFill/>
-        </p:spPr>
-      </p:pic>
-      <p:sp>
-        <p:nvSpPr>
-          <p:cNvPr id="9" name="Date Placeholder 3">
-            <a:extLst>
-              <a:ext uri="{FF2B5EF4-FFF2-40B4-BE49-F238E27FC236}">
-                <a16:creationId xmlns:a16="http://schemas.microsoft.com/office/drawing/2014/main" id="{1F044AAC-B761-4B43-A7F5-E83A2E6C3D2E}"/>
-              </a:ext>
-            </a:extLst>
-          </p:cNvPr>
-          <p:cNvSpPr>
-            <a:spLocks noGrp="1"/>
-          </p:cNvSpPr>
-          <p:nvPr>
-            <p:ph type="dt" sz="half" idx="10"/>
-          </p:nvPr>
-        </p:nvSpPr>
-        <p:spPr>
-          <a:xfrm>
-            <a:off x="912628" y="6356350"/>
-            <a:ext cx="2743200" cy="365125"/>
-          </a:xfrm>
-        </p:spPr>
-        <p:txBody>
-          <a:bodyPr>
-            <a:normAutofit/>
-          </a:bodyPr>
-          <a:lstStyle/>
-          <a:p>
-            <a:pPr>
-              <a:spcAft>
-                <a:spcPts val="600"/>
-              </a:spcAft>
-            </a:pPr>
-            <a:fld id="{238A62C4-9532-477E-82D0-1BD0CBC71971}" type="datetime1">
-              <a:rPr lang="en-US" smtClean="0">
-                <a:solidFill>
-                  <a:srgbClr val="FFFFFF"/>
-                </a:solidFill>
-                <a:effectLst>
-                  <a:outerShdw blurRad="38100" dist="38100" dir="2700000" algn="tl">
-                    <a:srgbClr val="000000">
-                      <a:alpha val="43137"/>
-                    </a:srgbClr>
-                  </a:outerShdw>
-                </a:effectLst>
-              </a:rPr>
-              <a:pPr>
-                <a:spcAft>
-                  <a:spcPts val="600"/>
-                </a:spcAft>
-              </a:pPr>
-              <a:t>2/6/2024</a:t>
-            </a:fld>
-            <a:endParaRPr lang="en-US" dirty="0">
-              <a:solidFill>
-                <a:srgbClr val="FFFFFF"/>
-              </a:solidFill>
-              <a:effectLst>
-                <a:outerShdw blurRad="38100" dist="38100" dir="2700000" algn="tl">
-                  <a:srgbClr val="000000">
-                    <a:alpha val="43137"/>
-                  </a:srgbClr>
-                </a:outerShdw>
-              </a:effectLst>
-            </a:endParaRPr>
-          </a:p>
-        </p:txBody>
-      </p:sp>
-      <p:sp>
-        <p:nvSpPr>
-          <p:cNvPr id="11" name="Footer Placeholder 4">
-            <a:extLst>
-              <a:ext uri="{FF2B5EF4-FFF2-40B4-BE49-F238E27FC236}">
-                <a16:creationId xmlns:a16="http://schemas.microsoft.com/office/drawing/2014/main" id="{5A5D6226-C153-4C5F-B30C-5656FEDF3F73}"/>
-              </a:ext>
-            </a:extLst>
-          </p:cNvPr>
-          <p:cNvSpPr>
-            <a:spLocks noGrp="1"/>
-          </p:cNvSpPr>
-          <p:nvPr>
-            <p:ph type="ftr" sz="quarter" idx="11"/>
-          </p:nvPr>
-        </p:nvSpPr>
-        <p:spPr>
-          <a:xfrm>
-            <a:off x="6767622" y="6356350"/>
-            <a:ext cx="4040373" cy="365125"/>
-          </a:xfrm>
-        </p:spPr>
-        <p:txBody>
-          <a:bodyPr>
-            <a:normAutofit/>
-          </a:bodyPr>
-          <a:lstStyle/>
-          <a:p>
-            <a:pPr>
-              <a:spcAft>
-                <a:spcPts val="600"/>
-              </a:spcAft>
-            </a:pPr>
-            <a:r>
-              <a:rPr lang="en-US" dirty="0"/>
-              <a:t>Sample Footer Text</a:t>
-            </a:r>
-          </a:p>
-        </p:txBody>
-      </p:sp>
-      <p:sp>
-        <p:nvSpPr>
-          <p:cNvPr id="13" name="Slide Number Placeholder 5">
-            <a:extLst>
-              <a:ext uri="{FF2B5EF4-FFF2-40B4-BE49-F238E27FC236}">
-                <a16:creationId xmlns:a16="http://schemas.microsoft.com/office/drawing/2014/main" id="{86091187-3CD7-4891-BB4A-9A3F2309F149}"/>
-              </a:ext>
-            </a:extLst>
-          </p:cNvPr>
-          <p:cNvSpPr>
-            <a:spLocks noGrp="1"/>
-          </p:cNvSpPr>
-          <p:nvPr>
-            <p:ph type="sldNum" sz="quarter" idx="12"/>
-          </p:nvPr>
-        </p:nvSpPr>
-        <p:spPr>
-          <a:xfrm>
-            <a:off x="10807995" y="6356350"/>
-            <a:ext cx="723014" cy="365125"/>
-          </a:xfrm>
-        </p:spPr>
-        <p:txBody>
-          <a:bodyPr>
-            <a:normAutofit/>
-          </a:bodyPr>
-          <a:lstStyle/>
-          <a:p>
-            <a:pPr>
-              <a:spcAft>
-                <a:spcPts val="600"/>
-              </a:spcAft>
-            </a:pPr>
-            <a:fld id="{2B6A0707-BFCA-4BDD-8B25-E2A14A0F80A6}" type="slidenum">
-              <a:rPr lang="en-US" smtClean="0"/>
-              <a:pPr>
-                <a:spcAft>
-                  <a:spcPts val="600"/>
-                </a:spcAft>
-              </a:pPr>
-              <a:t>4</a:t>
-            </a:fld>
-            <a:endParaRPr lang="en-US" dirty="0"/>
-          </a:p>
-        </p:txBody>
-      </p:sp>
-    </p:spTree>
-    <p:extLst>
-      <p:ext uri="{BB962C8B-B14F-4D97-AF65-F5344CB8AC3E}">
-        <p14:creationId xmlns:p14="http://schemas.microsoft.com/office/powerpoint/2010/main" val="1669772732"/>
-      </p:ext>
-    </p:extLst>
-  </p:cSld>
-  <p:clrMapOvr>
-    <a:masterClrMapping/>
-  </p:clrMapOvr>
-</p:sld>
-</file>
-
-<file path=ppt/slides/slide5.xml><?xml version="1.0" encoding="utf-8"?>
-<p:sld xmlns:a="http://schemas.openxmlformats.org/drawingml/2006/main" xmlns:r="http://schemas.openxmlformats.org/officeDocument/2006/relationships" xmlns:p="http://schemas.openxmlformats.org/presentationml/2006/main">
-  <p:cSld>
-    <p:spTree>
-      <p:nvGrpSpPr>
-        <p:cNvPr id="1" name=""/>
-        <p:cNvGrpSpPr/>
-        <p:nvPr/>
-      </p:nvGrpSpPr>
-      <p:grpSpPr>
-        <a:xfrm>
-          <a:off x="0" y="0"/>
-          <a:ext cx="0" cy="0"/>
-          <a:chOff x="0" y="0"/>
-          <a:chExt cx="0" cy="0"/>
-        </a:xfrm>
-      </p:grpSpPr>
-      <p:sp>
-        <p:nvSpPr>
-          <p:cNvPr id="2" name="Заголовок 1">
-            <a:extLst>
-              <a:ext uri="{FF2B5EF4-FFF2-40B4-BE49-F238E27FC236}">
-                <a16:creationId xmlns:a16="http://schemas.microsoft.com/office/drawing/2014/main" id="{69128617-1E2A-A8DB-B048-BB48373E8448}"/>
-              </a:ext>
-            </a:extLst>
-          </p:cNvPr>
-          <p:cNvSpPr>
-            <a:spLocks noGrp="1"/>
-          </p:cNvSpPr>
-          <p:nvPr>
-            <p:ph type="title"/>
-          </p:nvPr>
-        </p:nvSpPr>
-        <p:spPr>
-          <a:xfrm>
-            <a:off x="914400" y="1371600"/>
-            <a:ext cx="4079987" cy="1314443"/>
-          </a:xfrm>
-        </p:spPr>
-        <p:txBody>
-          <a:bodyPr>
-            <a:normAutofit/>
-          </a:bodyPr>
-          <a:lstStyle/>
-          <a:p>
-            <a:pPr>
-              <a:lnSpc>
-                <a:spcPct val="90000"/>
-              </a:lnSpc>
-            </a:pPr>
-            <a:r>
-              <a:rPr lang="ru-RU" sz="2800" dirty="0"/>
-              <a:t>Проект как стартап, или где взять клиентов</a:t>
-            </a:r>
-          </a:p>
-        </p:txBody>
-      </p:sp>
-      <p:sp>
-        <p:nvSpPr>
-          <p:cNvPr id="3" name="Объект 2">
-            <a:extLst>
-              <a:ext uri="{FF2B5EF4-FFF2-40B4-BE49-F238E27FC236}">
-                <a16:creationId xmlns:a16="http://schemas.microsoft.com/office/drawing/2014/main" id="{F41479B7-D51D-AA2B-3556-AD2BA2EB9095}"/>
-              </a:ext>
-            </a:extLst>
-          </p:cNvPr>
-          <p:cNvSpPr>
-            <a:spLocks noGrp="1"/>
-          </p:cNvSpPr>
-          <p:nvPr>
-            <p:ph idx="1"/>
-          </p:nvPr>
-        </p:nvSpPr>
-        <p:spPr>
-          <a:xfrm>
-            <a:off x="914400" y="2853369"/>
-            <a:ext cx="4079988" cy="3088460"/>
-          </a:xfrm>
-        </p:spPr>
-        <p:txBody>
-          <a:bodyPr>
-            <a:normAutofit/>
-          </a:bodyPr>
-          <a:lstStyle/>
-          <a:p>
-            <a:pPr>
-              <a:lnSpc>
-                <a:spcPct val="110000"/>
-              </a:lnSpc>
-            </a:pPr>
-            <a:r>
-              <a:rPr lang="ru-RU" sz="1100"/>
-              <a:t>Школьная программа будет предоставляться на бесплатной основе, таким образом каждый год можно охватывать свыше нескольких миллионов человек (в 2023 году в университеты поступило около 1,2 миллиона человек)</a:t>
-            </a:r>
-          </a:p>
-          <a:p>
-            <a:pPr>
-              <a:lnSpc>
-                <a:spcPct val="110000"/>
-              </a:lnSpc>
-            </a:pPr>
-            <a:r>
-              <a:rPr lang="ru-RU" sz="1100"/>
-              <a:t>Для привлечения школьной аудитории школьный материал будет дополнен материалами из ЕГЭ, таким образом будет совмещено общее образование и подготовка к экзаменам </a:t>
-            </a:r>
-          </a:p>
-          <a:p>
-            <a:pPr>
-              <a:lnSpc>
-                <a:spcPct val="110000"/>
-              </a:lnSpc>
-            </a:pPr>
-            <a:r>
-              <a:rPr lang="ru-RU" sz="1100"/>
-              <a:t>Программы университетов (лекции, практические занятия, интерактивные тренажеры с пояснением и решением к каждой задаче) будут предоставляться по подписке отдельно на каждый предмет (в России более 4,5 миллионов студентов)</a:t>
-            </a:r>
-          </a:p>
-          <a:p>
-            <a:pPr marL="0" indent="0">
-              <a:lnSpc>
-                <a:spcPct val="110000"/>
-              </a:lnSpc>
-              <a:buNone/>
-            </a:pPr>
-            <a:endParaRPr lang="ru-RU" sz="1100"/>
-          </a:p>
-        </p:txBody>
-      </p:sp>
-      <p:pic>
-        <p:nvPicPr>
-          <p:cNvPr id="5" name="Picture 4" descr="Очки на книге">
-            <a:extLst>
-              <a:ext uri="{FF2B5EF4-FFF2-40B4-BE49-F238E27FC236}">
-                <a16:creationId xmlns:a16="http://schemas.microsoft.com/office/drawing/2014/main" id="{00F0A034-6D1C-C27C-D48B-DFF20B635899}"/>
-              </a:ext>
-            </a:extLst>
-          </p:cNvPr>
-          <p:cNvPicPr>
-            <a:picLocks noChangeAspect="1"/>
-          </p:cNvPicPr>
-          <p:nvPr/>
-        </p:nvPicPr>
-        <p:blipFill rotWithShape="1">
-          <a:blip r:embed="rId2"/>
-          <a:srcRect l="5877" r="31209" b="-1"/>
-          <a:stretch/>
-        </p:blipFill>
-        <p:spPr>
-          <a:xfrm>
-            <a:off x="6003308" y="643467"/>
-            <a:ext cx="5290484" cy="5571065"/>
-          </a:xfrm>
-          <a:prstGeom prst="rect">
-            <a:avLst/>
-          </a:prstGeom>
-          <a:noFill/>
-        </p:spPr>
-      </p:pic>
-      <p:sp>
-        <p:nvSpPr>
-          <p:cNvPr id="9" name="Date Placeholder 3">
-            <a:extLst>
-              <a:ext uri="{FF2B5EF4-FFF2-40B4-BE49-F238E27FC236}">
-                <a16:creationId xmlns:a16="http://schemas.microsoft.com/office/drawing/2014/main" id="{1F044AAC-B761-4B43-A7F5-E83A2E6C3D2E}"/>
-              </a:ext>
-            </a:extLst>
-          </p:cNvPr>
-          <p:cNvSpPr>
-            <a:spLocks noGrp="1"/>
-          </p:cNvSpPr>
-          <p:nvPr>
-            <p:ph type="dt" sz="half" idx="10"/>
-          </p:nvPr>
-        </p:nvSpPr>
-        <p:spPr>
-          <a:xfrm>
-            <a:off x="912628" y="6356350"/>
-            <a:ext cx="2743200" cy="365125"/>
-          </a:xfrm>
-        </p:spPr>
-        <p:txBody>
-          <a:bodyPr>
-            <a:normAutofit/>
-          </a:bodyPr>
-          <a:lstStyle/>
-          <a:p>
-            <a:pPr>
-              <a:spcAft>
-                <a:spcPts val="600"/>
-              </a:spcAft>
-            </a:pPr>
-            <a:fld id="{238A62C4-9532-477E-82D0-1BD0CBC71971}" type="datetime1">
-              <a:rPr lang="en-US" smtClean="0"/>
-              <a:pPr>
-                <a:spcAft>
-                  <a:spcPts val="600"/>
-                </a:spcAft>
-              </a:pPr>
-              <a:t>2/6/2024</a:t>
-            </a:fld>
-            <a:endParaRPr lang="en-US" dirty="0"/>
-          </a:p>
-        </p:txBody>
-      </p:sp>
-      <p:sp>
-        <p:nvSpPr>
-          <p:cNvPr id="11" name="Footer Placeholder 4">
-            <a:extLst>
-              <a:ext uri="{FF2B5EF4-FFF2-40B4-BE49-F238E27FC236}">
-                <a16:creationId xmlns:a16="http://schemas.microsoft.com/office/drawing/2014/main" id="{5A5D6226-C153-4C5F-B30C-5656FEDF3F73}"/>
-              </a:ext>
-            </a:extLst>
-          </p:cNvPr>
-          <p:cNvSpPr>
-            <a:spLocks noGrp="1"/>
-          </p:cNvSpPr>
-          <p:nvPr>
-            <p:ph type="ftr" sz="quarter" idx="11"/>
-          </p:nvPr>
-        </p:nvSpPr>
-        <p:spPr>
-          <a:xfrm>
-            <a:off x="6767622" y="6356350"/>
-            <a:ext cx="4040373" cy="365125"/>
-          </a:xfrm>
-        </p:spPr>
-        <p:txBody>
-          <a:bodyPr>
-            <a:normAutofit/>
-          </a:bodyPr>
-          <a:lstStyle/>
-          <a:p>
-            <a:pPr>
-              <a:spcAft>
-                <a:spcPts val="600"/>
-              </a:spcAft>
-            </a:pPr>
-            <a:r>
-              <a:rPr lang="en-US">
-                <a:effectLst>
-                  <a:outerShdw blurRad="38100" dist="38100" dir="2700000" algn="tl">
-                    <a:srgbClr val="000000">
-                      <a:alpha val="43137"/>
-                    </a:srgbClr>
-                  </a:outerShdw>
-                </a:effectLst>
-              </a:rPr>
-              <a:t>Sample Footer Text</a:t>
-            </a:r>
-          </a:p>
-        </p:txBody>
-      </p:sp>
-      <p:sp>
-        <p:nvSpPr>
-          <p:cNvPr id="13" name="Slide Number Placeholder 5">
-            <a:extLst>
-              <a:ext uri="{FF2B5EF4-FFF2-40B4-BE49-F238E27FC236}">
-                <a16:creationId xmlns:a16="http://schemas.microsoft.com/office/drawing/2014/main" id="{86091187-3CD7-4891-BB4A-9A3F2309F149}"/>
-              </a:ext>
-            </a:extLst>
-          </p:cNvPr>
-          <p:cNvSpPr>
-            <a:spLocks noGrp="1"/>
-          </p:cNvSpPr>
-          <p:nvPr>
-            <p:ph type="sldNum" sz="quarter" idx="12"/>
-          </p:nvPr>
-        </p:nvSpPr>
-        <p:spPr>
-          <a:xfrm>
-            <a:off x="10807995" y="6356350"/>
-            <a:ext cx="723014" cy="365125"/>
-          </a:xfrm>
-        </p:spPr>
-        <p:txBody>
-          <a:bodyPr>
-            <a:normAutofit/>
-          </a:bodyPr>
-          <a:lstStyle/>
-          <a:p>
-            <a:pPr>
-              <a:spcAft>
-                <a:spcPts val="600"/>
-              </a:spcAft>
-            </a:pPr>
-            <a:fld id="{2B6A0707-BFCA-4BDD-8B25-E2A14A0F80A6}" type="slidenum">
-              <a:rPr lang="en-US" smtClean="0">
-                <a:effectLst>
-                  <a:outerShdw blurRad="38100" dist="38100" dir="2700000" algn="tl">
-                    <a:srgbClr val="000000">
-                      <a:alpha val="43137"/>
-                    </a:srgbClr>
-                  </a:outerShdw>
-                </a:effectLst>
-              </a:rPr>
-              <a:pPr>
-                <a:spcAft>
-                  <a:spcPts val="600"/>
-                </a:spcAft>
-              </a:pPr>
-              <a:t>5</a:t>
-            </a:fld>
-            <a:endParaRPr lang="en-US">
-              <a:effectLst>
-                <a:outerShdw blurRad="38100" dist="38100" dir="2700000" algn="tl">
-                  <a:srgbClr val="000000">
-                    <a:alpha val="43137"/>
-                  </a:srgbClr>
-                </a:outerShdw>
-              </a:effectLst>
-            </a:endParaRPr>
-          </a:p>
-        </p:txBody>
-      </p:sp>
-    </p:spTree>
-    <p:extLst>
-      <p:ext uri="{BB962C8B-B14F-4D97-AF65-F5344CB8AC3E}">
-        <p14:creationId xmlns:p14="http://schemas.microsoft.com/office/powerpoint/2010/main" val="2068386073"/>
-      </p:ext>
-    </p:extLst>
-  </p:cSld>
-  <p:clrMapOvr>
-    <a:masterClrMapping/>
-  </p:clrMapOvr>
-</p:sld>
-</file>
-
-<file path=ppt/slides/slide6.xml><?xml version="1.0" encoding="utf-8"?>
-<p:sld xmlns:a="http://schemas.openxmlformats.org/drawingml/2006/main" xmlns:r="http://schemas.openxmlformats.org/officeDocument/2006/relationships" xmlns:p="http://schemas.openxmlformats.org/presentationml/2006/main">
-  <p:cSld>
-    <p:spTree>
-      <p:nvGrpSpPr>
-        <p:cNvPr id="1" name=""/>
-        <p:cNvGrpSpPr/>
-        <p:nvPr/>
-      </p:nvGrpSpPr>
-      <p:grpSpPr>
-        <a:xfrm>
-          <a:off x="0" y="0"/>
-          <a:ext cx="0" cy="0"/>
-          <a:chOff x="0" y="0"/>
-          <a:chExt cx="0" cy="0"/>
-        </a:xfrm>
-      </p:grpSpPr>
-      <p:sp>
-        <p:nvSpPr>
-          <p:cNvPr id="2" name="Заголовок 1">
-            <a:extLst>
-              <a:ext uri="{FF2B5EF4-FFF2-40B4-BE49-F238E27FC236}">
-                <a16:creationId xmlns:a16="http://schemas.microsoft.com/office/drawing/2014/main" id="{1113005E-AC2E-66A6-366B-FDB70B89CFAB}"/>
-              </a:ext>
-            </a:extLst>
-          </p:cNvPr>
-          <p:cNvSpPr>
-            <a:spLocks noGrp="1"/>
-          </p:cNvSpPr>
-          <p:nvPr>
-            <p:ph type="title"/>
-          </p:nvPr>
-        </p:nvSpPr>
-        <p:spPr/>
-        <p:txBody>
-          <a:bodyPr/>
-          <a:lstStyle/>
-          <a:p>
-            <a:r>
-              <a:rPr lang="ru-RU" dirty="0"/>
-              <a:t>Возможности платформы</a:t>
-            </a:r>
-          </a:p>
-        </p:txBody>
-      </p:sp>
-      <p:sp>
-        <p:nvSpPr>
-          <p:cNvPr id="3" name="Объект 2">
-            <a:extLst>
-              <a:ext uri="{FF2B5EF4-FFF2-40B4-BE49-F238E27FC236}">
-                <a16:creationId xmlns:a16="http://schemas.microsoft.com/office/drawing/2014/main" id="{7CAF6EAC-2BC8-D851-76E4-B2A15A8DE63F}"/>
-              </a:ext>
-            </a:extLst>
-          </p:cNvPr>
-          <p:cNvSpPr>
-            <a:spLocks noGrp="1"/>
-          </p:cNvSpPr>
-          <p:nvPr>
-            <p:ph idx="1"/>
-          </p:nvPr>
-        </p:nvSpPr>
-        <p:spPr/>
-        <p:txBody>
-          <a:bodyPr>
-            <a:normAutofit fontScale="62500" lnSpcReduction="20000"/>
-          </a:bodyPr>
-          <a:lstStyle/>
-          <a:p>
-            <a:r>
-              <a:rPr lang="ru-RU" dirty="0"/>
-              <a:t>Для школьников будут выпускаться занятия, где будет теоретическое введение, примеры решения задач в рамках школьной программы</a:t>
-            </a:r>
-          </a:p>
-          <a:p>
-            <a:r>
-              <a:rPr lang="ru-RU" dirty="0"/>
-              <a:t>Для студентов будут реализованы полноценные лекции, отдельные практические занятия </a:t>
-            </a:r>
-            <a:r>
-              <a:rPr lang="ru-RU" b="1" dirty="0"/>
-              <a:t>в записи</a:t>
-            </a:r>
-          </a:p>
-          <a:p>
-            <a:r>
-              <a:rPr lang="ru-RU" dirty="0"/>
-              <a:t>После необходимого введения и практики участники всех программ смогут перейти к практике в интерактивных тренажерах, где будут собраны задачи для самостоятельного решения</a:t>
-            </a:r>
-          </a:p>
-          <a:p>
-            <a:r>
-              <a:rPr lang="ru-RU" dirty="0"/>
-              <a:t>Если школьник/студент добавлен на платформу от школы/вуза он сможет видеть свой прогресс по освоению программ относительно других школьников/студентов</a:t>
-            </a:r>
-          </a:p>
-          <a:p>
-            <a:r>
-              <a:rPr lang="ru-RU" dirty="0"/>
-              <a:t>Создание от школ/вузов своих тестов для самостоятельного прохождения в качестве домашнего задания</a:t>
-            </a:r>
-          </a:p>
-          <a:p>
-            <a:r>
-              <a:rPr lang="ru-RU" dirty="0"/>
-              <a:t>Создание собственных тестов (что актуально, если учащийся готовится к ЕГЭ или сессии)</a:t>
-            </a:r>
-          </a:p>
-          <a:p>
-            <a:r>
-              <a:rPr lang="ru-RU" dirty="0"/>
-              <a:t>ИИ будет анализировать ваши ошибки в ответах (в крупных тестах) и подскажет с какими материалами стоит ознакомиться.</a:t>
-            </a:r>
-          </a:p>
-          <a:p>
-            <a:r>
-              <a:rPr lang="ru-RU" dirty="0"/>
-              <a:t>Дополнительная информация в файлах к каждому занятию, где будет разобрано больше примеров из разных источников (олимпиады, вступительные экзамены, задачники)</a:t>
-            </a:r>
-          </a:p>
-        </p:txBody>
-      </p:sp>
-    </p:spTree>
-    <p:extLst>
-      <p:ext uri="{BB962C8B-B14F-4D97-AF65-F5344CB8AC3E}">
-        <p14:creationId xmlns:p14="http://schemas.microsoft.com/office/powerpoint/2010/main" val="3620324103"/>
-      </p:ext>
-    </p:extLst>
-  </p:cSld>
-  <p:clrMapOvr>
-    <a:masterClrMapping/>
-  </p:clrMapOvr>
-</p:sld>
-</file>
-
-<file path=ppt/slides/slide7.xml><?xml version="1.0" encoding="utf-8"?>
-<p:sld xmlns:a="http://schemas.openxmlformats.org/drawingml/2006/main" xmlns:r="http://schemas.openxmlformats.org/officeDocument/2006/relationships" xmlns:p="http://schemas.openxmlformats.org/presentationml/2006/main">
-  <p:cSld>
-    <p:spTree>
-      <p:nvGrpSpPr>
-        <p:cNvPr id="1" name=""/>
-        <p:cNvGrpSpPr/>
-        <p:nvPr/>
-      </p:nvGrpSpPr>
-      <p:grpSpPr>
-        <a:xfrm>
-          <a:off x="0" y="0"/>
-          <a:ext cx="0" cy="0"/>
-          <a:chOff x="0" y="0"/>
-          <a:chExt cx="0" cy="0"/>
-        </a:xfrm>
-      </p:grpSpPr>
-      <p:sp>
-        <p:nvSpPr>
-          <p:cNvPr id="2" name="Заголовок 1">
-            <a:extLst>
-              <a:ext uri="{FF2B5EF4-FFF2-40B4-BE49-F238E27FC236}">
-                <a16:creationId xmlns:a16="http://schemas.microsoft.com/office/drawing/2014/main" id="{0F80FAF4-CBB6-7A45-CF8E-D15380319B6B}"/>
-              </a:ext>
-            </a:extLst>
-          </p:cNvPr>
-          <p:cNvSpPr>
-            <a:spLocks noGrp="1"/>
-          </p:cNvSpPr>
-          <p:nvPr>
-            <p:ph type="title"/>
-          </p:nvPr>
-        </p:nvSpPr>
-        <p:spPr>
-          <a:xfrm>
-            <a:off x="7353038" y="1371600"/>
-            <a:ext cx="3924562" cy="1314443"/>
-          </a:xfrm>
-        </p:spPr>
-        <p:txBody>
-          <a:bodyPr>
-            <a:normAutofit/>
-          </a:bodyPr>
-          <a:lstStyle/>
-          <a:p>
-            <a:r>
-              <a:rPr lang="ru-RU" dirty="0"/>
-              <a:t>Источники дохода</a:t>
-            </a:r>
-          </a:p>
-        </p:txBody>
-      </p:sp>
-      <p:sp>
-        <p:nvSpPr>
-          <p:cNvPr id="3" name="Объект 2">
-            <a:extLst>
-              <a:ext uri="{FF2B5EF4-FFF2-40B4-BE49-F238E27FC236}">
-                <a16:creationId xmlns:a16="http://schemas.microsoft.com/office/drawing/2014/main" id="{5C326E79-D323-E3B3-5D02-219C65A8B3DE}"/>
-              </a:ext>
-            </a:extLst>
-          </p:cNvPr>
-          <p:cNvSpPr>
-            <a:spLocks noGrp="1"/>
-          </p:cNvSpPr>
-          <p:nvPr>
-            <p:ph idx="1"/>
-          </p:nvPr>
-        </p:nvSpPr>
-        <p:spPr>
-          <a:xfrm>
-            <a:off x="7353037" y="2853369"/>
-            <a:ext cx="3924562" cy="3088460"/>
-          </a:xfrm>
-        </p:spPr>
-        <p:txBody>
-          <a:bodyPr>
-            <a:normAutofit/>
-          </a:bodyPr>
-          <a:lstStyle/>
-          <a:p>
-            <a:pPr>
-              <a:lnSpc>
-                <a:spcPct val="110000"/>
-              </a:lnSpc>
-            </a:pPr>
-            <a:r>
-              <a:rPr lang="ru-RU" dirty="0"/>
-              <a:t>Доход с подписок и покупок программ профессиональной переподготовки (как развитие проекта)</a:t>
-            </a:r>
-          </a:p>
-          <a:p>
-            <a:pPr>
-              <a:lnSpc>
-                <a:spcPct val="110000"/>
-              </a:lnSpc>
-            </a:pPr>
-            <a:r>
-              <a:rPr lang="ru-RU" dirty="0"/>
-              <a:t>Государственные инвестиции</a:t>
-            </a:r>
-          </a:p>
-          <a:p>
-            <a:pPr>
-              <a:lnSpc>
-                <a:spcPct val="110000"/>
-              </a:lnSpc>
-            </a:pPr>
-            <a:r>
-              <a:rPr lang="ru-RU" dirty="0"/>
-              <a:t>Инвестиции частных лиц, заинтересованных в качественном образовании</a:t>
-            </a:r>
-          </a:p>
-        </p:txBody>
-      </p:sp>
-      <p:pic>
-        <p:nvPicPr>
-          <p:cNvPr id="5" name="Picture 4" descr="Документ с графиком и ручкой">
-            <a:extLst>
-              <a:ext uri="{FF2B5EF4-FFF2-40B4-BE49-F238E27FC236}">
-                <a16:creationId xmlns:a16="http://schemas.microsoft.com/office/drawing/2014/main" id="{3731F19E-413C-2712-A571-3543ED4A00F5}"/>
-              </a:ext>
-            </a:extLst>
-          </p:cNvPr>
-          <p:cNvPicPr>
-            <a:picLocks noChangeAspect="1"/>
-          </p:cNvPicPr>
-          <p:nvPr/>
-        </p:nvPicPr>
-        <p:blipFill rotWithShape="1">
-          <a:blip r:embed="rId2"/>
-          <a:srcRect l="25084" r="11528" b="-1"/>
-          <a:stretch/>
-        </p:blipFill>
-        <p:spPr>
-          <a:xfrm>
-            <a:off x="20" y="10"/>
-            <a:ext cx="6512527" cy="6857990"/>
-          </a:xfrm>
-          <a:prstGeom prst="rect">
-            <a:avLst/>
-          </a:prstGeom>
-          <a:noFill/>
-        </p:spPr>
-      </p:pic>
-      <p:sp>
-        <p:nvSpPr>
-          <p:cNvPr id="9" name="Date Placeholder 3">
-            <a:extLst>
-              <a:ext uri="{FF2B5EF4-FFF2-40B4-BE49-F238E27FC236}">
-                <a16:creationId xmlns:a16="http://schemas.microsoft.com/office/drawing/2014/main" id="{1F044AAC-B761-4B43-A7F5-E83A2E6C3D2E}"/>
-              </a:ext>
-            </a:extLst>
-          </p:cNvPr>
-          <p:cNvSpPr>
-            <a:spLocks noGrp="1"/>
-          </p:cNvSpPr>
-          <p:nvPr>
-            <p:ph type="dt" sz="half" idx="10"/>
-          </p:nvPr>
-        </p:nvSpPr>
-        <p:spPr>
-          <a:xfrm>
-            <a:off x="912628" y="6356350"/>
-            <a:ext cx="2743200" cy="365125"/>
-          </a:xfrm>
-        </p:spPr>
-        <p:txBody>
-          <a:bodyPr>
-            <a:normAutofit/>
-          </a:bodyPr>
-          <a:lstStyle/>
-          <a:p>
-            <a:pPr>
-              <a:spcAft>
-                <a:spcPts val="600"/>
-              </a:spcAft>
-            </a:pPr>
-            <a:fld id="{238A62C4-9532-477E-82D0-1BD0CBC71971}" type="datetime1">
-              <a:rPr lang="en-US">
-                <a:solidFill>
-                  <a:srgbClr val="FFFFFF"/>
-                </a:solidFill>
-              </a:rPr>
-              <a:pPr>
-                <a:spcAft>
-                  <a:spcPts val="600"/>
-                </a:spcAft>
-              </a:pPr>
-              <a:t>2/6/2024</a:t>
-            </a:fld>
-            <a:endParaRPr lang="en-US">
-              <a:solidFill>
-                <a:srgbClr val="FFFFFF"/>
-              </a:solidFill>
-            </a:endParaRPr>
-          </a:p>
-        </p:txBody>
-      </p:sp>
-      <p:sp>
-        <p:nvSpPr>
-          <p:cNvPr id="11" name="Footer Placeholder 4">
-            <a:extLst>
-              <a:ext uri="{FF2B5EF4-FFF2-40B4-BE49-F238E27FC236}">
-                <a16:creationId xmlns:a16="http://schemas.microsoft.com/office/drawing/2014/main" id="{5A5D6226-C153-4C5F-B30C-5656FEDF3F73}"/>
-              </a:ext>
-            </a:extLst>
-          </p:cNvPr>
-          <p:cNvSpPr>
-            <a:spLocks noGrp="1"/>
-          </p:cNvSpPr>
-          <p:nvPr>
-            <p:ph type="ftr" sz="quarter" idx="11"/>
-          </p:nvPr>
-        </p:nvSpPr>
-        <p:spPr>
-          <a:xfrm>
-            <a:off x="6767622" y="6356350"/>
-            <a:ext cx="4040373" cy="365125"/>
-          </a:xfrm>
-        </p:spPr>
-        <p:txBody>
-          <a:bodyPr>
-            <a:normAutofit/>
-          </a:bodyPr>
-          <a:lstStyle/>
-          <a:p>
-            <a:pPr>
-              <a:spcAft>
-                <a:spcPts val="600"/>
-              </a:spcAft>
-            </a:pPr>
-            <a:r>
-              <a:rPr lang="en-US">
-                <a:effectLst>
-                  <a:outerShdw blurRad="38100" dist="38100" dir="2700000" algn="tl">
-                    <a:srgbClr val="000000">
-                      <a:alpha val="43137"/>
-                    </a:srgbClr>
-                  </a:outerShdw>
-                </a:effectLst>
-              </a:rPr>
-              <a:t>Sample Footer Text</a:t>
-            </a:r>
-          </a:p>
-        </p:txBody>
-      </p:sp>
-      <p:sp>
-        <p:nvSpPr>
-          <p:cNvPr id="13" name="Slide Number Placeholder 5">
-            <a:extLst>
-              <a:ext uri="{FF2B5EF4-FFF2-40B4-BE49-F238E27FC236}">
-                <a16:creationId xmlns:a16="http://schemas.microsoft.com/office/drawing/2014/main" id="{86091187-3CD7-4891-BB4A-9A3F2309F149}"/>
-              </a:ext>
-            </a:extLst>
-          </p:cNvPr>
-          <p:cNvSpPr>
-            <a:spLocks noGrp="1"/>
-          </p:cNvSpPr>
-          <p:nvPr>
-            <p:ph type="sldNum" sz="quarter" idx="12"/>
-          </p:nvPr>
-        </p:nvSpPr>
-        <p:spPr>
-          <a:xfrm>
-            <a:off x="10807995" y="6356350"/>
-            <a:ext cx="723014" cy="365125"/>
-          </a:xfrm>
-        </p:spPr>
-        <p:txBody>
-          <a:bodyPr>
-            <a:normAutofit/>
-          </a:bodyPr>
-          <a:lstStyle/>
-          <a:p>
-            <a:pPr>
-              <a:spcAft>
-                <a:spcPts val="600"/>
-              </a:spcAft>
-            </a:pPr>
-            <a:fld id="{2B6A0707-BFCA-4BDD-8B25-E2A14A0F80A6}" type="slidenum">
-              <a:rPr lang="en-US" smtClean="0">
-                <a:effectLst>
-                  <a:outerShdw blurRad="38100" dist="38100" dir="2700000" algn="tl">
-                    <a:srgbClr val="000000">
-                      <a:alpha val="43137"/>
-                    </a:srgbClr>
-                  </a:outerShdw>
-                </a:effectLst>
-              </a:rPr>
-              <a:pPr>
-                <a:spcAft>
-                  <a:spcPts val="600"/>
-                </a:spcAft>
-              </a:pPr>
-              <a:t>7</a:t>
-            </a:fld>
-            <a:endParaRPr lang="en-US">
-              <a:effectLst>
-                <a:outerShdw blurRad="38100" dist="38100" dir="2700000" algn="tl">
-                  <a:srgbClr val="000000">
-                    <a:alpha val="43137"/>
-                  </a:srgbClr>
-                </a:outerShdw>
-              </a:effectLst>
-            </a:endParaRPr>
-          </a:p>
-        </p:txBody>
-      </p:sp>
-    </p:spTree>
-    <p:extLst>
-      <p:ext uri="{BB962C8B-B14F-4D97-AF65-F5344CB8AC3E}">
-        <p14:creationId xmlns:p14="http://schemas.microsoft.com/office/powerpoint/2010/main" val="3440678061"/>
-      </p:ext>
-    </p:extLst>
-  </p:cSld>
-  <p:clrMapOvr>
-    <a:masterClrMapping/>
-  </p:clrMapOvr>
-</p:sld>
-</file>
-
-<file path=ppt/slides/slide8.xml><?xml version="1.0" encoding="utf-8"?>
-<p:sld xmlns:a="http://schemas.openxmlformats.org/drawingml/2006/main" xmlns:r="http://schemas.openxmlformats.org/officeDocument/2006/relationships" xmlns:p="http://schemas.openxmlformats.org/presentationml/2006/main">
-  <p:cSld>
-    <p:spTree>
-      <p:nvGrpSpPr>
-        <p:cNvPr id="1" name=""/>
-        <p:cNvGrpSpPr/>
-        <p:nvPr/>
-      </p:nvGrpSpPr>
-      <p:grpSpPr>
-        <a:xfrm>
-          <a:off x="0" y="0"/>
-          <a:ext cx="0" cy="0"/>
-          <a:chOff x="0" y="0"/>
-          <a:chExt cx="0" cy="0"/>
-        </a:xfrm>
-      </p:grpSpPr>
-      <p:sp>
-        <p:nvSpPr>
-          <p:cNvPr id="2" name="Заголовок 1">
-            <a:extLst>
-              <a:ext uri="{FF2B5EF4-FFF2-40B4-BE49-F238E27FC236}">
-                <a16:creationId xmlns:a16="http://schemas.microsoft.com/office/drawing/2014/main" id="{F8443EFF-081E-A61B-3F63-1FAB9BEE6D99}"/>
-              </a:ext>
-            </a:extLst>
-          </p:cNvPr>
-          <p:cNvSpPr>
-            <a:spLocks noGrp="1"/>
-          </p:cNvSpPr>
-          <p:nvPr>
-            <p:ph type="title"/>
-          </p:nvPr>
-        </p:nvSpPr>
-        <p:spPr>
-          <a:xfrm>
-            <a:off x="914401" y="1371600"/>
-            <a:ext cx="3943762" cy="1314443"/>
-          </a:xfrm>
-        </p:spPr>
-        <p:txBody>
-          <a:bodyPr>
-            <a:normAutofit/>
-          </a:bodyPr>
-          <a:lstStyle/>
-          <a:p>
-            <a:r>
-              <a:rPr lang="ru-RU" sz="3700"/>
-              <a:t>Отличия от других компаний</a:t>
-            </a:r>
-          </a:p>
-        </p:txBody>
-      </p:sp>
-      <p:sp>
-        <p:nvSpPr>
-          <p:cNvPr id="3" name="Объект 2">
-            <a:extLst>
-              <a:ext uri="{FF2B5EF4-FFF2-40B4-BE49-F238E27FC236}">
-                <a16:creationId xmlns:a16="http://schemas.microsoft.com/office/drawing/2014/main" id="{8D5365C5-811E-8D8E-91CB-D643CF566793}"/>
-              </a:ext>
-            </a:extLst>
-          </p:cNvPr>
-          <p:cNvSpPr>
-            <a:spLocks noGrp="1"/>
-          </p:cNvSpPr>
-          <p:nvPr>
-            <p:ph idx="1"/>
-          </p:nvPr>
-        </p:nvSpPr>
-        <p:spPr>
-          <a:xfrm>
-            <a:off x="914400" y="2853369"/>
-            <a:ext cx="3943762" cy="3088460"/>
-          </a:xfrm>
-        </p:spPr>
-        <p:txBody>
-          <a:bodyPr>
-            <a:normAutofit fontScale="92500" lnSpcReduction="20000"/>
-          </a:bodyPr>
-          <a:lstStyle/>
-          <a:p>
-            <a:pPr>
-              <a:lnSpc>
-                <a:spcPct val="110000"/>
-              </a:lnSpc>
-            </a:pPr>
-            <a:r>
-              <a:rPr lang="ru-RU" sz="1300" dirty="0"/>
-              <a:t>Проект не рассчитан просто на подготовку школьников к ЕГЭ, как многие в секторе образования. Его главной целью является предоставление качественного, массового, дополнительного, доступного образования всем желающим.</a:t>
-            </a:r>
-          </a:p>
-          <a:p>
-            <a:pPr>
-              <a:lnSpc>
-                <a:spcPct val="110000"/>
-              </a:lnSpc>
-            </a:pPr>
-            <a:r>
-              <a:rPr lang="ru-RU" sz="1300" dirty="0"/>
-              <a:t>Проект может стать хорошим примером применения новых технологий в сфере образования</a:t>
-            </a:r>
-          </a:p>
-          <a:p>
-            <a:pPr>
-              <a:lnSpc>
-                <a:spcPct val="110000"/>
-              </a:lnSpc>
-            </a:pPr>
-            <a:r>
-              <a:rPr lang="ru-RU" sz="1300" dirty="0"/>
-              <a:t>Проект нацелен на сотрудничество со всей системой образования – школами, колледжами и университетами</a:t>
-            </a:r>
-          </a:p>
-          <a:p>
-            <a:pPr>
-              <a:lnSpc>
-                <a:spcPct val="110000"/>
-              </a:lnSpc>
-            </a:pPr>
-            <a:r>
-              <a:rPr lang="ru-RU" sz="1300" dirty="0"/>
-              <a:t>В рамках развития проект будет заниматься исследованиями в сфере образования</a:t>
-            </a:r>
-          </a:p>
-          <a:p>
-            <a:pPr>
-              <a:lnSpc>
-                <a:spcPct val="110000"/>
-              </a:lnSpc>
-            </a:pPr>
-            <a:r>
-              <a:rPr lang="ru-RU" sz="1300" dirty="0"/>
-              <a:t>Гибкость для преподавателей</a:t>
-            </a:r>
-          </a:p>
-        </p:txBody>
-      </p:sp>
-      <p:pic>
-        <p:nvPicPr>
-          <p:cNvPr id="5" name="Picture 4" descr="Белые лампы, среди которых одна желтая">
-            <a:extLst>
-              <a:ext uri="{FF2B5EF4-FFF2-40B4-BE49-F238E27FC236}">
-                <a16:creationId xmlns:a16="http://schemas.microsoft.com/office/drawing/2014/main" id="{7AFA46AC-5EC6-1F69-E786-BFF922D3C35B}"/>
-              </a:ext>
-            </a:extLst>
-          </p:cNvPr>
-          <p:cNvPicPr>
-            <a:picLocks noChangeAspect="1"/>
-          </p:cNvPicPr>
-          <p:nvPr/>
-        </p:nvPicPr>
-        <p:blipFill rotWithShape="1">
-          <a:blip r:embed="rId2"/>
-          <a:srcRect l="10371" r="26241" b="-1"/>
-          <a:stretch/>
-        </p:blipFill>
-        <p:spPr>
-          <a:xfrm>
-            <a:off x="5679452" y="10"/>
-            <a:ext cx="6512547" cy="6857990"/>
-          </a:xfrm>
-          <a:prstGeom prst="rect">
-            <a:avLst/>
-          </a:prstGeom>
-          <a:noFill/>
-        </p:spPr>
-      </p:pic>
-      <p:sp>
-        <p:nvSpPr>
-          <p:cNvPr id="9" name="Date Placeholder 3">
-            <a:extLst>
-              <a:ext uri="{FF2B5EF4-FFF2-40B4-BE49-F238E27FC236}">
-                <a16:creationId xmlns:a16="http://schemas.microsoft.com/office/drawing/2014/main" id="{1F044AAC-B761-4B43-A7F5-E83A2E6C3D2E}"/>
-              </a:ext>
-            </a:extLst>
-          </p:cNvPr>
-          <p:cNvSpPr>
-            <a:spLocks noGrp="1"/>
-          </p:cNvSpPr>
-          <p:nvPr>
-            <p:ph type="dt" sz="half" idx="10"/>
-          </p:nvPr>
-        </p:nvSpPr>
-        <p:spPr>
-          <a:xfrm>
-            <a:off x="912628" y="6356350"/>
-            <a:ext cx="2743200" cy="365125"/>
-          </a:xfrm>
-        </p:spPr>
-        <p:txBody>
-          <a:bodyPr/>
-          <a:lstStyle/>
-          <a:p>
-            <a:pPr>
-              <a:spcAft>
-                <a:spcPts val="600"/>
-              </a:spcAft>
-            </a:pPr>
-            <a:fld id="{238A62C4-9532-477E-82D0-1BD0CBC71971}" type="datetime1">
-              <a:rPr lang="en-US" smtClean="0"/>
-              <a:pPr>
-                <a:spcAft>
-                  <a:spcPts val="600"/>
-                </a:spcAft>
-              </a:pPr>
-              <a:t>2/6/2024</a:t>
-            </a:fld>
-            <a:endParaRPr lang="en-US" dirty="0"/>
-          </a:p>
-        </p:txBody>
-      </p:sp>
-      <p:sp>
-        <p:nvSpPr>
-          <p:cNvPr id="11" name="Footer Placeholder 4">
-            <a:extLst>
-              <a:ext uri="{FF2B5EF4-FFF2-40B4-BE49-F238E27FC236}">
-                <a16:creationId xmlns:a16="http://schemas.microsoft.com/office/drawing/2014/main" id="{5A5D6226-C153-4C5F-B30C-5656FEDF3F73}"/>
-              </a:ext>
-            </a:extLst>
-          </p:cNvPr>
-          <p:cNvSpPr>
-            <a:spLocks noGrp="1"/>
-          </p:cNvSpPr>
-          <p:nvPr>
-            <p:ph type="ftr" sz="quarter" idx="11"/>
-          </p:nvPr>
-        </p:nvSpPr>
-        <p:spPr>
-          <a:xfrm>
-            <a:off x="6767622" y="6356350"/>
-            <a:ext cx="4040373" cy="365125"/>
-          </a:xfrm>
-        </p:spPr>
-        <p:txBody>
-          <a:bodyPr/>
-          <a:lstStyle/>
-          <a:p>
-            <a:pPr>
-              <a:spcAft>
-                <a:spcPts val="600"/>
-              </a:spcAft>
-            </a:pPr>
-            <a:r>
-              <a:rPr lang="en-US">
-                <a:solidFill>
-                  <a:srgbClr val="FFFFFF"/>
-                </a:solidFill>
-                <a:effectLst>
-                  <a:outerShdw blurRad="38100" dist="38100" dir="2700000" algn="tl">
-                    <a:srgbClr val="000000">
-                      <a:alpha val="43137"/>
-                    </a:srgbClr>
-                  </a:outerShdw>
-                </a:effectLst>
-              </a:rPr>
-              <a:t>Sample Footer Text</a:t>
-            </a:r>
-          </a:p>
-        </p:txBody>
-      </p:sp>
-      <p:sp>
-        <p:nvSpPr>
-          <p:cNvPr id="13" name="Slide Number Placeholder 5">
-            <a:extLst>
-              <a:ext uri="{FF2B5EF4-FFF2-40B4-BE49-F238E27FC236}">
-                <a16:creationId xmlns:a16="http://schemas.microsoft.com/office/drawing/2014/main" id="{86091187-3CD7-4891-BB4A-9A3F2309F149}"/>
-              </a:ext>
-            </a:extLst>
-          </p:cNvPr>
-          <p:cNvSpPr>
-            <a:spLocks noGrp="1"/>
-          </p:cNvSpPr>
-          <p:nvPr>
-            <p:ph type="sldNum" sz="quarter" idx="12"/>
-          </p:nvPr>
-        </p:nvSpPr>
-        <p:spPr>
-          <a:xfrm>
-            <a:off x="10807995" y="6356350"/>
-            <a:ext cx="723014" cy="365125"/>
-          </a:xfrm>
-        </p:spPr>
-        <p:txBody>
-          <a:bodyPr/>
-          <a:lstStyle/>
-          <a:p>
-            <a:pPr>
-              <a:spcAft>
-                <a:spcPts val="600"/>
-              </a:spcAft>
-            </a:pPr>
-            <a:fld id="{2B6A0707-BFCA-4BDD-8B25-E2A14A0F80A6}" type="slidenum">
-              <a:rPr lang="en-US" smtClean="0">
-                <a:solidFill>
-                  <a:srgbClr val="FFFFFF"/>
-                </a:solidFill>
-                <a:effectLst>
-                  <a:outerShdw blurRad="38100" dist="38100" dir="2700000" algn="tl">
-                    <a:srgbClr val="000000">
-                      <a:alpha val="43137"/>
-                    </a:srgbClr>
-                  </a:outerShdw>
-                </a:effectLst>
-              </a:rPr>
-              <a:pPr>
-                <a:spcAft>
-                  <a:spcPts val="600"/>
-                </a:spcAft>
-              </a:pPr>
-              <a:t>8</a:t>
-            </a:fld>
-            <a:endParaRPr lang="en-US">
-              <a:solidFill>
-                <a:srgbClr val="FFFFFF"/>
-              </a:solidFill>
-              <a:effectLst>
-                <a:outerShdw blurRad="38100" dist="38100" dir="2700000" algn="tl">
-                  <a:srgbClr val="000000">
-                    <a:alpha val="43137"/>
-                  </a:srgbClr>
-                </a:outerShdw>
-              </a:effectLst>
-            </a:endParaRPr>
-          </a:p>
-        </p:txBody>
-      </p:sp>
-    </p:spTree>
-    <p:extLst>
-      <p:ext uri="{BB962C8B-B14F-4D97-AF65-F5344CB8AC3E}">
-        <p14:creationId xmlns:p14="http://schemas.microsoft.com/office/powerpoint/2010/main" val="1224037392"/>
-      </p:ext>
-    </p:extLst>
-  </p:cSld>
-  <p:clrMapOvr>
-    <a:masterClrMapping/>
-  </p:clrMapOvr>
-</p:sld>
-</file>
-
-<file path=ppt/slides/slide9.xml><?xml version="1.0" encoding="utf-8"?>
-<p:sld xmlns:a="http://schemas.openxmlformats.org/drawingml/2006/main" xmlns:r="http://schemas.openxmlformats.org/officeDocument/2006/relationships" xmlns:p="http://schemas.openxmlformats.org/presentationml/2006/main">
-  <p:cSld>
     <p:bg>
       <p:bgPr>
         <a:solidFill>
@@ -6080,12 +6364,60 @@
           <a:chExt cx="0" cy="0"/>
         </a:xfrm>
       </p:grpSpPr>
+      <p:cxnSp>
+        <p:nvCxnSpPr>
+          <p:cNvPr id="19" name="Straight Connector 18">
+            <a:extLst>
+              <a:ext uri="{FF2B5EF4-FFF2-40B4-BE49-F238E27FC236}">
+                <a16:creationId xmlns:a16="http://schemas.microsoft.com/office/drawing/2014/main" id="{F209B62C-3402-4623-9A7C-AA048B56F8C3}"/>
+              </a:ext>
+              <a:ext uri="{C183D7F6-B498-43B3-948B-1728B52AA6E4}">
+                <adec:decorative xmlns:adec="http://schemas.microsoft.com/office/drawing/2017/decorative" val="1"/>
+              </a:ext>
+            </a:extLst>
+          </p:cNvPr>
+          <p:cNvCxnSpPr>
+            <a:cxnSpLocks noGrp="1" noRot="1" noChangeAspect="1" noMove="1" noResize="1" noEditPoints="1" noAdjustHandles="1" noChangeArrowheads="1" noChangeShapeType="1"/>
+          </p:cNvCxnSpPr>
+          <p:nvPr>
+            <p:extLst>
+              <p:ext uri="{386F3935-93C4-4BCD-93E2-E3B085C9AB24}">
+                <p16:designElem xmlns:p16="http://schemas.microsoft.com/office/powerpoint/2015/main" val="1"/>
+              </p:ext>
+            </p:extLst>
+          </p:nvPr>
+        </p:nvCxnSpPr>
+        <p:spPr>
+          <a:xfrm>
+            <a:off x="990600" y="1031001"/>
+            <a:ext cx="978862" cy="0"/>
+          </a:xfrm>
+          <a:prstGeom prst="line">
+            <a:avLst/>
+          </a:prstGeom>
+          <a:ln w="76200"/>
+        </p:spPr>
+        <p:style>
+          <a:lnRef idx="1">
+            <a:schemeClr val="accent1"/>
+          </a:lnRef>
+          <a:fillRef idx="0">
+            <a:schemeClr val="accent1"/>
+          </a:fillRef>
+          <a:effectRef idx="0">
+            <a:schemeClr val="accent1"/>
+          </a:effectRef>
+          <a:fontRef idx="minor">
+            <a:schemeClr val="tx1"/>
+          </a:fontRef>
+        </p:style>
+      </p:cxnSp>
       <p:sp useBgFill="1">
         <p:nvSpPr>
-          <p:cNvPr id="8" name="Rectangle 7">
-            <a:extLst>
-              <a:ext uri="{FF2B5EF4-FFF2-40B4-BE49-F238E27FC236}">
-                <a16:creationId xmlns:a16="http://schemas.microsoft.com/office/drawing/2014/main" id="{DBDA151C-5770-45E4-AAFF-59E7F403866D}"/>
+          <p:cNvPr id="21" name="Rectangle 20">
+            <a:extLst>
+              <a:ext uri="{FF2B5EF4-FFF2-40B4-BE49-F238E27FC236}">
+                <a16:creationId xmlns:a16="http://schemas.microsoft.com/office/drawing/2014/main" id="{19F9BF86-FE94-4517-B97D-026C7515E589}"/>
               </a:ext>
               <a:ext uri="{C183D7F6-B498-43B3-948B-1728B52AA6E4}">
                 <adec:decorative xmlns:adec="http://schemas.microsoft.com/office/drawing/2017/decorative" val="1"/>
@@ -6161,6 +6493,2356 @@
           <p:cNvPr id="2" name="Заголовок 1">
             <a:extLst>
               <a:ext uri="{FF2B5EF4-FFF2-40B4-BE49-F238E27FC236}">
+                <a16:creationId xmlns:a16="http://schemas.microsoft.com/office/drawing/2014/main" id="{59C49F65-6EDE-5FC6-E8F0-D8D527C2D6D4}"/>
+              </a:ext>
+            </a:extLst>
+          </p:cNvPr>
+          <p:cNvSpPr>
+            <a:spLocks noGrp="1"/>
+          </p:cNvSpPr>
+          <p:nvPr>
+            <p:ph type="title"/>
+          </p:nvPr>
+        </p:nvSpPr>
+        <p:spPr>
+          <a:xfrm>
+            <a:off x="912628" y="1371600"/>
+            <a:ext cx="4323907" cy="2696866"/>
+          </a:xfrm>
+        </p:spPr>
+        <p:txBody>
+          <a:bodyPr vert="horz" lIns="91440" tIns="45720" rIns="91440" bIns="45720" rtlCol="0" anchor="t">
+            <a:normAutofit/>
+          </a:bodyPr>
+          <a:lstStyle/>
+          <a:p>
+            <a:r>
+              <a:rPr lang="en-US" dirty="0"/>
+              <a:t>Peer – to - Peer</a:t>
+            </a:r>
+          </a:p>
+        </p:txBody>
+      </p:sp>
+      <p:pic>
+        <p:nvPicPr>
+          <p:cNvPr id="7" name="Graphic 6" descr="Social Network">
+            <a:extLst>
+              <a:ext uri="{FF2B5EF4-FFF2-40B4-BE49-F238E27FC236}">
+                <a16:creationId xmlns:a16="http://schemas.microsoft.com/office/drawing/2014/main" id="{DEB1D841-8F45-83A1-D112-F22457583207}"/>
+              </a:ext>
+            </a:extLst>
+          </p:cNvPr>
+          <p:cNvPicPr>
+            <a:picLocks noChangeAspect="1"/>
+          </p:cNvPicPr>
+          <p:nvPr/>
+        </p:nvPicPr>
+        <p:blipFill>
+          <a:blip r:embed="rId2">
+            <a:extLst>
+              <a:ext uri="{28A0092B-C50C-407E-A947-70E740481C1C}">
+                <a14:useLocalDpi xmlns:a14="http://schemas.microsoft.com/office/drawing/2010/main" val="0"/>
+              </a:ext>
+              <a:ext uri="{96DAC541-7B7A-43D3-8B79-37D633B846F1}">
+                <asvg:svgBlip xmlns:asvg="http://schemas.microsoft.com/office/drawing/2016/SVG/main" r:embed="rId3"/>
+              </a:ext>
+            </a:extLst>
+          </a:blip>
+          <a:stretch>
+            <a:fillRect/>
+          </a:stretch>
+        </p:blipFill>
+        <p:spPr>
+          <a:xfrm>
+            <a:off x="6149163" y="729315"/>
+            <a:ext cx="5399370" cy="5399370"/>
+          </a:xfrm>
+          <a:prstGeom prst="rect">
+            <a:avLst/>
+          </a:prstGeom>
+        </p:spPr>
+      </p:pic>
+      <p:cxnSp>
+        <p:nvCxnSpPr>
+          <p:cNvPr id="23" name="Straight Connector 22">
+            <a:extLst>
+              <a:ext uri="{FF2B5EF4-FFF2-40B4-BE49-F238E27FC236}">
+                <a16:creationId xmlns:a16="http://schemas.microsoft.com/office/drawing/2014/main" id="{8CED01B4-40F2-4CAE-8062-1D4CE8454C35}"/>
+              </a:ext>
+              <a:ext uri="{C183D7F6-B498-43B3-948B-1728B52AA6E4}">
+                <adec:decorative xmlns:adec="http://schemas.microsoft.com/office/drawing/2017/decorative" val="1"/>
+              </a:ext>
+            </a:extLst>
+          </p:cNvPr>
+          <p:cNvCxnSpPr>
+            <a:cxnSpLocks noGrp="1" noRot="1" noChangeAspect="1" noMove="1" noResize="1" noEditPoints="1" noAdjustHandles="1" noChangeArrowheads="1" noChangeShapeType="1"/>
+          </p:cNvCxnSpPr>
+          <p:nvPr>
+            <p:extLst>
+              <p:ext uri="{386F3935-93C4-4BCD-93E2-E3B085C9AB24}">
+                <p16:designElem xmlns:p16="http://schemas.microsoft.com/office/powerpoint/2015/main" val="1"/>
+              </p:ext>
+            </p:extLst>
+          </p:nvPr>
+        </p:nvCxnSpPr>
+        <p:spPr>
+          <a:xfrm>
+            <a:off x="990600" y="1031001"/>
+            <a:ext cx="978862" cy="0"/>
+          </a:xfrm>
+          <a:prstGeom prst="line">
+            <a:avLst/>
+          </a:prstGeom>
+          <a:ln w="76200"/>
+        </p:spPr>
+        <p:style>
+          <a:lnRef idx="1">
+            <a:schemeClr val="accent1"/>
+          </a:lnRef>
+          <a:fillRef idx="0">
+            <a:schemeClr val="accent1"/>
+          </a:fillRef>
+          <a:effectRef idx="0">
+            <a:schemeClr val="accent1"/>
+          </a:effectRef>
+          <a:fontRef idx="minor">
+            <a:schemeClr val="tx1"/>
+          </a:fontRef>
+        </p:style>
+      </p:cxnSp>
+      <p:sp>
+        <p:nvSpPr>
+          <p:cNvPr id="5" name="TextBox 4">
+            <a:extLst>
+              <a:ext uri="{FF2B5EF4-FFF2-40B4-BE49-F238E27FC236}">
+                <a16:creationId xmlns:a16="http://schemas.microsoft.com/office/drawing/2014/main" id="{6CBC259F-DB75-8E99-6236-0B8DB9AA4535}"/>
+              </a:ext>
+            </a:extLst>
+          </p:cNvPr>
+          <p:cNvSpPr txBox="1"/>
+          <p:nvPr/>
+        </p:nvSpPr>
+        <p:spPr>
+          <a:xfrm>
+            <a:off x="990599" y="2469081"/>
+            <a:ext cx="5104509" cy="3970318"/>
+          </a:xfrm>
+          <a:prstGeom prst="rect">
+            <a:avLst/>
+          </a:prstGeom>
+          <a:noFill/>
+        </p:spPr>
+        <p:txBody>
+          <a:bodyPr wrap="square">
+            <a:spAutoFit/>
+          </a:bodyPr>
+          <a:lstStyle/>
+          <a:p>
+            <a:pPr marL="342900" indent="-342900">
+              <a:buFont typeface="+mj-lt"/>
+              <a:buAutoNum type="arabicPeriod"/>
+            </a:pPr>
+            <a:r>
+              <a:rPr lang="ru-RU" dirty="0"/>
+              <a:t>Студент создает запрос на помощь, с указанием номера задания из базы данных</a:t>
+            </a:r>
+          </a:p>
+          <a:p>
+            <a:pPr marL="342900" indent="-342900">
+              <a:buFont typeface="+mj-lt"/>
+              <a:buAutoNum type="arabicPeriod"/>
+            </a:pPr>
+            <a:r>
+              <a:rPr lang="ru-RU" dirty="0"/>
+              <a:t>Указывает одну из проблем, описывает ее</a:t>
+            </a:r>
+          </a:p>
+          <a:p>
+            <a:pPr marL="342900" indent="-342900">
+              <a:buFont typeface="+mj-lt"/>
+              <a:buAutoNum type="arabicPeriod"/>
+            </a:pPr>
+            <a:r>
+              <a:rPr lang="ru-RU" dirty="0"/>
+              <a:t>Запрос изучают другие участники, в случае возможности решения помогают в формате видео-звонка</a:t>
+            </a:r>
+          </a:p>
+          <a:p>
+            <a:pPr marL="342900" indent="-342900">
+              <a:buFont typeface="+mj-lt"/>
+              <a:buAutoNum type="arabicPeriod"/>
+            </a:pPr>
+            <a:r>
+              <a:rPr lang="ru-RU" dirty="0"/>
+              <a:t>Студент, который помог, получает очки помощи, которые позволяют участвовать в мероприятиях и выигрывать призы</a:t>
+            </a:r>
+          </a:p>
+          <a:p>
+            <a:r>
+              <a:rPr lang="ru-RU" dirty="0"/>
+              <a:t>Итак, студенты получают помощь, помощники закрепляют материал через объяснения, мотивированы победой в мероприятиях. Бизнес сокращает издержки за счет отсутствия менторов и кураторов.</a:t>
+            </a:r>
+          </a:p>
+        </p:txBody>
+      </p:sp>
+    </p:spTree>
+    <p:extLst>
+      <p:ext uri="{BB962C8B-B14F-4D97-AF65-F5344CB8AC3E}">
+        <p14:creationId xmlns:p14="http://schemas.microsoft.com/office/powerpoint/2010/main" val="1619902450"/>
+      </p:ext>
+    </p:extLst>
+  </p:cSld>
+  <p:clrMapOvr>
+    <a:masterClrMapping/>
+  </p:clrMapOvr>
+</p:sld>
+</file>
+
+<file path=ppt/slides/slide11.xml><?xml version="1.0" encoding="utf-8"?>
+<p:sld xmlns:a="http://schemas.openxmlformats.org/drawingml/2006/main" xmlns:r="http://schemas.openxmlformats.org/officeDocument/2006/relationships" xmlns:p="http://schemas.openxmlformats.org/presentationml/2006/main">
+  <p:cSld>
+    <p:spTree>
+      <p:nvGrpSpPr>
+        <p:cNvPr id="1" name=""/>
+        <p:cNvGrpSpPr/>
+        <p:nvPr/>
+      </p:nvGrpSpPr>
+      <p:grpSpPr>
+        <a:xfrm>
+          <a:off x="0" y="0"/>
+          <a:ext cx="0" cy="0"/>
+          <a:chOff x="0" y="0"/>
+          <a:chExt cx="0" cy="0"/>
+        </a:xfrm>
+      </p:grpSpPr>
+      <p:sp>
+        <p:nvSpPr>
+          <p:cNvPr id="2" name="Заголовок 1">
+            <a:extLst>
+              <a:ext uri="{FF2B5EF4-FFF2-40B4-BE49-F238E27FC236}">
+                <a16:creationId xmlns:a16="http://schemas.microsoft.com/office/drawing/2014/main" id="{7FC49E6E-D436-A0FC-D81A-BD4CEEDF413B}"/>
+              </a:ext>
+            </a:extLst>
+          </p:cNvPr>
+          <p:cNvSpPr>
+            <a:spLocks noGrp="1"/>
+          </p:cNvSpPr>
+          <p:nvPr>
+            <p:ph type="title"/>
+          </p:nvPr>
+        </p:nvSpPr>
+        <p:spPr/>
+        <p:txBody>
+          <a:bodyPr>
+            <a:normAutofit fontScale="90000"/>
+          </a:bodyPr>
+          <a:lstStyle/>
+          <a:p>
+            <a:r>
+              <a:rPr lang="ru-RU"/>
+              <a:t>Внедрение искусственного интеллекта в учебные процессы</a:t>
+            </a:r>
+            <a:endParaRPr lang="ru-RU" dirty="0"/>
+          </a:p>
+        </p:txBody>
+      </p:sp>
+      <p:graphicFrame>
+        <p:nvGraphicFramePr>
+          <p:cNvPr id="29" name="Объект 2">
+            <a:extLst>
+              <a:ext uri="{FF2B5EF4-FFF2-40B4-BE49-F238E27FC236}">
+                <a16:creationId xmlns:a16="http://schemas.microsoft.com/office/drawing/2014/main" id="{A2BA56C1-BFC7-73E8-3394-4B4622F4112A}"/>
+              </a:ext>
+            </a:extLst>
+          </p:cNvPr>
+          <p:cNvGraphicFramePr>
+            <a:graphicFrameLocks noGrp="1"/>
+          </p:cNvGraphicFramePr>
+          <p:nvPr>
+            <p:ph idx="1"/>
+            <p:extLst>
+              <p:ext uri="{D42A27DB-BD31-4B8C-83A1-F6EECF244321}">
+                <p14:modId xmlns:p14="http://schemas.microsoft.com/office/powerpoint/2010/main" val="3628593708"/>
+              </p:ext>
+            </p:extLst>
+          </p:nvPr>
+        </p:nvGraphicFramePr>
+        <p:xfrm>
+          <a:off x="914399" y="2559171"/>
+          <a:ext cx="10363200" cy="3382658"/>
+        </p:xfrm>
+        <a:graphic>
+          <a:graphicData uri="http://schemas.openxmlformats.org/drawingml/2006/diagram">
+            <dgm:relIds xmlns:dgm="http://schemas.openxmlformats.org/drawingml/2006/diagram" xmlns:r="http://schemas.openxmlformats.org/officeDocument/2006/relationships" r:dm="rId2" r:lo="rId3" r:qs="rId4" r:cs="rId5"/>
+          </a:graphicData>
+        </a:graphic>
+      </p:graphicFrame>
+    </p:spTree>
+    <p:extLst>
+      <p:ext uri="{BB962C8B-B14F-4D97-AF65-F5344CB8AC3E}">
+        <p14:creationId xmlns:p14="http://schemas.microsoft.com/office/powerpoint/2010/main" val="3311405479"/>
+      </p:ext>
+    </p:extLst>
+  </p:cSld>
+  <p:clrMapOvr>
+    <a:masterClrMapping/>
+  </p:clrMapOvr>
+</p:sld>
+</file>
+
+<file path=ppt/slides/slide12.xml><?xml version="1.0" encoding="utf-8"?>
+<p:sld xmlns:a="http://schemas.openxmlformats.org/drawingml/2006/main" xmlns:r="http://schemas.openxmlformats.org/officeDocument/2006/relationships" xmlns:p="http://schemas.openxmlformats.org/presentationml/2006/main">
+  <p:cSld>
+    <p:spTree>
+      <p:nvGrpSpPr>
+        <p:cNvPr id="1" name=""/>
+        <p:cNvGrpSpPr/>
+        <p:nvPr/>
+      </p:nvGrpSpPr>
+      <p:grpSpPr>
+        <a:xfrm>
+          <a:off x="0" y="0"/>
+          <a:ext cx="0" cy="0"/>
+          <a:chOff x="0" y="0"/>
+          <a:chExt cx="0" cy="0"/>
+        </a:xfrm>
+      </p:grpSpPr>
+      <p:sp>
+        <p:nvSpPr>
+          <p:cNvPr id="2" name="Заголовок 1">
+            <a:extLst>
+              <a:ext uri="{FF2B5EF4-FFF2-40B4-BE49-F238E27FC236}">
+                <a16:creationId xmlns:a16="http://schemas.microsoft.com/office/drawing/2014/main" id="{21675C5D-C508-9AD8-C720-11003976A8E3}"/>
+              </a:ext>
+            </a:extLst>
+          </p:cNvPr>
+          <p:cNvSpPr>
+            <a:spLocks noGrp="1"/>
+          </p:cNvSpPr>
+          <p:nvPr>
+            <p:ph type="title"/>
+          </p:nvPr>
+        </p:nvSpPr>
+        <p:spPr/>
+        <p:txBody>
+          <a:bodyPr/>
+          <a:lstStyle/>
+          <a:p>
+            <a:r>
+              <a:rPr lang="ru-RU" dirty="0"/>
+              <a:t>Финансирование (детально)</a:t>
+            </a:r>
+          </a:p>
+        </p:txBody>
+      </p:sp>
+      <p:sp>
+        <p:nvSpPr>
+          <p:cNvPr id="3" name="Объект 2">
+            <a:extLst>
+              <a:ext uri="{FF2B5EF4-FFF2-40B4-BE49-F238E27FC236}">
+                <a16:creationId xmlns:a16="http://schemas.microsoft.com/office/drawing/2014/main" id="{42CAD66B-874A-029C-ACC8-307E19C7A934}"/>
+              </a:ext>
+            </a:extLst>
+          </p:cNvPr>
+          <p:cNvSpPr>
+            <a:spLocks noGrp="1"/>
+          </p:cNvSpPr>
+          <p:nvPr>
+            <p:ph idx="1"/>
+          </p:nvPr>
+        </p:nvSpPr>
+        <p:spPr/>
+        <p:txBody>
+          <a:bodyPr/>
+          <a:lstStyle/>
+          <a:p>
+            <a:r>
+              <a:rPr lang="ru-RU" dirty="0">
+                <a:hlinkClick r:id="rId2"/>
+              </a:rPr>
+              <a:t>Студенческий стартап (</a:t>
+            </a:r>
+            <a:r>
+              <a:rPr lang="en-US" dirty="0">
+                <a:hlinkClick r:id="rId2"/>
+              </a:rPr>
+              <a:t>fasie.ru)</a:t>
+            </a:r>
+            <a:r>
+              <a:rPr lang="ru-RU" dirty="0"/>
+              <a:t>– 1 000 000, в любой точке России </a:t>
+            </a:r>
+          </a:p>
+          <a:p>
+            <a:r>
+              <a:rPr lang="ru-RU" dirty="0">
+                <a:hlinkClick r:id="rId3"/>
+              </a:rPr>
+              <a:t>Гранты для молодых предпринимателей (</a:t>
+            </a:r>
+            <a:r>
+              <a:rPr lang="ru-RU" dirty="0" err="1">
+                <a:hlinkClick r:id="rId3"/>
+              </a:rPr>
+              <a:t>xn</a:t>
+            </a:r>
+            <a:r>
+              <a:rPr lang="ru-RU" dirty="0">
+                <a:hlinkClick r:id="rId3"/>
+              </a:rPr>
+              <a:t>--90aifddrld7a.xn--p1ai)</a:t>
+            </a:r>
+            <a:r>
+              <a:rPr lang="ru-RU" dirty="0"/>
+              <a:t> – до 500 тысяч (но не в МСК)</a:t>
+            </a:r>
+          </a:p>
+          <a:p>
+            <a:r>
+              <a:rPr lang="ru-RU" dirty="0">
+                <a:hlinkClick r:id="rId4"/>
+              </a:rPr>
+              <a:t>Твой ход (</a:t>
+            </a:r>
+            <a:r>
+              <a:rPr lang="en-US" dirty="0" err="1">
+                <a:hlinkClick r:id="rId4"/>
+              </a:rPr>
+              <a:t>tvoyhod.online</a:t>
+            </a:r>
+            <a:r>
+              <a:rPr lang="en-US" dirty="0">
+                <a:hlinkClick r:id="rId4"/>
+              </a:rPr>
+              <a:t>)</a:t>
+            </a:r>
+            <a:r>
+              <a:rPr lang="ru-RU" dirty="0"/>
+              <a:t> - Твой ход, трек «Делаю». С 11 марта по 25 декабря 2024 года. До миллиона. 200 призовых мест.</a:t>
+            </a:r>
+          </a:p>
+          <a:p>
+            <a:r>
+              <a:rPr lang="ru-RU" dirty="0" err="1"/>
+              <a:t>Краундфандинг</a:t>
+            </a:r>
+            <a:endParaRPr lang="ru-RU" dirty="0"/>
+          </a:p>
+          <a:p>
+            <a:r>
+              <a:rPr lang="ru-RU" dirty="0"/>
+              <a:t>Льготные программы кредитования от правительства Москвы (их слишком много)</a:t>
+            </a:r>
+          </a:p>
+        </p:txBody>
+      </p:sp>
+    </p:spTree>
+    <p:extLst>
+      <p:ext uri="{BB962C8B-B14F-4D97-AF65-F5344CB8AC3E}">
+        <p14:creationId xmlns:p14="http://schemas.microsoft.com/office/powerpoint/2010/main" val="2540610629"/>
+      </p:ext>
+    </p:extLst>
+  </p:cSld>
+  <p:clrMapOvr>
+    <a:masterClrMapping/>
+  </p:clrMapOvr>
+</p:sld>
+</file>
+
+<file path=ppt/slides/slide2.xml><?xml version="1.0" encoding="utf-8"?>
+<p:sld xmlns:a="http://schemas.openxmlformats.org/drawingml/2006/main" xmlns:r="http://schemas.openxmlformats.org/officeDocument/2006/relationships" xmlns:p="http://schemas.openxmlformats.org/presentationml/2006/main">
+  <p:cSld>
+    <p:spTree>
+      <p:nvGrpSpPr>
+        <p:cNvPr id="1" name=""/>
+        <p:cNvGrpSpPr/>
+        <p:nvPr/>
+      </p:nvGrpSpPr>
+      <p:grpSpPr>
+        <a:xfrm>
+          <a:off x="0" y="0"/>
+          <a:ext cx="0" cy="0"/>
+          <a:chOff x="0" y="0"/>
+          <a:chExt cx="0" cy="0"/>
+        </a:xfrm>
+      </p:grpSpPr>
+      <p:sp>
+        <p:nvSpPr>
+          <p:cNvPr id="2" name="Заголовок 1">
+            <a:extLst>
+              <a:ext uri="{FF2B5EF4-FFF2-40B4-BE49-F238E27FC236}">
+                <a16:creationId xmlns:a16="http://schemas.microsoft.com/office/drawing/2014/main" id="{FE0E9C20-36E6-C678-A8A5-19A83C7966DE}"/>
+              </a:ext>
+            </a:extLst>
+          </p:cNvPr>
+          <p:cNvSpPr>
+            <a:spLocks noGrp="1"/>
+          </p:cNvSpPr>
+          <p:nvPr>
+            <p:ph type="title"/>
+          </p:nvPr>
+        </p:nvSpPr>
+        <p:spPr>
+          <a:xfrm>
+            <a:off x="914401" y="1371600"/>
+            <a:ext cx="3943762" cy="1314443"/>
+          </a:xfrm>
+        </p:spPr>
+        <p:txBody>
+          <a:bodyPr>
+            <a:normAutofit/>
+          </a:bodyPr>
+          <a:lstStyle/>
+          <a:p>
+            <a:r>
+              <a:rPr lang="ru-RU"/>
+              <a:t>Цели проекта</a:t>
+            </a:r>
+            <a:endParaRPr lang="ru-RU" dirty="0"/>
+          </a:p>
+        </p:txBody>
+      </p:sp>
+      <p:sp>
+        <p:nvSpPr>
+          <p:cNvPr id="3" name="Объект 2">
+            <a:extLst>
+              <a:ext uri="{FF2B5EF4-FFF2-40B4-BE49-F238E27FC236}">
+                <a16:creationId xmlns:a16="http://schemas.microsoft.com/office/drawing/2014/main" id="{B45D7033-D534-8328-3600-AEC712213351}"/>
+              </a:ext>
+            </a:extLst>
+          </p:cNvPr>
+          <p:cNvSpPr>
+            <a:spLocks noGrp="1"/>
+          </p:cNvSpPr>
+          <p:nvPr>
+            <p:ph idx="1"/>
+          </p:nvPr>
+        </p:nvSpPr>
+        <p:spPr>
+          <a:xfrm>
+            <a:off x="914400" y="2853369"/>
+            <a:ext cx="3943762" cy="3088460"/>
+          </a:xfrm>
+        </p:spPr>
+        <p:txBody>
+          <a:bodyPr>
+            <a:normAutofit fontScale="92500" lnSpcReduction="10000"/>
+          </a:bodyPr>
+          <a:lstStyle/>
+          <a:p>
+            <a:pPr>
+              <a:lnSpc>
+                <a:spcPct val="110000"/>
+              </a:lnSpc>
+            </a:pPr>
+            <a:r>
+              <a:rPr lang="ru-RU" sz="1300" dirty="0"/>
+              <a:t>Предоставить школьникам возможность</a:t>
+            </a:r>
+            <a:r>
+              <a:rPr lang="en-US" sz="1300" dirty="0"/>
+              <a:t> </a:t>
+            </a:r>
+            <a:r>
+              <a:rPr lang="ru-RU" sz="1300" dirty="0"/>
+              <a:t>учиться самостоятельно в удобной для них среде</a:t>
+            </a:r>
+          </a:p>
+          <a:p>
+            <a:pPr>
+              <a:lnSpc>
+                <a:spcPct val="110000"/>
+              </a:lnSpc>
+            </a:pPr>
+            <a:r>
+              <a:rPr lang="ru-RU" sz="1300" dirty="0"/>
+              <a:t>Упростить процесс обучения за счет сокращения издержек на поиск литературы и контроля прогресса</a:t>
+            </a:r>
+          </a:p>
+          <a:p>
+            <a:pPr>
+              <a:lnSpc>
+                <a:spcPct val="110000"/>
+              </a:lnSpc>
+            </a:pPr>
+            <a:r>
+              <a:rPr lang="ru-RU" sz="1300" dirty="0"/>
+              <a:t>Приучить школьников/студентов к самообучению, работе с информацией </a:t>
+            </a:r>
+          </a:p>
+          <a:p>
+            <a:pPr>
+              <a:lnSpc>
+                <a:spcPct val="110000"/>
+              </a:lnSpc>
+            </a:pPr>
+            <a:r>
+              <a:rPr lang="ru-RU" sz="1300" dirty="0"/>
+              <a:t>Платформа позволит собирать статистику образовательной деятельности в России</a:t>
+            </a:r>
+          </a:p>
+          <a:p>
+            <a:pPr>
+              <a:lnSpc>
+                <a:spcPct val="110000"/>
+              </a:lnSpc>
+            </a:pPr>
+            <a:r>
+              <a:rPr lang="ru-RU" sz="1300" dirty="0"/>
+              <a:t>Создание единой образовательной сети в России</a:t>
+            </a:r>
+          </a:p>
+          <a:p>
+            <a:pPr>
+              <a:lnSpc>
+                <a:spcPct val="110000"/>
+              </a:lnSpc>
+            </a:pPr>
+            <a:r>
+              <a:rPr lang="ru-RU" sz="1300" dirty="0"/>
+              <a:t>Увеличение прямого общения с другими студентами – развитие </a:t>
+            </a:r>
+            <a:r>
+              <a:rPr lang="en-US" sz="1300" dirty="0"/>
+              <a:t>soft - skills</a:t>
+            </a:r>
+            <a:endParaRPr lang="ru-RU" sz="1300" dirty="0"/>
+          </a:p>
+        </p:txBody>
+      </p:sp>
+      <p:pic>
+        <p:nvPicPr>
+          <p:cNvPr id="15" name="Picture 4" descr="Лампочка на желтом фоне с нарисованными световыми лучами и шнуром">
+            <a:extLst>
+              <a:ext uri="{FF2B5EF4-FFF2-40B4-BE49-F238E27FC236}">
+                <a16:creationId xmlns:a16="http://schemas.microsoft.com/office/drawing/2014/main" id="{89550C5E-631F-16CE-F623-2E153A3931F1}"/>
+              </a:ext>
+            </a:extLst>
+          </p:cNvPr>
+          <p:cNvPicPr>
+            <a:picLocks noChangeAspect="1"/>
+          </p:cNvPicPr>
+          <p:nvPr/>
+        </p:nvPicPr>
+        <p:blipFill rotWithShape="1">
+          <a:blip r:embed="rId2"/>
+          <a:srcRect l="41598"/>
+          <a:stretch/>
+        </p:blipFill>
+        <p:spPr>
+          <a:xfrm>
+            <a:off x="5679452" y="10"/>
+            <a:ext cx="6512547" cy="6857990"/>
+          </a:xfrm>
+          <a:prstGeom prst="rect">
+            <a:avLst/>
+          </a:prstGeom>
+          <a:noFill/>
+        </p:spPr>
+      </p:pic>
+      <p:sp>
+        <p:nvSpPr>
+          <p:cNvPr id="16" name="Date Placeholder 3">
+            <a:extLst>
+              <a:ext uri="{FF2B5EF4-FFF2-40B4-BE49-F238E27FC236}">
+                <a16:creationId xmlns:a16="http://schemas.microsoft.com/office/drawing/2014/main" id="{1F044AAC-B761-4B43-A7F5-E83A2E6C3D2E}"/>
+              </a:ext>
+            </a:extLst>
+          </p:cNvPr>
+          <p:cNvSpPr>
+            <a:spLocks noGrp="1"/>
+          </p:cNvSpPr>
+          <p:nvPr>
+            <p:ph type="dt" sz="half" idx="10"/>
+          </p:nvPr>
+        </p:nvSpPr>
+        <p:spPr>
+          <a:xfrm>
+            <a:off x="912628" y="6356350"/>
+            <a:ext cx="2743200" cy="365125"/>
+          </a:xfrm>
+        </p:spPr>
+        <p:txBody>
+          <a:bodyPr/>
+          <a:lstStyle/>
+          <a:p>
+            <a:pPr>
+              <a:spcAft>
+                <a:spcPts val="600"/>
+              </a:spcAft>
+            </a:pPr>
+            <a:fld id="{238A62C4-9532-477E-82D0-1BD0CBC71971}" type="datetime1">
+              <a:rPr lang="en-US" smtClean="0"/>
+              <a:pPr>
+                <a:spcAft>
+                  <a:spcPts val="600"/>
+                </a:spcAft>
+              </a:pPr>
+              <a:t>3/3/2024</a:t>
+            </a:fld>
+            <a:endParaRPr lang="en-US" dirty="0"/>
+          </a:p>
+        </p:txBody>
+      </p:sp>
+      <p:sp>
+        <p:nvSpPr>
+          <p:cNvPr id="17" name="Footer Placeholder 4">
+            <a:extLst>
+              <a:ext uri="{FF2B5EF4-FFF2-40B4-BE49-F238E27FC236}">
+                <a16:creationId xmlns:a16="http://schemas.microsoft.com/office/drawing/2014/main" id="{5A5D6226-C153-4C5F-B30C-5656FEDF3F73}"/>
+              </a:ext>
+            </a:extLst>
+          </p:cNvPr>
+          <p:cNvSpPr>
+            <a:spLocks noGrp="1"/>
+          </p:cNvSpPr>
+          <p:nvPr>
+            <p:ph type="ftr" sz="quarter" idx="11"/>
+          </p:nvPr>
+        </p:nvSpPr>
+        <p:spPr>
+          <a:xfrm>
+            <a:off x="6767622" y="6356350"/>
+            <a:ext cx="4040373" cy="365125"/>
+          </a:xfrm>
+        </p:spPr>
+        <p:txBody>
+          <a:bodyPr/>
+          <a:lstStyle/>
+          <a:p>
+            <a:pPr>
+              <a:spcAft>
+                <a:spcPts val="600"/>
+              </a:spcAft>
+            </a:pPr>
+            <a:r>
+              <a:rPr lang="en-US">
+                <a:solidFill>
+                  <a:srgbClr val="FFFFFF"/>
+                </a:solidFill>
+                <a:effectLst>
+                  <a:outerShdw blurRad="38100" dist="38100" dir="2700000" algn="tl">
+                    <a:srgbClr val="000000">
+                      <a:alpha val="43137"/>
+                    </a:srgbClr>
+                  </a:outerShdw>
+                </a:effectLst>
+              </a:rPr>
+              <a:t>Sample Footer Text</a:t>
+            </a:r>
+          </a:p>
+        </p:txBody>
+      </p:sp>
+      <p:sp>
+        <p:nvSpPr>
+          <p:cNvPr id="18" name="Slide Number Placeholder 5">
+            <a:extLst>
+              <a:ext uri="{FF2B5EF4-FFF2-40B4-BE49-F238E27FC236}">
+                <a16:creationId xmlns:a16="http://schemas.microsoft.com/office/drawing/2014/main" id="{86091187-3CD7-4891-BB4A-9A3F2309F149}"/>
+              </a:ext>
+            </a:extLst>
+          </p:cNvPr>
+          <p:cNvSpPr>
+            <a:spLocks noGrp="1"/>
+          </p:cNvSpPr>
+          <p:nvPr>
+            <p:ph type="sldNum" sz="quarter" idx="12"/>
+          </p:nvPr>
+        </p:nvSpPr>
+        <p:spPr>
+          <a:xfrm>
+            <a:off x="10807995" y="6356350"/>
+            <a:ext cx="723014" cy="365125"/>
+          </a:xfrm>
+        </p:spPr>
+        <p:txBody>
+          <a:bodyPr/>
+          <a:lstStyle/>
+          <a:p>
+            <a:pPr>
+              <a:spcAft>
+                <a:spcPts val="600"/>
+              </a:spcAft>
+            </a:pPr>
+            <a:fld id="{2B6A0707-BFCA-4BDD-8B25-E2A14A0F80A6}" type="slidenum">
+              <a:rPr lang="en-US" smtClean="0">
+                <a:solidFill>
+                  <a:srgbClr val="FFFFFF"/>
+                </a:solidFill>
+                <a:effectLst>
+                  <a:outerShdw blurRad="38100" dist="38100" dir="2700000" algn="tl">
+                    <a:srgbClr val="000000">
+                      <a:alpha val="43137"/>
+                    </a:srgbClr>
+                  </a:outerShdw>
+                </a:effectLst>
+              </a:rPr>
+              <a:pPr>
+                <a:spcAft>
+                  <a:spcPts val="600"/>
+                </a:spcAft>
+              </a:pPr>
+              <a:t>2</a:t>
+            </a:fld>
+            <a:endParaRPr lang="en-US">
+              <a:solidFill>
+                <a:srgbClr val="FFFFFF"/>
+              </a:solidFill>
+              <a:effectLst>
+                <a:outerShdw blurRad="38100" dist="38100" dir="2700000" algn="tl">
+                  <a:srgbClr val="000000">
+                    <a:alpha val="43137"/>
+                  </a:srgbClr>
+                </a:outerShdw>
+              </a:effectLst>
+            </a:endParaRPr>
+          </a:p>
+        </p:txBody>
+      </p:sp>
+    </p:spTree>
+    <p:extLst>
+      <p:ext uri="{BB962C8B-B14F-4D97-AF65-F5344CB8AC3E}">
+        <p14:creationId xmlns:p14="http://schemas.microsoft.com/office/powerpoint/2010/main" val="920383566"/>
+      </p:ext>
+    </p:extLst>
+  </p:cSld>
+  <p:clrMapOvr>
+    <a:masterClrMapping/>
+  </p:clrMapOvr>
+</p:sld>
+</file>
+
+<file path=ppt/slides/slide3.xml><?xml version="1.0" encoding="utf-8"?>
+<p:sld xmlns:a="http://schemas.openxmlformats.org/drawingml/2006/main" xmlns:r="http://schemas.openxmlformats.org/officeDocument/2006/relationships" xmlns:p="http://schemas.openxmlformats.org/presentationml/2006/main">
+  <p:cSld>
+    <p:spTree>
+      <p:nvGrpSpPr>
+        <p:cNvPr id="1" name=""/>
+        <p:cNvGrpSpPr/>
+        <p:nvPr/>
+      </p:nvGrpSpPr>
+      <p:grpSpPr>
+        <a:xfrm>
+          <a:off x="0" y="0"/>
+          <a:ext cx="0" cy="0"/>
+          <a:chOff x="0" y="0"/>
+          <a:chExt cx="0" cy="0"/>
+        </a:xfrm>
+      </p:grpSpPr>
+      <p:sp>
+        <p:nvSpPr>
+          <p:cNvPr id="2" name="Заголовок 1">
+            <a:extLst>
+              <a:ext uri="{FF2B5EF4-FFF2-40B4-BE49-F238E27FC236}">
+                <a16:creationId xmlns:a16="http://schemas.microsoft.com/office/drawing/2014/main" id="{C38F1159-8CEB-AB9D-4AE9-073A0CA33C6E}"/>
+              </a:ext>
+            </a:extLst>
+          </p:cNvPr>
+          <p:cNvSpPr>
+            <a:spLocks noGrp="1"/>
+          </p:cNvSpPr>
+          <p:nvPr>
+            <p:ph type="title"/>
+          </p:nvPr>
+        </p:nvSpPr>
+        <p:spPr>
+          <a:xfrm>
+            <a:off x="914402" y="914400"/>
+            <a:ext cx="4766661" cy="1047023"/>
+          </a:xfrm>
+        </p:spPr>
+        <p:txBody>
+          <a:bodyPr>
+            <a:normAutofit/>
+          </a:bodyPr>
+          <a:lstStyle/>
+          <a:p>
+            <a:r>
+              <a:rPr lang="ru-RU" dirty="0"/>
+              <a:t>Перспективы</a:t>
+            </a:r>
+          </a:p>
+        </p:txBody>
+      </p:sp>
+      <p:sp>
+        <p:nvSpPr>
+          <p:cNvPr id="3" name="Объект 2">
+            <a:extLst>
+              <a:ext uri="{FF2B5EF4-FFF2-40B4-BE49-F238E27FC236}">
+                <a16:creationId xmlns:a16="http://schemas.microsoft.com/office/drawing/2014/main" id="{778927F3-F90F-C387-85F4-9610CB4F5833}"/>
+              </a:ext>
+            </a:extLst>
+          </p:cNvPr>
+          <p:cNvSpPr>
+            <a:spLocks noGrp="1"/>
+          </p:cNvSpPr>
+          <p:nvPr>
+            <p:ph idx="1"/>
+          </p:nvPr>
+        </p:nvSpPr>
+        <p:spPr>
+          <a:xfrm>
+            <a:off x="914400" y="2156867"/>
+            <a:ext cx="4766661" cy="3784963"/>
+          </a:xfrm>
+        </p:spPr>
+        <p:txBody>
+          <a:bodyPr>
+            <a:normAutofit/>
+          </a:bodyPr>
+          <a:lstStyle/>
+          <a:p>
+            <a:pPr>
+              <a:lnSpc>
+                <a:spcPct val="110000"/>
+              </a:lnSpc>
+            </a:pPr>
+            <a:r>
+              <a:rPr lang="ru-RU" sz="1200" dirty="0"/>
+              <a:t>Единая интерактивная система образования позволит создать одну платформу для всех учащихся – школьники смогут взаимодействовать друг с другом по всей России, выполнять совместные проекты, проводимые платформой, и помогать друг другу</a:t>
+            </a:r>
+          </a:p>
+          <a:p>
+            <a:pPr>
+              <a:lnSpc>
+                <a:spcPct val="110000"/>
+              </a:lnSpc>
+            </a:pPr>
+            <a:r>
+              <a:rPr lang="ru-RU" sz="1200" dirty="0"/>
+              <a:t>Расширение платформы в сторону полноценного дополнительного профессионального образования с целью увеличения количества специалистов и привлечения финансов</a:t>
+            </a:r>
+          </a:p>
+          <a:p>
+            <a:pPr>
+              <a:lnSpc>
+                <a:spcPct val="110000"/>
+              </a:lnSpc>
+            </a:pPr>
+            <a:r>
+              <a:rPr lang="ru-RU" sz="1200" dirty="0"/>
+              <a:t>Проведение аналогичных шагов с высшим образованием</a:t>
+            </a:r>
+          </a:p>
+          <a:p>
+            <a:pPr>
+              <a:lnSpc>
+                <a:spcPct val="110000"/>
+              </a:lnSpc>
+            </a:pPr>
+            <a:r>
+              <a:rPr lang="ru-RU" sz="1200" dirty="0"/>
+              <a:t>Проведение олимпиад</a:t>
+            </a:r>
+          </a:p>
+          <a:p>
+            <a:pPr>
+              <a:lnSpc>
+                <a:spcPct val="110000"/>
+              </a:lnSpc>
+            </a:pPr>
+            <a:r>
+              <a:rPr lang="ru-RU" sz="1200" dirty="0"/>
+              <a:t>Российский аналог </a:t>
+            </a:r>
+            <a:r>
+              <a:rPr lang="en-US" sz="1200" dirty="0"/>
+              <a:t>Coursera</a:t>
+            </a:r>
+            <a:endParaRPr lang="ru-RU" sz="1200" dirty="0"/>
+          </a:p>
+        </p:txBody>
+      </p:sp>
+      <p:pic>
+        <p:nvPicPr>
+          <p:cNvPr id="5" name="Picture 4" descr="Железная дорога, проходящая через пустыню">
+            <a:extLst>
+              <a:ext uri="{FF2B5EF4-FFF2-40B4-BE49-F238E27FC236}">
+                <a16:creationId xmlns:a16="http://schemas.microsoft.com/office/drawing/2014/main" id="{B84A2760-86CA-1E41-2F67-3A2C6C3F9ABF}"/>
+              </a:ext>
+            </a:extLst>
+          </p:cNvPr>
+          <p:cNvPicPr>
+            <a:picLocks noChangeAspect="1"/>
+          </p:cNvPicPr>
+          <p:nvPr/>
+        </p:nvPicPr>
+        <p:blipFill rotWithShape="1">
+          <a:blip r:embed="rId2"/>
+          <a:srcRect t="34209" r="-2" b="218"/>
+          <a:stretch/>
+        </p:blipFill>
+        <p:spPr>
+          <a:xfrm>
+            <a:off x="6510938" y="1009650"/>
+            <a:ext cx="5681061" cy="4656484"/>
+          </a:xfrm>
+          <a:prstGeom prst="rect">
+            <a:avLst/>
+          </a:prstGeom>
+          <a:noFill/>
+        </p:spPr>
+      </p:pic>
+      <p:sp>
+        <p:nvSpPr>
+          <p:cNvPr id="9" name="Date Placeholder 3">
+            <a:extLst>
+              <a:ext uri="{FF2B5EF4-FFF2-40B4-BE49-F238E27FC236}">
+                <a16:creationId xmlns:a16="http://schemas.microsoft.com/office/drawing/2014/main" id="{1F044AAC-B761-4B43-A7F5-E83A2E6C3D2E}"/>
+              </a:ext>
+            </a:extLst>
+          </p:cNvPr>
+          <p:cNvSpPr>
+            <a:spLocks noGrp="1"/>
+          </p:cNvSpPr>
+          <p:nvPr>
+            <p:ph type="dt" sz="half" idx="10"/>
+          </p:nvPr>
+        </p:nvSpPr>
+        <p:spPr>
+          <a:xfrm>
+            <a:off x="912628" y="6356350"/>
+            <a:ext cx="2743200" cy="365125"/>
+          </a:xfrm>
+        </p:spPr>
+        <p:txBody>
+          <a:bodyPr>
+            <a:normAutofit/>
+          </a:bodyPr>
+          <a:lstStyle/>
+          <a:p>
+            <a:pPr>
+              <a:spcAft>
+                <a:spcPts val="600"/>
+              </a:spcAft>
+            </a:pPr>
+            <a:fld id="{238A62C4-9532-477E-82D0-1BD0CBC71971}" type="datetime1">
+              <a:rPr lang="en-US" smtClean="0">
+                <a:effectLst>
+                  <a:outerShdw blurRad="38100" dist="38100" dir="2700000" algn="tl">
+                    <a:srgbClr val="000000">
+                      <a:alpha val="43137"/>
+                    </a:srgbClr>
+                  </a:outerShdw>
+                </a:effectLst>
+              </a:rPr>
+              <a:pPr>
+                <a:spcAft>
+                  <a:spcPts val="600"/>
+                </a:spcAft>
+              </a:pPr>
+              <a:t>3/3/2024</a:t>
+            </a:fld>
+            <a:endParaRPr lang="en-US">
+              <a:effectLst>
+                <a:outerShdw blurRad="38100" dist="38100" dir="2700000" algn="tl">
+                  <a:srgbClr val="000000">
+                    <a:alpha val="43137"/>
+                  </a:srgbClr>
+                </a:outerShdw>
+              </a:effectLst>
+            </a:endParaRPr>
+          </a:p>
+        </p:txBody>
+      </p:sp>
+      <p:sp>
+        <p:nvSpPr>
+          <p:cNvPr id="11" name="Footer Placeholder 4">
+            <a:extLst>
+              <a:ext uri="{FF2B5EF4-FFF2-40B4-BE49-F238E27FC236}">
+                <a16:creationId xmlns:a16="http://schemas.microsoft.com/office/drawing/2014/main" id="{5A5D6226-C153-4C5F-B30C-5656FEDF3F73}"/>
+              </a:ext>
+            </a:extLst>
+          </p:cNvPr>
+          <p:cNvSpPr>
+            <a:spLocks noGrp="1"/>
+          </p:cNvSpPr>
+          <p:nvPr>
+            <p:ph type="ftr" sz="quarter" idx="11"/>
+          </p:nvPr>
+        </p:nvSpPr>
+        <p:spPr>
+          <a:xfrm>
+            <a:off x="6767622" y="6356350"/>
+            <a:ext cx="4040373" cy="365125"/>
+          </a:xfrm>
+        </p:spPr>
+        <p:txBody>
+          <a:bodyPr>
+            <a:normAutofit/>
+          </a:bodyPr>
+          <a:lstStyle/>
+          <a:p>
+            <a:pPr>
+              <a:spcAft>
+                <a:spcPts val="600"/>
+              </a:spcAft>
+            </a:pPr>
+            <a:r>
+              <a:rPr lang="en-US" dirty="0"/>
+              <a:t>Sample Footer Text</a:t>
+            </a:r>
+          </a:p>
+        </p:txBody>
+      </p:sp>
+      <p:sp>
+        <p:nvSpPr>
+          <p:cNvPr id="13" name="Slide Number Placeholder 5">
+            <a:extLst>
+              <a:ext uri="{FF2B5EF4-FFF2-40B4-BE49-F238E27FC236}">
+                <a16:creationId xmlns:a16="http://schemas.microsoft.com/office/drawing/2014/main" id="{86091187-3CD7-4891-BB4A-9A3F2309F149}"/>
+              </a:ext>
+            </a:extLst>
+          </p:cNvPr>
+          <p:cNvSpPr>
+            <a:spLocks noGrp="1"/>
+          </p:cNvSpPr>
+          <p:nvPr>
+            <p:ph type="sldNum" sz="quarter" idx="12"/>
+          </p:nvPr>
+        </p:nvSpPr>
+        <p:spPr>
+          <a:xfrm>
+            <a:off x="10807995" y="6356350"/>
+            <a:ext cx="723014" cy="365125"/>
+          </a:xfrm>
+        </p:spPr>
+        <p:txBody>
+          <a:bodyPr>
+            <a:normAutofit/>
+          </a:bodyPr>
+          <a:lstStyle/>
+          <a:p>
+            <a:pPr>
+              <a:spcAft>
+                <a:spcPts val="600"/>
+              </a:spcAft>
+            </a:pPr>
+            <a:fld id="{2B6A0707-BFCA-4BDD-8B25-E2A14A0F80A6}" type="slidenum">
+              <a:rPr lang="en-US" smtClean="0"/>
+              <a:pPr>
+                <a:spcAft>
+                  <a:spcPts val="600"/>
+                </a:spcAft>
+              </a:pPr>
+              <a:t>3</a:t>
+            </a:fld>
+            <a:endParaRPr lang="en-US" dirty="0"/>
+          </a:p>
+        </p:txBody>
+      </p:sp>
+    </p:spTree>
+    <p:extLst>
+      <p:ext uri="{BB962C8B-B14F-4D97-AF65-F5344CB8AC3E}">
+        <p14:creationId xmlns:p14="http://schemas.microsoft.com/office/powerpoint/2010/main" val="3181034"/>
+      </p:ext>
+    </p:extLst>
+  </p:cSld>
+  <p:clrMapOvr>
+    <a:masterClrMapping/>
+  </p:clrMapOvr>
+</p:sld>
+</file>
+
+<file path=ppt/slides/slide4.xml><?xml version="1.0" encoding="utf-8"?>
+<p:sld xmlns:a="http://schemas.openxmlformats.org/drawingml/2006/main" xmlns:r="http://schemas.openxmlformats.org/officeDocument/2006/relationships" xmlns:p="http://schemas.openxmlformats.org/presentationml/2006/main">
+  <p:cSld>
+    <p:spTree>
+      <p:nvGrpSpPr>
+        <p:cNvPr id="1" name=""/>
+        <p:cNvGrpSpPr/>
+        <p:nvPr/>
+      </p:nvGrpSpPr>
+      <p:grpSpPr>
+        <a:xfrm>
+          <a:off x="0" y="0"/>
+          <a:ext cx="0" cy="0"/>
+          <a:chOff x="0" y="0"/>
+          <a:chExt cx="0" cy="0"/>
+        </a:xfrm>
+      </p:grpSpPr>
+      <p:sp>
+        <p:nvSpPr>
+          <p:cNvPr id="2" name="Заголовок 1">
+            <a:extLst>
+              <a:ext uri="{FF2B5EF4-FFF2-40B4-BE49-F238E27FC236}">
+                <a16:creationId xmlns:a16="http://schemas.microsoft.com/office/drawing/2014/main" id="{D810DFF3-9AE5-25D4-4F8C-177640BDEC3A}"/>
+              </a:ext>
+            </a:extLst>
+          </p:cNvPr>
+          <p:cNvSpPr>
+            <a:spLocks noGrp="1"/>
+          </p:cNvSpPr>
+          <p:nvPr>
+            <p:ph type="title"/>
+          </p:nvPr>
+        </p:nvSpPr>
+        <p:spPr>
+          <a:xfrm>
+            <a:off x="7353038" y="1371600"/>
+            <a:ext cx="3924562" cy="1314443"/>
+          </a:xfrm>
+        </p:spPr>
+        <p:txBody>
+          <a:bodyPr>
+            <a:normAutofit/>
+          </a:bodyPr>
+          <a:lstStyle/>
+          <a:p>
+            <a:r>
+              <a:rPr lang="ru-RU" dirty="0"/>
+              <a:t>Кто наша аудитория?</a:t>
+            </a:r>
+          </a:p>
+        </p:txBody>
+      </p:sp>
+      <p:sp>
+        <p:nvSpPr>
+          <p:cNvPr id="3" name="Объект 2">
+            <a:extLst>
+              <a:ext uri="{FF2B5EF4-FFF2-40B4-BE49-F238E27FC236}">
+                <a16:creationId xmlns:a16="http://schemas.microsoft.com/office/drawing/2014/main" id="{AE64D211-4678-83DF-E892-07BE47D88177}"/>
+              </a:ext>
+            </a:extLst>
+          </p:cNvPr>
+          <p:cNvSpPr>
+            <a:spLocks noGrp="1"/>
+          </p:cNvSpPr>
+          <p:nvPr>
+            <p:ph idx="1"/>
+          </p:nvPr>
+        </p:nvSpPr>
+        <p:spPr>
+          <a:xfrm>
+            <a:off x="7353037" y="2853369"/>
+            <a:ext cx="3924562" cy="3088460"/>
+          </a:xfrm>
+        </p:spPr>
+        <p:txBody>
+          <a:bodyPr>
+            <a:normAutofit/>
+          </a:bodyPr>
+          <a:lstStyle/>
+          <a:p>
+            <a:pPr>
+              <a:lnSpc>
+                <a:spcPct val="110000"/>
+              </a:lnSpc>
+            </a:pPr>
+            <a:r>
+              <a:rPr lang="ru-RU" sz="1600" dirty="0"/>
+              <a:t>Школьники</a:t>
+            </a:r>
+          </a:p>
+          <a:p>
+            <a:pPr>
+              <a:lnSpc>
+                <a:spcPct val="110000"/>
+              </a:lnSpc>
+            </a:pPr>
+            <a:r>
+              <a:rPr lang="ru-RU" sz="1600" dirty="0"/>
+              <a:t>Студенты</a:t>
+            </a:r>
+          </a:p>
+          <a:p>
+            <a:pPr>
+              <a:lnSpc>
+                <a:spcPct val="110000"/>
+              </a:lnSpc>
+            </a:pPr>
+            <a:r>
+              <a:rPr lang="ru-RU" sz="1600" dirty="0"/>
+              <a:t>Люди, испытывающие затруднения в своей профессиональной деятельности, поскольку не обладают полными знаниями в своей сфере</a:t>
+            </a:r>
+          </a:p>
+        </p:txBody>
+      </p:sp>
+      <p:pic>
+        <p:nvPicPr>
+          <p:cNvPr id="5" name="Picture 4" descr="Большая группа парашютистов в воздухе">
+            <a:extLst>
+              <a:ext uri="{FF2B5EF4-FFF2-40B4-BE49-F238E27FC236}">
+                <a16:creationId xmlns:a16="http://schemas.microsoft.com/office/drawing/2014/main" id="{03C2371C-6590-94A7-5522-1296AC432F59}"/>
+              </a:ext>
+            </a:extLst>
+          </p:cNvPr>
+          <p:cNvPicPr>
+            <a:picLocks noChangeAspect="1"/>
+          </p:cNvPicPr>
+          <p:nvPr/>
+        </p:nvPicPr>
+        <p:blipFill rotWithShape="1">
+          <a:blip r:embed="rId2"/>
+          <a:srcRect l="18814" r="18036"/>
+          <a:stretch/>
+        </p:blipFill>
+        <p:spPr>
+          <a:xfrm>
+            <a:off x="20" y="10"/>
+            <a:ext cx="6512527" cy="6857990"/>
+          </a:xfrm>
+          <a:prstGeom prst="rect">
+            <a:avLst/>
+          </a:prstGeom>
+          <a:noFill/>
+        </p:spPr>
+      </p:pic>
+      <p:sp>
+        <p:nvSpPr>
+          <p:cNvPr id="9" name="Date Placeholder 3">
+            <a:extLst>
+              <a:ext uri="{FF2B5EF4-FFF2-40B4-BE49-F238E27FC236}">
+                <a16:creationId xmlns:a16="http://schemas.microsoft.com/office/drawing/2014/main" id="{1F044AAC-B761-4B43-A7F5-E83A2E6C3D2E}"/>
+              </a:ext>
+            </a:extLst>
+          </p:cNvPr>
+          <p:cNvSpPr>
+            <a:spLocks noGrp="1"/>
+          </p:cNvSpPr>
+          <p:nvPr>
+            <p:ph type="dt" sz="half" idx="10"/>
+          </p:nvPr>
+        </p:nvSpPr>
+        <p:spPr>
+          <a:xfrm>
+            <a:off x="912628" y="6356350"/>
+            <a:ext cx="2743200" cy="365125"/>
+          </a:xfrm>
+        </p:spPr>
+        <p:txBody>
+          <a:bodyPr>
+            <a:normAutofit/>
+          </a:bodyPr>
+          <a:lstStyle/>
+          <a:p>
+            <a:pPr>
+              <a:spcAft>
+                <a:spcPts val="600"/>
+              </a:spcAft>
+            </a:pPr>
+            <a:fld id="{238A62C4-9532-477E-82D0-1BD0CBC71971}" type="datetime1">
+              <a:rPr lang="en-US" smtClean="0">
+                <a:solidFill>
+                  <a:srgbClr val="FFFFFF"/>
+                </a:solidFill>
+                <a:effectLst>
+                  <a:outerShdw blurRad="38100" dist="38100" dir="2700000" algn="tl">
+                    <a:srgbClr val="000000">
+                      <a:alpha val="43137"/>
+                    </a:srgbClr>
+                  </a:outerShdw>
+                </a:effectLst>
+              </a:rPr>
+              <a:pPr>
+                <a:spcAft>
+                  <a:spcPts val="600"/>
+                </a:spcAft>
+              </a:pPr>
+              <a:t>3/3/2024</a:t>
+            </a:fld>
+            <a:endParaRPr lang="en-US" dirty="0">
+              <a:solidFill>
+                <a:srgbClr val="FFFFFF"/>
+              </a:solidFill>
+              <a:effectLst>
+                <a:outerShdw blurRad="38100" dist="38100" dir="2700000" algn="tl">
+                  <a:srgbClr val="000000">
+                    <a:alpha val="43137"/>
+                  </a:srgbClr>
+                </a:outerShdw>
+              </a:effectLst>
+            </a:endParaRPr>
+          </a:p>
+        </p:txBody>
+      </p:sp>
+      <p:sp>
+        <p:nvSpPr>
+          <p:cNvPr id="11" name="Footer Placeholder 4">
+            <a:extLst>
+              <a:ext uri="{FF2B5EF4-FFF2-40B4-BE49-F238E27FC236}">
+                <a16:creationId xmlns:a16="http://schemas.microsoft.com/office/drawing/2014/main" id="{5A5D6226-C153-4C5F-B30C-5656FEDF3F73}"/>
+              </a:ext>
+            </a:extLst>
+          </p:cNvPr>
+          <p:cNvSpPr>
+            <a:spLocks noGrp="1"/>
+          </p:cNvSpPr>
+          <p:nvPr>
+            <p:ph type="ftr" sz="quarter" idx="11"/>
+          </p:nvPr>
+        </p:nvSpPr>
+        <p:spPr>
+          <a:xfrm>
+            <a:off x="6767622" y="6356350"/>
+            <a:ext cx="4040373" cy="365125"/>
+          </a:xfrm>
+        </p:spPr>
+        <p:txBody>
+          <a:bodyPr>
+            <a:normAutofit/>
+          </a:bodyPr>
+          <a:lstStyle/>
+          <a:p>
+            <a:pPr>
+              <a:spcAft>
+                <a:spcPts val="600"/>
+              </a:spcAft>
+            </a:pPr>
+            <a:r>
+              <a:rPr lang="en-US" dirty="0"/>
+              <a:t>Sample Footer Text</a:t>
+            </a:r>
+          </a:p>
+        </p:txBody>
+      </p:sp>
+      <p:sp>
+        <p:nvSpPr>
+          <p:cNvPr id="13" name="Slide Number Placeholder 5">
+            <a:extLst>
+              <a:ext uri="{FF2B5EF4-FFF2-40B4-BE49-F238E27FC236}">
+                <a16:creationId xmlns:a16="http://schemas.microsoft.com/office/drawing/2014/main" id="{86091187-3CD7-4891-BB4A-9A3F2309F149}"/>
+              </a:ext>
+            </a:extLst>
+          </p:cNvPr>
+          <p:cNvSpPr>
+            <a:spLocks noGrp="1"/>
+          </p:cNvSpPr>
+          <p:nvPr>
+            <p:ph type="sldNum" sz="quarter" idx="12"/>
+          </p:nvPr>
+        </p:nvSpPr>
+        <p:spPr>
+          <a:xfrm>
+            <a:off x="10807995" y="6356350"/>
+            <a:ext cx="723014" cy="365125"/>
+          </a:xfrm>
+        </p:spPr>
+        <p:txBody>
+          <a:bodyPr>
+            <a:normAutofit/>
+          </a:bodyPr>
+          <a:lstStyle/>
+          <a:p>
+            <a:pPr>
+              <a:spcAft>
+                <a:spcPts val="600"/>
+              </a:spcAft>
+            </a:pPr>
+            <a:fld id="{2B6A0707-BFCA-4BDD-8B25-E2A14A0F80A6}" type="slidenum">
+              <a:rPr lang="en-US" smtClean="0"/>
+              <a:pPr>
+                <a:spcAft>
+                  <a:spcPts val="600"/>
+                </a:spcAft>
+              </a:pPr>
+              <a:t>4</a:t>
+            </a:fld>
+            <a:endParaRPr lang="en-US" dirty="0"/>
+          </a:p>
+        </p:txBody>
+      </p:sp>
+    </p:spTree>
+    <p:extLst>
+      <p:ext uri="{BB962C8B-B14F-4D97-AF65-F5344CB8AC3E}">
+        <p14:creationId xmlns:p14="http://schemas.microsoft.com/office/powerpoint/2010/main" val="1669772732"/>
+      </p:ext>
+    </p:extLst>
+  </p:cSld>
+  <p:clrMapOvr>
+    <a:masterClrMapping/>
+  </p:clrMapOvr>
+</p:sld>
+</file>
+
+<file path=ppt/slides/slide5.xml><?xml version="1.0" encoding="utf-8"?>
+<p:sld xmlns:a="http://schemas.openxmlformats.org/drawingml/2006/main" xmlns:r="http://schemas.openxmlformats.org/officeDocument/2006/relationships" xmlns:p="http://schemas.openxmlformats.org/presentationml/2006/main">
+  <p:cSld>
+    <p:spTree>
+      <p:nvGrpSpPr>
+        <p:cNvPr id="1" name=""/>
+        <p:cNvGrpSpPr/>
+        <p:nvPr/>
+      </p:nvGrpSpPr>
+      <p:grpSpPr>
+        <a:xfrm>
+          <a:off x="0" y="0"/>
+          <a:ext cx="0" cy="0"/>
+          <a:chOff x="0" y="0"/>
+          <a:chExt cx="0" cy="0"/>
+        </a:xfrm>
+      </p:grpSpPr>
+      <p:sp>
+        <p:nvSpPr>
+          <p:cNvPr id="2" name="Заголовок 1">
+            <a:extLst>
+              <a:ext uri="{FF2B5EF4-FFF2-40B4-BE49-F238E27FC236}">
+                <a16:creationId xmlns:a16="http://schemas.microsoft.com/office/drawing/2014/main" id="{69128617-1E2A-A8DB-B048-BB48373E8448}"/>
+              </a:ext>
+            </a:extLst>
+          </p:cNvPr>
+          <p:cNvSpPr>
+            <a:spLocks noGrp="1"/>
+          </p:cNvSpPr>
+          <p:nvPr>
+            <p:ph type="title"/>
+          </p:nvPr>
+        </p:nvSpPr>
+        <p:spPr>
+          <a:xfrm>
+            <a:off x="914400" y="1371600"/>
+            <a:ext cx="4079987" cy="1314443"/>
+          </a:xfrm>
+        </p:spPr>
+        <p:txBody>
+          <a:bodyPr>
+            <a:normAutofit/>
+          </a:bodyPr>
+          <a:lstStyle/>
+          <a:p>
+            <a:pPr>
+              <a:lnSpc>
+                <a:spcPct val="90000"/>
+              </a:lnSpc>
+            </a:pPr>
+            <a:r>
+              <a:rPr lang="ru-RU" sz="2800" dirty="0"/>
+              <a:t>Проект как стартап, или где взять клиентов</a:t>
+            </a:r>
+          </a:p>
+        </p:txBody>
+      </p:sp>
+      <p:sp>
+        <p:nvSpPr>
+          <p:cNvPr id="3" name="Объект 2">
+            <a:extLst>
+              <a:ext uri="{FF2B5EF4-FFF2-40B4-BE49-F238E27FC236}">
+                <a16:creationId xmlns:a16="http://schemas.microsoft.com/office/drawing/2014/main" id="{F41479B7-D51D-AA2B-3556-AD2BA2EB9095}"/>
+              </a:ext>
+            </a:extLst>
+          </p:cNvPr>
+          <p:cNvSpPr>
+            <a:spLocks noGrp="1"/>
+          </p:cNvSpPr>
+          <p:nvPr>
+            <p:ph idx="1"/>
+          </p:nvPr>
+        </p:nvSpPr>
+        <p:spPr>
+          <a:xfrm>
+            <a:off x="914400" y="2853369"/>
+            <a:ext cx="4079988" cy="3088460"/>
+          </a:xfrm>
+        </p:spPr>
+        <p:txBody>
+          <a:bodyPr>
+            <a:normAutofit/>
+          </a:bodyPr>
+          <a:lstStyle/>
+          <a:p>
+            <a:pPr>
+              <a:lnSpc>
+                <a:spcPct val="110000"/>
+              </a:lnSpc>
+            </a:pPr>
+            <a:r>
+              <a:rPr lang="ru-RU" sz="1100" dirty="0"/>
+              <a:t>Школьная программа будет предоставляться на бесплатной основе, таким образом каждый год можно охватывать свыше нескольких миллионов человек (в 2023 году в университеты поступило около 1,2 миллиона человек)</a:t>
+            </a:r>
+          </a:p>
+          <a:p>
+            <a:pPr>
+              <a:lnSpc>
+                <a:spcPct val="110000"/>
+              </a:lnSpc>
+            </a:pPr>
+            <a:r>
+              <a:rPr lang="ru-RU" sz="1100" dirty="0"/>
+              <a:t>Для привлечения школьной аудитории школьный материал будет дополнен материалами из ЕГЭ, таким образом будет совмещено общее образование и подготовка к экзаменам</a:t>
+            </a:r>
+          </a:p>
+          <a:p>
+            <a:pPr>
+              <a:lnSpc>
+                <a:spcPct val="110000"/>
+              </a:lnSpc>
+            </a:pPr>
+            <a:r>
+              <a:rPr lang="ru-RU" sz="1100" dirty="0"/>
+              <a:t>Студенты (в России более 4,5 миллионов студентов)</a:t>
+            </a:r>
+          </a:p>
+          <a:p>
+            <a:pPr>
+              <a:lnSpc>
+                <a:spcPct val="110000"/>
+              </a:lnSpc>
+            </a:pPr>
+            <a:r>
+              <a:rPr lang="ru-RU" sz="1100" dirty="0"/>
+              <a:t>Рынок образования – особенный. Он динамичен, клиент пробует множество продуктов, отпадает необходимость в их переманивании. </a:t>
+            </a:r>
+          </a:p>
+        </p:txBody>
+      </p:sp>
+      <p:pic>
+        <p:nvPicPr>
+          <p:cNvPr id="5" name="Picture 4" descr="Очки на книге">
+            <a:extLst>
+              <a:ext uri="{FF2B5EF4-FFF2-40B4-BE49-F238E27FC236}">
+                <a16:creationId xmlns:a16="http://schemas.microsoft.com/office/drawing/2014/main" id="{00F0A034-6D1C-C27C-D48B-DFF20B635899}"/>
+              </a:ext>
+            </a:extLst>
+          </p:cNvPr>
+          <p:cNvPicPr>
+            <a:picLocks noChangeAspect="1"/>
+          </p:cNvPicPr>
+          <p:nvPr/>
+        </p:nvPicPr>
+        <p:blipFill rotWithShape="1">
+          <a:blip r:embed="rId2"/>
+          <a:srcRect l="5877" r="31209" b="-1"/>
+          <a:stretch/>
+        </p:blipFill>
+        <p:spPr>
+          <a:xfrm>
+            <a:off x="6003308" y="643467"/>
+            <a:ext cx="5290484" cy="5571065"/>
+          </a:xfrm>
+          <a:prstGeom prst="rect">
+            <a:avLst/>
+          </a:prstGeom>
+          <a:noFill/>
+        </p:spPr>
+      </p:pic>
+      <p:sp>
+        <p:nvSpPr>
+          <p:cNvPr id="9" name="Date Placeholder 3">
+            <a:extLst>
+              <a:ext uri="{FF2B5EF4-FFF2-40B4-BE49-F238E27FC236}">
+                <a16:creationId xmlns:a16="http://schemas.microsoft.com/office/drawing/2014/main" id="{1F044AAC-B761-4B43-A7F5-E83A2E6C3D2E}"/>
+              </a:ext>
+            </a:extLst>
+          </p:cNvPr>
+          <p:cNvSpPr>
+            <a:spLocks noGrp="1"/>
+          </p:cNvSpPr>
+          <p:nvPr>
+            <p:ph type="dt" sz="half" idx="10"/>
+          </p:nvPr>
+        </p:nvSpPr>
+        <p:spPr>
+          <a:xfrm>
+            <a:off x="912628" y="6356350"/>
+            <a:ext cx="2743200" cy="365125"/>
+          </a:xfrm>
+        </p:spPr>
+        <p:txBody>
+          <a:bodyPr>
+            <a:normAutofit/>
+          </a:bodyPr>
+          <a:lstStyle/>
+          <a:p>
+            <a:pPr>
+              <a:spcAft>
+                <a:spcPts val="600"/>
+              </a:spcAft>
+            </a:pPr>
+            <a:fld id="{238A62C4-9532-477E-82D0-1BD0CBC71971}" type="datetime1">
+              <a:rPr lang="en-US" smtClean="0"/>
+              <a:pPr>
+                <a:spcAft>
+                  <a:spcPts val="600"/>
+                </a:spcAft>
+              </a:pPr>
+              <a:t>3/3/2024</a:t>
+            </a:fld>
+            <a:endParaRPr lang="en-US" dirty="0"/>
+          </a:p>
+        </p:txBody>
+      </p:sp>
+      <p:sp>
+        <p:nvSpPr>
+          <p:cNvPr id="11" name="Footer Placeholder 4">
+            <a:extLst>
+              <a:ext uri="{FF2B5EF4-FFF2-40B4-BE49-F238E27FC236}">
+                <a16:creationId xmlns:a16="http://schemas.microsoft.com/office/drawing/2014/main" id="{5A5D6226-C153-4C5F-B30C-5656FEDF3F73}"/>
+              </a:ext>
+            </a:extLst>
+          </p:cNvPr>
+          <p:cNvSpPr>
+            <a:spLocks noGrp="1"/>
+          </p:cNvSpPr>
+          <p:nvPr>
+            <p:ph type="ftr" sz="quarter" idx="11"/>
+          </p:nvPr>
+        </p:nvSpPr>
+        <p:spPr>
+          <a:xfrm>
+            <a:off x="6767622" y="6356350"/>
+            <a:ext cx="4040373" cy="365125"/>
+          </a:xfrm>
+        </p:spPr>
+        <p:txBody>
+          <a:bodyPr>
+            <a:normAutofit/>
+          </a:bodyPr>
+          <a:lstStyle/>
+          <a:p>
+            <a:pPr>
+              <a:spcAft>
+                <a:spcPts val="600"/>
+              </a:spcAft>
+            </a:pPr>
+            <a:r>
+              <a:rPr lang="en-US">
+                <a:effectLst>
+                  <a:outerShdw blurRad="38100" dist="38100" dir="2700000" algn="tl">
+                    <a:srgbClr val="000000">
+                      <a:alpha val="43137"/>
+                    </a:srgbClr>
+                  </a:outerShdw>
+                </a:effectLst>
+              </a:rPr>
+              <a:t>Sample Footer Text</a:t>
+            </a:r>
+          </a:p>
+        </p:txBody>
+      </p:sp>
+      <p:sp>
+        <p:nvSpPr>
+          <p:cNvPr id="13" name="Slide Number Placeholder 5">
+            <a:extLst>
+              <a:ext uri="{FF2B5EF4-FFF2-40B4-BE49-F238E27FC236}">
+                <a16:creationId xmlns:a16="http://schemas.microsoft.com/office/drawing/2014/main" id="{86091187-3CD7-4891-BB4A-9A3F2309F149}"/>
+              </a:ext>
+            </a:extLst>
+          </p:cNvPr>
+          <p:cNvSpPr>
+            <a:spLocks noGrp="1"/>
+          </p:cNvSpPr>
+          <p:nvPr>
+            <p:ph type="sldNum" sz="quarter" idx="12"/>
+          </p:nvPr>
+        </p:nvSpPr>
+        <p:spPr>
+          <a:xfrm>
+            <a:off x="10807995" y="6356350"/>
+            <a:ext cx="723014" cy="365125"/>
+          </a:xfrm>
+        </p:spPr>
+        <p:txBody>
+          <a:bodyPr>
+            <a:normAutofit/>
+          </a:bodyPr>
+          <a:lstStyle/>
+          <a:p>
+            <a:pPr>
+              <a:spcAft>
+                <a:spcPts val="600"/>
+              </a:spcAft>
+            </a:pPr>
+            <a:fld id="{2B6A0707-BFCA-4BDD-8B25-E2A14A0F80A6}" type="slidenum">
+              <a:rPr lang="en-US" smtClean="0">
+                <a:effectLst>
+                  <a:outerShdw blurRad="38100" dist="38100" dir="2700000" algn="tl">
+                    <a:srgbClr val="000000">
+                      <a:alpha val="43137"/>
+                    </a:srgbClr>
+                  </a:outerShdw>
+                </a:effectLst>
+              </a:rPr>
+              <a:pPr>
+                <a:spcAft>
+                  <a:spcPts val="600"/>
+                </a:spcAft>
+              </a:pPr>
+              <a:t>5</a:t>
+            </a:fld>
+            <a:endParaRPr lang="en-US">
+              <a:effectLst>
+                <a:outerShdw blurRad="38100" dist="38100" dir="2700000" algn="tl">
+                  <a:srgbClr val="000000">
+                    <a:alpha val="43137"/>
+                  </a:srgbClr>
+                </a:outerShdw>
+              </a:effectLst>
+            </a:endParaRPr>
+          </a:p>
+        </p:txBody>
+      </p:sp>
+    </p:spTree>
+    <p:extLst>
+      <p:ext uri="{BB962C8B-B14F-4D97-AF65-F5344CB8AC3E}">
+        <p14:creationId xmlns:p14="http://schemas.microsoft.com/office/powerpoint/2010/main" val="2068386073"/>
+      </p:ext>
+    </p:extLst>
+  </p:cSld>
+  <p:clrMapOvr>
+    <a:masterClrMapping/>
+  </p:clrMapOvr>
+</p:sld>
+</file>
+
+<file path=ppt/slides/slide6.xml><?xml version="1.0" encoding="utf-8"?>
+<p:sld xmlns:a="http://schemas.openxmlformats.org/drawingml/2006/main" xmlns:r="http://schemas.openxmlformats.org/officeDocument/2006/relationships" xmlns:p="http://schemas.openxmlformats.org/presentationml/2006/main">
+  <p:cSld>
+    <p:spTree>
+      <p:nvGrpSpPr>
+        <p:cNvPr id="1" name=""/>
+        <p:cNvGrpSpPr/>
+        <p:nvPr/>
+      </p:nvGrpSpPr>
+      <p:grpSpPr>
+        <a:xfrm>
+          <a:off x="0" y="0"/>
+          <a:ext cx="0" cy="0"/>
+          <a:chOff x="0" y="0"/>
+          <a:chExt cx="0" cy="0"/>
+        </a:xfrm>
+      </p:grpSpPr>
+      <p:sp>
+        <p:nvSpPr>
+          <p:cNvPr id="2" name="Заголовок 1">
+            <a:extLst>
+              <a:ext uri="{FF2B5EF4-FFF2-40B4-BE49-F238E27FC236}">
+                <a16:creationId xmlns:a16="http://schemas.microsoft.com/office/drawing/2014/main" id="{1113005E-AC2E-66A6-366B-FDB70B89CFAB}"/>
+              </a:ext>
+            </a:extLst>
+          </p:cNvPr>
+          <p:cNvSpPr>
+            <a:spLocks noGrp="1"/>
+          </p:cNvSpPr>
+          <p:nvPr>
+            <p:ph type="title"/>
+          </p:nvPr>
+        </p:nvSpPr>
+        <p:spPr/>
+        <p:txBody>
+          <a:bodyPr/>
+          <a:lstStyle/>
+          <a:p>
+            <a:r>
+              <a:rPr lang="ru-RU" dirty="0"/>
+              <a:t>Возможности платформы</a:t>
+            </a:r>
+          </a:p>
+        </p:txBody>
+      </p:sp>
+      <p:sp>
+        <p:nvSpPr>
+          <p:cNvPr id="3" name="Объект 2">
+            <a:extLst>
+              <a:ext uri="{FF2B5EF4-FFF2-40B4-BE49-F238E27FC236}">
+                <a16:creationId xmlns:a16="http://schemas.microsoft.com/office/drawing/2014/main" id="{7CAF6EAC-2BC8-D851-76E4-B2A15A8DE63F}"/>
+              </a:ext>
+            </a:extLst>
+          </p:cNvPr>
+          <p:cNvSpPr>
+            <a:spLocks noGrp="1"/>
+          </p:cNvSpPr>
+          <p:nvPr>
+            <p:ph idx="1"/>
+          </p:nvPr>
+        </p:nvSpPr>
+        <p:spPr/>
+        <p:txBody>
+          <a:bodyPr>
+            <a:normAutofit fontScale="62500" lnSpcReduction="20000"/>
+          </a:bodyPr>
+          <a:lstStyle/>
+          <a:p>
+            <a:r>
+              <a:rPr lang="ru-RU" dirty="0"/>
+              <a:t>Программа с 9 по 11 класс предоставляется бесплатно, как и тренажер. На платной основе – связанные с ЕГЭ функции.</a:t>
+            </a:r>
+          </a:p>
+          <a:p>
+            <a:r>
+              <a:rPr lang="ru-RU" dirty="0"/>
+              <a:t>После необходимого теоретического введения и практики от преподавателя участники всех программ смогут перейти к практике в интерактивном тренажере, где будут собраны задачи для самостоятельного решения</a:t>
+            </a:r>
+          </a:p>
+          <a:p>
+            <a:r>
+              <a:rPr lang="ru-RU" dirty="0"/>
+              <a:t>Если школьник добавлен на платформу от школы, то он сможет видеть свой прогресс по освоению программ относительно других школьников</a:t>
+            </a:r>
+          </a:p>
+          <a:p>
+            <a:r>
+              <a:rPr lang="ru-RU" dirty="0"/>
+              <a:t>Создание от школ своих тестов для самостоятельного прохождения в качестве домашнего задания</a:t>
+            </a:r>
+          </a:p>
+          <a:p>
+            <a:r>
+              <a:rPr lang="ru-RU" dirty="0"/>
+              <a:t>ИИ будет сопровождать учеников на протяжении обучения (на платной основе)</a:t>
+            </a:r>
+          </a:p>
+          <a:p>
+            <a:r>
+              <a:rPr lang="ru-RU" dirty="0"/>
+              <a:t>Дополнительная информация в файлах к каждому занятию, где будет разобрано больше примеров из разных источников (олимпиады, вступительные экзамены, задачники)</a:t>
+            </a:r>
+          </a:p>
+          <a:p>
+            <a:r>
+              <a:rPr lang="ru-RU" dirty="0"/>
+              <a:t>Система </a:t>
+            </a:r>
+            <a:r>
+              <a:rPr lang="en-US" dirty="0"/>
+              <a:t>Peer – to – peer </a:t>
+            </a:r>
+            <a:r>
+              <a:rPr lang="ru-RU" dirty="0"/>
+              <a:t>позволит школьникам учиться на ошибках друг друга, платформа предоставит возможность создания запроса на помощь, который сможет принять другой участник платформы, объяснение будет проводится в видео формате</a:t>
+            </a:r>
+          </a:p>
+        </p:txBody>
+      </p:sp>
+    </p:spTree>
+    <p:extLst>
+      <p:ext uri="{BB962C8B-B14F-4D97-AF65-F5344CB8AC3E}">
+        <p14:creationId xmlns:p14="http://schemas.microsoft.com/office/powerpoint/2010/main" val="3620324103"/>
+      </p:ext>
+    </p:extLst>
+  </p:cSld>
+  <p:clrMapOvr>
+    <a:masterClrMapping/>
+  </p:clrMapOvr>
+</p:sld>
+</file>
+
+<file path=ppt/slides/slide7.xml><?xml version="1.0" encoding="utf-8"?>
+<p:sld xmlns:a="http://schemas.openxmlformats.org/drawingml/2006/main" xmlns:r="http://schemas.openxmlformats.org/officeDocument/2006/relationships" xmlns:p="http://schemas.openxmlformats.org/presentationml/2006/main">
+  <p:cSld>
+    <p:spTree>
+      <p:nvGrpSpPr>
+        <p:cNvPr id="1" name=""/>
+        <p:cNvGrpSpPr/>
+        <p:nvPr/>
+      </p:nvGrpSpPr>
+      <p:grpSpPr>
+        <a:xfrm>
+          <a:off x="0" y="0"/>
+          <a:ext cx="0" cy="0"/>
+          <a:chOff x="0" y="0"/>
+          <a:chExt cx="0" cy="0"/>
+        </a:xfrm>
+      </p:grpSpPr>
+      <p:sp>
+        <p:nvSpPr>
+          <p:cNvPr id="2" name="Заголовок 1">
+            <a:extLst>
+              <a:ext uri="{FF2B5EF4-FFF2-40B4-BE49-F238E27FC236}">
+                <a16:creationId xmlns:a16="http://schemas.microsoft.com/office/drawing/2014/main" id="{0F80FAF4-CBB6-7A45-CF8E-D15380319B6B}"/>
+              </a:ext>
+            </a:extLst>
+          </p:cNvPr>
+          <p:cNvSpPr>
+            <a:spLocks noGrp="1"/>
+          </p:cNvSpPr>
+          <p:nvPr>
+            <p:ph type="title"/>
+          </p:nvPr>
+        </p:nvSpPr>
+        <p:spPr>
+          <a:xfrm>
+            <a:off x="7353038" y="1371600"/>
+            <a:ext cx="3924562" cy="1314443"/>
+          </a:xfrm>
+        </p:spPr>
+        <p:txBody>
+          <a:bodyPr>
+            <a:normAutofit/>
+          </a:bodyPr>
+          <a:lstStyle/>
+          <a:p>
+            <a:r>
+              <a:rPr lang="ru-RU" dirty="0"/>
+              <a:t>Источники дохода</a:t>
+            </a:r>
+          </a:p>
+        </p:txBody>
+      </p:sp>
+      <p:sp>
+        <p:nvSpPr>
+          <p:cNvPr id="3" name="Объект 2">
+            <a:extLst>
+              <a:ext uri="{FF2B5EF4-FFF2-40B4-BE49-F238E27FC236}">
+                <a16:creationId xmlns:a16="http://schemas.microsoft.com/office/drawing/2014/main" id="{5C326E79-D323-E3B3-5D02-219C65A8B3DE}"/>
+              </a:ext>
+            </a:extLst>
+          </p:cNvPr>
+          <p:cNvSpPr>
+            <a:spLocks noGrp="1"/>
+          </p:cNvSpPr>
+          <p:nvPr>
+            <p:ph idx="1"/>
+          </p:nvPr>
+        </p:nvSpPr>
+        <p:spPr>
+          <a:xfrm>
+            <a:off x="7353037" y="2853369"/>
+            <a:ext cx="3924562" cy="3088460"/>
+          </a:xfrm>
+        </p:spPr>
+        <p:txBody>
+          <a:bodyPr>
+            <a:normAutofit fontScale="92500" lnSpcReduction="20000"/>
+          </a:bodyPr>
+          <a:lstStyle/>
+          <a:p>
+            <a:pPr>
+              <a:lnSpc>
+                <a:spcPct val="110000"/>
+              </a:lnSpc>
+            </a:pPr>
+            <a:r>
+              <a:rPr lang="ru-RU" dirty="0"/>
+              <a:t>Доход с подписок на материалы ЕГЭ и доступ к ИИ, возможность принимать участие в особенных образовательных мероприятиях (интенсивы)</a:t>
+            </a:r>
+          </a:p>
+          <a:p>
+            <a:pPr>
+              <a:lnSpc>
+                <a:spcPct val="110000"/>
+              </a:lnSpc>
+            </a:pPr>
+            <a:r>
+              <a:rPr lang="ru-RU" dirty="0"/>
+              <a:t>Государственные инвестиции</a:t>
+            </a:r>
+          </a:p>
+          <a:p>
+            <a:pPr>
+              <a:lnSpc>
+                <a:spcPct val="110000"/>
+              </a:lnSpc>
+            </a:pPr>
+            <a:r>
+              <a:rPr lang="ru-RU" dirty="0"/>
+              <a:t>Инвестиции частных лиц, заинтересованных в качественном образовании</a:t>
+            </a:r>
+          </a:p>
+        </p:txBody>
+      </p:sp>
+      <p:pic>
+        <p:nvPicPr>
+          <p:cNvPr id="5" name="Picture 4" descr="Документ с графиком и ручкой">
+            <a:extLst>
+              <a:ext uri="{FF2B5EF4-FFF2-40B4-BE49-F238E27FC236}">
+                <a16:creationId xmlns:a16="http://schemas.microsoft.com/office/drawing/2014/main" id="{3731F19E-413C-2712-A571-3543ED4A00F5}"/>
+              </a:ext>
+            </a:extLst>
+          </p:cNvPr>
+          <p:cNvPicPr>
+            <a:picLocks noChangeAspect="1"/>
+          </p:cNvPicPr>
+          <p:nvPr/>
+        </p:nvPicPr>
+        <p:blipFill rotWithShape="1">
+          <a:blip r:embed="rId2"/>
+          <a:srcRect l="25084" r="11528" b="-1"/>
+          <a:stretch/>
+        </p:blipFill>
+        <p:spPr>
+          <a:xfrm>
+            <a:off x="20" y="10"/>
+            <a:ext cx="6512527" cy="6857990"/>
+          </a:xfrm>
+          <a:prstGeom prst="rect">
+            <a:avLst/>
+          </a:prstGeom>
+          <a:noFill/>
+        </p:spPr>
+      </p:pic>
+      <p:sp>
+        <p:nvSpPr>
+          <p:cNvPr id="9" name="Date Placeholder 3">
+            <a:extLst>
+              <a:ext uri="{FF2B5EF4-FFF2-40B4-BE49-F238E27FC236}">
+                <a16:creationId xmlns:a16="http://schemas.microsoft.com/office/drawing/2014/main" id="{1F044AAC-B761-4B43-A7F5-E83A2E6C3D2E}"/>
+              </a:ext>
+            </a:extLst>
+          </p:cNvPr>
+          <p:cNvSpPr>
+            <a:spLocks noGrp="1"/>
+          </p:cNvSpPr>
+          <p:nvPr>
+            <p:ph type="dt" sz="half" idx="10"/>
+          </p:nvPr>
+        </p:nvSpPr>
+        <p:spPr>
+          <a:xfrm>
+            <a:off x="912628" y="6356350"/>
+            <a:ext cx="2743200" cy="365125"/>
+          </a:xfrm>
+        </p:spPr>
+        <p:txBody>
+          <a:bodyPr>
+            <a:normAutofit/>
+          </a:bodyPr>
+          <a:lstStyle/>
+          <a:p>
+            <a:pPr>
+              <a:spcAft>
+                <a:spcPts val="600"/>
+              </a:spcAft>
+            </a:pPr>
+            <a:fld id="{238A62C4-9532-477E-82D0-1BD0CBC71971}" type="datetime1">
+              <a:rPr lang="en-US">
+                <a:solidFill>
+                  <a:srgbClr val="FFFFFF"/>
+                </a:solidFill>
+              </a:rPr>
+              <a:pPr>
+                <a:spcAft>
+                  <a:spcPts val="600"/>
+                </a:spcAft>
+              </a:pPr>
+              <a:t>3/3/2024</a:t>
+            </a:fld>
+            <a:endParaRPr lang="en-US">
+              <a:solidFill>
+                <a:srgbClr val="FFFFFF"/>
+              </a:solidFill>
+            </a:endParaRPr>
+          </a:p>
+        </p:txBody>
+      </p:sp>
+      <p:sp>
+        <p:nvSpPr>
+          <p:cNvPr id="11" name="Footer Placeholder 4">
+            <a:extLst>
+              <a:ext uri="{FF2B5EF4-FFF2-40B4-BE49-F238E27FC236}">
+                <a16:creationId xmlns:a16="http://schemas.microsoft.com/office/drawing/2014/main" id="{5A5D6226-C153-4C5F-B30C-5656FEDF3F73}"/>
+              </a:ext>
+            </a:extLst>
+          </p:cNvPr>
+          <p:cNvSpPr>
+            <a:spLocks noGrp="1"/>
+          </p:cNvSpPr>
+          <p:nvPr>
+            <p:ph type="ftr" sz="quarter" idx="11"/>
+          </p:nvPr>
+        </p:nvSpPr>
+        <p:spPr>
+          <a:xfrm>
+            <a:off x="6767622" y="6356350"/>
+            <a:ext cx="4040373" cy="365125"/>
+          </a:xfrm>
+        </p:spPr>
+        <p:txBody>
+          <a:bodyPr>
+            <a:normAutofit/>
+          </a:bodyPr>
+          <a:lstStyle/>
+          <a:p>
+            <a:pPr>
+              <a:spcAft>
+                <a:spcPts val="600"/>
+              </a:spcAft>
+            </a:pPr>
+            <a:r>
+              <a:rPr lang="en-US">
+                <a:effectLst>
+                  <a:outerShdw blurRad="38100" dist="38100" dir="2700000" algn="tl">
+                    <a:srgbClr val="000000">
+                      <a:alpha val="43137"/>
+                    </a:srgbClr>
+                  </a:outerShdw>
+                </a:effectLst>
+              </a:rPr>
+              <a:t>Sample Footer Text</a:t>
+            </a:r>
+          </a:p>
+        </p:txBody>
+      </p:sp>
+      <p:sp>
+        <p:nvSpPr>
+          <p:cNvPr id="13" name="Slide Number Placeholder 5">
+            <a:extLst>
+              <a:ext uri="{FF2B5EF4-FFF2-40B4-BE49-F238E27FC236}">
+                <a16:creationId xmlns:a16="http://schemas.microsoft.com/office/drawing/2014/main" id="{86091187-3CD7-4891-BB4A-9A3F2309F149}"/>
+              </a:ext>
+            </a:extLst>
+          </p:cNvPr>
+          <p:cNvSpPr>
+            <a:spLocks noGrp="1"/>
+          </p:cNvSpPr>
+          <p:nvPr>
+            <p:ph type="sldNum" sz="quarter" idx="12"/>
+          </p:nvPr>
+        </p:nvSpPr>
+        <p:spPr>
+          <a:xfrm>
+            <a:off x="10807995" y="6356350"/>
+            <a:ext cx="723014" cy="365125"/>
+          </a:xfrm>
+        </p:spPr>
+        <p:txBody>
+          <a:bodyPr>
+            <a:normAutofit/>
+          </a:bodyPr>
+          <a:lstStyle/>
+          <a:p>
+            <a:pPr>
+              <a:spcAft>
+                <a:spcPts val="600"/>
+              </a:spcAft>
+            </a:pPr>
+            <a:fld id="{2B6A0707-BFCA-4BDD-8B25-E2A14A0F80A6}" type="slidenum">
+              <a:rPr lang="en-US" smtClean="0">
+                <a:effectLst>
+                  <a:outerShdw blurRad="38100" dist="38100" dir="2700000" algn="tl">
+                    <a:srgbClr val="000000">
+                      <a:alpha val="43137"/>
+                    </a:srgbClr>
+                  </a:outerShdw>
+                </a:effectLst>
+              </a:rPr>
+              <a:pPr>
+                <a:spcAft>
+                  <a:spcPts val="600"/>
+                </a:spcAft>
+              </a:pPr>
+              <a:t>7</a:t>
+            </a:fld>
+            <a:endParaRPr lang="en-US">
+              <a:effectLst>
+                <a:outerShdw blurRad="38100" dist="38100" dir="2700000" algn="tl">
+                  <a:srgbClr val="000000">
+                    <a:alpha val="43137"/>
+                  </a:srgbClr>
+                </a:outerShdw>
+              </a:effectLst>
+            </a:endParaRPr>
+          </a:p>
+        </p:txBody>
+      </p:sp>
+    </p:spTree>
+    <p:extLst>
+      <p:ext uri="{BB962C8B-B14F-4D97-AF65-F5344CB8AC3E}">
+        <p14:creationId xmlns:p14="http://schemas.microsoft.com/office/powerpoint/2010/main" val="3440678061"/>
+      </p:ext>
+    </p:extLst>
+  </p:cSld>
+  <p:clrMapOvr>
+    <a:masterClrMapping/>
+  </p:clrMapOvr>
+</p:sld>
+</file>
+
+<file path=ppt/slides/slide8.xml><?xml version="1.0" encoding="utf-8"?>
+<p:sld xmlns:a="http://schemas.openxmlformats.org/drawingml/2006/main" xmlns:r="http://schemas.openxmlformats.org/officeDocument/2006/relationships" xmlns:p="http://schemas.openxmlformats.org/presentationml/2006/main">
+  <p:cSld>
+    <p:bg>
+      <p:bgPr>
+        <a:solidFill>
+          <a:schemeClr val="bg1"/>
+        </a:solidFill>
+        <a:effectLst/>
+      </p:bgPr>
+    </p:bg>
+    <p:spTree>
+      <p:nvGrpSpPr>
+        <p:cNvPr id="1" name=""/>
+        <p:cNvGrpSpPr/>
+        <p:nvPr/>
+      </p:nvGrpSpPr>
+      <p:grpSpPr>
+        <a:xfrm>
+          <a:off x="0" y="0"/>
+          <a:ext cx="0" cy="0"/>
+          <a:chOff x="0" y="0"/>
+          <a:chExt cx="0" cy="0"/>
+        </a:xfrm>
+      </p:grpSpPr>
+      <p:sp useBgFill="1">
+        <p:nvSpPr>
+          <p:cNvPr id="8" name="Rectangle 7">
+            <a:extLst>
+              <a:ext uri="{FF2B5EF4-FFF2-40B4-BE49-F238E27FC236}">
+                <a16:creationId xmlns:a16="http://schemas.microsoft.com/office/drawing/2014/main" id="{DBDA151C-5770-45E4-AAFF-59E7F403866D}"/>
+              </a:ext>
+              <a:ext uri="{C183D7F6-B498-43B3-948B-1728B52AA6E4}">
+                <adec:decorative xmlns:adec="http://schemas.microsoft.com/office/drawing/2017/decorative" val="1"/>
+              </a:ext>
+            </a:extLst>
+          </p:cNvPr>
+          <p:cNvSpPr>
+            <a:spLocks noGrp="1" noRot="1" noChangeAspect="1" noMove="1" noResize="1" noEditPoints="1" noAdjustHandles="1" noChangeArrowheads="1" noChangeShapeType="1" noTextEdit="1"/>
+          </p:cNvSpPr>
+          <p:nvPr>
+            <p:extLst>
+              <p:ext uri="{386F3935-93C4-4BCD-93E2-E3B085C9AB24}">
+                <p16:designElem xmlns:p16="http://schemas.microsoft.com/office/powerpoint/2015/main" val="1"/>
+              </p:ext>
+            </p:extLst>
+          </p:nvPr>
+        </p:nvSpPr>
+        <p:spPr>
+          <a:xfrm>
+            <a:off x="0" y="0"/>
+            <a:ext cx="12192000" cy="6858000"/>
+          </a:xfrm>
+          <a:prstGeom prst="rect">
+            <a:avLst/>
+          </a:prstGeom>
+          <a:ln w="12700" cap="flat" cmpd="sng" algn="ctr">
+            <a:noFill/>
+            <a:prstDash val="solid"/>
+            <a:miter lim="800000"/>
+          </a:ln>
+          <a:effectLst/>
+          <a:extLst>
+            <a:ext uri="{91240B29-F687-4F45-9708-019B960494DF}">
+              <a14:hiddenLine xmlns:a14="http://schemas.microsoft.com/office/drawing/2010/main" w="12700" cap="flat" cmpd="sng" algn="ctr">
+                <a:solidFill>
+                  <a:schemeClr val="accent1">
+                    <a:shade val="50000"/>
+                  </a:schemeClr>
+                </a:solidFill>
+                <a:prstDash val="solid"/>
+                <a:miter lim="800000"/>
+              </a14:hiddenLine>
+            </a:ext>
+          </a:extLst>
+        </p:spPr>
+        <p:style>
+          <a:lnRef idx="2">
+            <a:schemeClr val="accent1">
+              <a:shade val="50000"/>
+            </a:schemeClr>
+          </a:lnRef>
+          <a:fillRef idx="1">
+            <a:schemeClr val="accent1"/>
+          </a:fillRef>
+          <a:effectRef idx="0">
+            <a:schemeClr val="accent1"/>
+          </a:effectRef>
+          <a:fontRef idx="minor">
+            <a:schemeClr val="lt1"/>
+          </a:fontRef>
+        </p:style>
+        <p:txBody>
+          <a:bodyPr rtlCol="0" anchor="ctr"/>
+          <a:lstStyle/>
+          <a:p>
+            <a:pPr algn="ctr"/>
+            <a:endParaRPr lang="en-US"/>
+          </a:p>
+        </p:txBody>
+      </p:sp>
+      <p:sp>
+        <p:nvSpPr>
+          <p:cNvPr id="2" name="Заголовок 1">
+            <a:extLst>
+              <a:ext uri="{FF2B5EF4-FFF2-40B4-BE49-F238E27FC236}">
                 <a16:creationId xmlns:a16="http://schemas.microsoft.com/office/drawing/2014/main" id="{7DC329E7-0F67-91BB-430A-568C61A7C737}"/>
               </a:ext>
             </a:extLst>
@@ -6316,6 +8998,344 @@
     <p:extLst>
       <p:ext uri="{BB962C8B-B14F-4D97-AF65-F5344CB8AC3E}">
         <p14:creationId xmlns:p14="http://schemas.microsoft.com/office/powerpoint/2010/main" val="1643345755"/>
+      </p:ext>
+    </p:extLst>
+  </p:cSld>
+  <p:clrMapOvr>
+    <a:masterClrMapping/>
+  </p:clrMapOvr>
+</p:sld>
+</file>
+
+<file path=ppt/slides/slide9.xml><?xml version="1.0" encoding="utf-8"?>
+<p:sld xmlns:a="http://schemas.openxmlformats.org/drawingml/2006/main" xmlns:r="http://schemas.openxmlformats.org/officeDocument/2006/relationships" xmlns:p="http://schemas.openxmlformats.org/presentationml/2006/main">
+  <p:cSld>
+    <p:spTree>
+      <p:nvGrpSpPr>
+        <p:cNvPr id="1" name=""/>
+        <p:cNvGrpSpPr/>
+        <p:nvPr/>
+      </p:nvGrpSpPr>
+      <p:grpSpPr>
+        <a:xfrm>
+          <a:off x="0" y="0"/>
+          <a:ext cx="0" cy="0"/>
+          <a:chOff x="0" y="0"/>
+          <a:chExt cx="0" cy="0"/>
+        </a:xfrm>
+      </p:grpSpPr>
+      <p:sp>
+        <p:nvSpPr>
+          <p:cNvPr id="2" name="Заголовок 1">
+            <a:extLst>
+              <a:ext uri="{FF2B5EF4-FFF2-40B4-BE49-F238E27FC236}">
+                <a16:creationId xmlns:a16="http://schemas.microsoft.com/office/drawing/2014/main" id="{F8443EFF-081E-A61B-3F63-1FAB9BEE6D99}"/>
+              </a:ext>
+            </a:extLst>
+          </p:cNvPr>
+          <p:cNvSpPr>
+            <a:spLocks noGrp="1"/>
+          </p:cNvSpPr>
+          <p:nvPr>
+            <p:ph type="title"/>
+          </p:nvPr>
+        </p:nvSpPr>
+        <p:spPr>
+          <a:xfrm>
+            <a:off x="914401" y="1371600"/>
+            <a:ext cx="3943762" cy="1314443"/>
+          </a:xfrm>
+        </p:spPr>
+        <p:txBody>
+          <a:bodyPr>
+            <a:normAutofit/>
+          </a:bodyPr>
+          <a:lstStyle/>
+          <a:p>
+            <a:r>
+              <a:rPr lang="ru-RU" sz="3700" dirty="0"/>
+              <a:t>Отличия от других проектов</a:t>
+            </a:r>
+          </a:p>
+        </p:txBody>
+      </p:sp>
+      <p:sp>
+        <p:nvSpPr>
+          <p:cNvPr id="3" name="Объект 2">
+            <a:extLst>
+              <a:ext uri="{FF2B5EF4-FFF2-40B4-BE49-F238E27FC236}">
+                <a16:creationId xmlns:a16="http://schemas.microsoft.com/office/drawing/2014/main" id="{8D5365C5-811E-8D8E-91CB-D643CF566793}"/>
+              </a:ext>
+            </a:extLst>
+          </p:cNvPr>
+          <p:cNvSpPr>
+            <a:spLocks noGrp="1"/>
+          </p:cNvSpPr>
+          <p:nvPr>
+            <p:ph idx="1"/>
+          </p:nvPr>
+        </p:nvSpPr>
+        <p:spPr>
+          <a:xfrm>
+            <a:off x="914400" y="2853369"/>
+            <a:ext cx="3943762" cy="3088460"/>
+          </a:xfrm>
+        </p:spPr>
+        <p:txBody>
+          <a:bodyPr>
+            <a:normAutofit fontScale="92500" lnSpcReduction="20000"/>
+          </a:bodyPr>
+          <a:lstStyle/>
+          <a:p>
+            <a:pPr>
+              <a:lnSpc>
+                <a:spcPct val="110000"/>
+              </a:lnSpc>
+            </a:pPr>
+            <a:r>
+              <a:rPr lang="ru-RU" sz="1300" dirty="0"/>
+              <a:t>Проект не рассчитан просто на подготовку школьников к ЕГЭ, как многие в секторе образования. Его главной целью является предоставление качественного, массового, дополнительного, доступного образования всем желающим.</a:t>
+            </a:r>
+          </a:p>
+          <a:p>
+            <a:pPr>
+              <a:lnSpc>
+                <a:spcPct val="110000"/>
+              </a:lnSpc>
+            </a:pPr>
+            <a:r>
+              <a:rPr lang="ru-RU" sz="1300" dirty="0"/>
+              <a:t>Проект может стать хорошим примером применения новых технологий в сфере образования</a:t>
+            </a:r>
+          </a:p>
+          <a:p>
+            <a:pPr>
+              <a:lnSpc>
+                <a:spcPct val="110000"/>
+              </a:lnSpc>
+            </a:pPr>
+            <a:r>
+              <a:rPr lang="ru-RU" sz="1300" dirty="0"/>
+              <a:t>Проект нацелен на сотрудничество с образовательными учреждениями</a:t>
+            </a:r>
+          </a:p>
+          <a:p>
+            <a:pPr>
+              <a:lnSpc>
+                <a:spcPct val="110000"/>
+              </a:lnSpc>
+            </a:pPr>
+            <a:r>
+              <a:rPr lang="ru-RU" sz="1300" dirty="0"/>
+              <a:t>В рамках развития проект будет заниматься исследованиями в сфере образования</a:t>
+            </a:r>
+          </a:p>
+          <a:p>
+            <a:pPr>
+              <a:lnSpc>
+                <a:spcPct val="110000"/>
+              </a:lnSpc>
+            </a:pPr>
+            <a:r>
+              <a:rPr lang="ru-RU" sz="1300" dirty="0"/>
+              <a:t>Гибкость для преподавателей</a:t>
+            </a:r>
+          </a:p>
+        </p:txBody>
+      </p:sp>
+      <p:pic>
+        <p:nvPicPr>
+          <p:cNvPr id="5" name="Picture 4" descr="Белые лампы, среди которых одна желтая">
+            <a:extLst>
+              <a:ext uri="{FF2B5EF4-FFF2-40B4-BE49-F238E27FC236}">
+                <a16:creationId xmlns:a16="http://schemas.microsoft.com/office/drawing/2014/main" id="{7AFA46AC-5EC6-1F69-E786-BFF922D3C35B}"/>
+              </a:ext>
+            </a:extLst>
+          </p:cNvPr>
+          <p:cNvPicPr>
+            <a:picLocks noChangeAspect="1"/>
+          </p:cNvPicPr>
+          <p:nvPr/>
+        </p:nvPicPr>
+        <p:blipFill rotWithShape="1">
+          <a:blip r:embed="rId2"/>
+          <a:srcRect l="10371" r="26241" b="-1"/>
+          <a:stretch/>
+        </p:blipFill>
+        <p:spPr>
+          <a:xfrm>
+            <a:off x="5679452" y="10"/>
+            <a:ext cx="6512547" cy="6857990"/>
+          </a:xfrm>
+          <a:prstGeom prst="rect">
+            <a:avLst/>
+          </a:prstGeom>
+          <a:noFill/>
+        </p:spPr>
+      </p:pic>
+      <p:sp>
+        <p:nvSpPr>
+          <p:cNvPr id="9" name="Date Placeholder 3">
+            <a:extLst>
+              <a:ext uri="{FF2B5EF4-FFF2-40B4-BE49-F238E27FC236}">
+                <a16:creationId xmlns:a16="http://schemas.microsoft.com/office/drawing/2014/main" id="{1F044AAC-B761-4B43-A7F5-E83A2E6C3D2E}"/>
+              </a:ext>
+            </a:extLst>
+          </p:cNvPr>
+          <p:cNvSpPr>
+            <a:spLocks noGrp="1"/>
+          </p:cNvSpPr>
+          <p:nvPr>
+            <p:ph type="dt" sz="half" idx="10"/>
+          </p:nvPr>
+        </p:nvSpPr>
+        <p:spPr>
+          <a:xfrm>
+            <a:off x="912628" y="6356350"/>
+            <a:ext cx="2743200" cy="365125"/>
+          </a:xfrm>
+        </p:spPr>
+        <p:txBody>
+          <a:bodyPr/>
+          <a:lstStyle/>
+          <a:p>
+            <a:pPr>
+              <a:spcAft>
+                <a:spcPts val="600"/>
+              </a:spcAft>
+            </a:pPr>
+            <a:fld id="{238A62C4-9532-477E-82D0-1BD0CBC71971}" type="datetime1">
+              <a:rPr lang="en-US" smtClean="0"/>
+              <a:pPr>
+                <a:spcAft>
+                  <a:spcPts val="600"/>
+                </a:spcAft>
+              </a:pPr>
+              <a:t>3/3/2024</a:t>
+            </a:fld>
+            <a:endParaRPr lang="en-US" dirty="0"/>
+          </a:p>
+        </p:txBody>
+      </p:sp>
+      <p:sp>
+        <p:nvSpPr>
+          <p:cNvPr id="11" name="Footer Placeholder 4">
+            <a:extLst>
+              <a:ext uri="{FF2B5EF4-FFF2-40B4-BE49-F238E27FC236}">
+                <a16:creationId xmlns:a16="http://schemas.microsoft.com/office/drawing/2014/main" id="{5A5D6226-C153-4C5F-B30C-5656FEDF3F73}"/>
+              </a:ext>
+            </a:extLst>
+          </p:cNvPr>
+          <p:cNvSpPr>
+            <a:spLocks noGrp="1"/>
+          </p:cNvSpPr>
+          <p:nvPr>
+            <p:ph type="ftr" sz="quarter" idx="11"/>
+          </p:nvPr>
+        </p:nvSpPr>
+        <p:spPr>
+          <a:xfrm>
+            <a:off x="6767622" y="6356350"/>
+            <a:ext cx="4040373" cy="365125"/>
+          </a:xfrm>
+        </p:spPr>
+        <p:txBody>
+          <a:bodyPr/>
+          <a:lstStyle/>
+          <a:p>
+            <a:pPr>
+              <a:spcAft>
+                <a:spcPts val="600"/>
+              </a:spcAft>
+            </a:pPr>
+            <a:r>
+              <a:rPr lang="en-US">
+                <a:solidFill>
+                  <a:srgbClr val="FFFFFF"/>
+                </a:solidFill>
+                <a:effectLst>
+                  <a:outerShdw blurRad="38100" dist="38100" dir="2700000" algn="tl">
+                    <a:srgbClr val="000000">
+                      <a:alpha val="43137"/>
+                    </a:srgbClr>
+                  </a:outerShdw>
+                </a:effectLst>
+              </a:rPr>
+              <a:t>Sample Footer Text</a:t>
+            </a:r>
+          </a:p>
+        </p:txBody>
+      </p:sp>
+      <p:sp>
+        <p:nvSpPr>
+          <p:cNvPr id="13" name="Slide Number Placeholder 5">
+            <a:extLst>
+              <a:ext uri="{FF2B5EF4-FFF2-40B4-BE49-F238E27FC236}">
+                <a16:creationId xmlns:a16="http://schemas.microsoft.com/office/drawing/2014/main" id="{86091187-3CD7-4891-BB4A-9A3F2309F149}"/>
+              </a:ext>
+            </a:extLst>
+          </p:cNvPr>
+          <p:cNvSpPr>
+            <a:spLocks noGrp="1"/>
+          </p:cNvSpPr>
+          <p:nvPr>
+            <p:ph type="sldNum" sz="quarter" idx="12"/>
+          </p:nvPr>
+        </p:nvSpPr>
+        <p:spPr>
+          <a:xfrm>
+            <a:off x="10807995" y="6356350"/>
+            <a:ext cx="723014" cy="365125"/>
+          </a:xfrm>
+        </p:spPr>
+        <p:txBody>
+          <a:bodyPr/>
+          <a:lstStyle/>
+          <a:p>
+            <a:pPr>
+              <a:spcAft>
+                <a:spcPts val="600"/>
+              </a:spcAft>
+            </a:pPr>
+            <a:fld id="{2B6A0707-BFCA-4BDD-8B25-E2A14A0F80A6}" type="slidenum">
+              <a:rPr lang="en-US" smtClean="0">
+                <a:solidFill>
+                  <a:srgbClr val="FFFFFF"/>
+                </a:solidFill>
+                <a:effectLst>
+                  <a:outerShdw blurRad="38100" dist="38100" dir="2700000" algn="tl">
+                    <a:srgbClr val="000000">
+                      <a:alpha val="43137"/>
+                    </a:srgbClr>
+                  </a:outerShdw>
+                </a:effectLst>
+              </a:rPr>
+              <a:pPr>
+                <a:spcAft>
+                  <a:spcPts val="600"/>
+                </a:spcAft>
+              </a:pPr>
+              <a:t>9</a:t>
+            </a:fld>
+            <a:endParaRPr lang="en-US">
+              <a:solidFill>
+                <a:srgbClr val="FFFFFF"/>
+              </a:solidFill>
+              <a:effectLst>
+                <a:outerShdw blurRad="38100" dist="38100" dir="2700000" algn="tl">
+                  <a:srgbClr val="000000">
+                    <a:alpha val="43137"/>
+                  </a:srgbClr>
+                </a:outerShdw>
+              </a:effectLst>
+            </a:endParaRPr>
+          </a:p>
+        </p:txBody>
+      </p:sp>
+    </p:spTree>
+    <p:extLst>
+      <p:ext uri="{BB962C8B-B14F-4D97-AF65-F5344CB8AC3E}">
+        <p14:creationId xmlns:p14="http://schemas.microsoft.com/office/powerpoint/2010/main" val="1224037392"/>
       </p:ext>
     </p:extLst>
   </p:cSld>
@@ -6524,4 +9544,24 @@
     </a:ext>
   </a:extLst>
 </a:theme>
+</file>
+
+<file path=ppt/webextensions/taskpanes.xml><?xml version="1.0" encoding="utf-8"?>
+<wetp:taskpanes xmlns:wetp="http://schemas.microsoft.com/office/webextensions/taskpanes/2010/11">
+  <wetp:taskpane dockstate="right" visibility="0" width="525" row="1">
+    <wetp:webextensionref xmlns:r="http://schemas.openxmlformats.org/officeDocument/2006/relationships" r:id="rId1"/>
+  </wetp:taskpane>
+</wetp:taskpanes>
+</file>
+
+<file path=ppt/webextensions/webextension1.xml><?xml version="1.0" encoding="utf-8"?>
+<we:webextension xmlns:we="http://schemas.microsoft.com/office/webextensions/webextension/2010/11" id="{150D6D13-6CBE-4D77-BF4C-22DA2358B353}">
+  <we:reference id="wa200005566" version="3.0.0.2" store="ru-RU" storeType="OMEX"/>
+  <we:alternateReferences>
+    <we:reference id="wa200005566" version="3.0.0.2" store="wa200005566" storeType="OMEX"/>
+  </we:alternateReferences>
+  <we:properties/>
+  <we:bindings/>
+  <we:snapshot xmlns:r="http://schemas.openxmlformats.org/officeDocument/2006/relationships"/>
+</we:webextension>
 </file>